--- a/auth-static-webapp/images/figures.pptx
+++ b/auth-static-webapp/images/figures.pptx
@@ -6,7 +6,8 @@
   </p:sldMasterIdLst>
   <p:sldIdLst>
     <p:sldId id="257" r:id="rId2"/>
-    <p:sldId id="256" r:id="rId3"/>
+    <p:sldId id="258" r:id="rId3"/>
+    <p:sldId id="256" r:id="rId4"/>
   </p:sldIdLst>
   <p:sldSz cx="12192000" cy="6858000"/>
   <p:notesSz cx="6858000" cy="9144000"/>
@@ -3610,6 +3611,60 @@
           <a:chExt cx="0" cy="0"/>
         </a:xfrm>
       </p:grpSpPr>
+      <p:sp>
+        <p:nvSpPr>
+          <p:cNvPr id="48" name="正方形/長方形 47">
+            <a:extLst>
+              <a:ext uri="{FF2B5EF4-FFF2-40B4-BE49-F238E27FC236}">
+                <a16:creationId xmlns:a16="http://schemas.microsoft.com/office/drawing/2014/main" id="{9037F7E7-923A-4037-B3AA-F79F3FB918EF}"/>
+              </a:ext>
+            </a:extLst>
+          </p:cNvPr>
+          <p:cNvSpPr/>
+          <p:nvPr/>
+        </p:nvSpPr>
+        <p:spPr>
+          <a:xfrm>
+            <a:off x="111320" y="240715"/>
+            <a:ext cx="11140522" cy="6559330"/>
+          </a:xfrm>
+          <a:prstGeom prst="rect">
+            <a:avLst/>
+          </a:prstGeom>
+          <a:solidFill>
+            <a:schemeClr val="bg1">
+              <a:lumMod val="95000"/>
+            </a:schemeClr>
+          </a:solidFill>
+          <a:ln>
+            <a:noFill/>
+          </a:ln>
+        </p:spPr>
+        <p:style>
+          <a:lnRef idx="2">
+            <a:schemeClr val="accent1">
+              <a:shade val="50000"/>
+            </a:schemeClr>
+          </a:lnRef>
+          <a:fillRef idx="1">
+            <a:schemeClr val="accent1"/>
+          </a:fillRef>
+          <a:effectRef idx="0">
+            <a:schemeClr val="accent1"/>
+          </a:effectRef>
+          <a:fontRef idx="minor">
+            <a:schemeClr val="lt1"/>
+          </a:fontRef>
+        </p:style>
+        <p:txBody>
+          <a:bodyPr rtlCol="0" anchor="ctr"/>
+          <a:lstStyle/>
+          <a:p>
+            <a:pPr algn="ctr"/>
+            <a:endParaRPr kumimoji="1" lang="ja-JP" altLang="en-US" dirty="0"/>
+          </a:p>
+        </p:txBody>
+      </p:sp>
       <p:pic>
         <p:nvPicPr>
           <p:cNvPr id="7" name="図 6" descr="グラフィカル ユーザー インターフェイス, テキスト&#10;&#10;自動的に生成された説明">
@@ -3801,7 +3856,7 @@
         </p:nvSpPr>
         <p:spPr>
           <a:xfrm>
-            <a:off x="3842976" y="319293"/>
+            <a:off x="3842976" y="289242"/>
             <a:ext cx="2231823" cy="461665"/>
           </a:xfrm>
           <a:prstGeom prst="rect">
@@ -4350,12 +4405,66 @@
           <a:chExt cx="0" cy="0"/>
         </a:xfrm>
       </p:grpSpPr>
+      <p:sp>
+        <p:nvSpPr>
+          <p:cNvPr id="16" name="正方形/長方形 15">
+            <a:extLst>
+              <a:ext uri="{FF2B5EF4-FFF2-40B4-BE49-F238E27FC236}">
+                <a16:creationId xmlns:a16="http://schemas.microsoft.com/office/drawing/2014/main" id="{6F92F6F5-52F0-4B4A-8956-BAC495F11B11}"/>
+              </a:ext>
+            </a:extLst>
+          </p:cNvPr>
+          <p:cNvSpPr/>
+          <p:nvPr/>
+        </p:nvSpPr>
+        <p:spPr>
+          <a:xfrm>
+            <a:off x="553792" y="240715"/>
+            <a:ext cx="9118242" cy="2734305"/>
+          </a:xfrm>
+          <a:prstGeom prst="rect">
+            <a:avLst/>
+          </a:prstGeom>
+          <a:solidFill>
+            <a:schemeClr val="bg1">
+              <a:lumMod val="95000"/>
+            </a:schemeClr>
+          </a:solidFill>
+          <a:ln>
+            <a:noFill/>
+          </a:ln>
+        </p:spPr>
+        <p:style>
+          <a:lnRef idx="2">
+            <a:schemeClr val="accent1">
+              <a:shade val="50000"/>
+            </a:schemeClr>
+          </a:lnRef>
+          <a:fillRef idx="1">
+            <a:schemeClr val="accent1"/>
+          </a:fillRef>
+          <a:effectRef idx="0">
+            <a:schemeClr val="accent1"/>
+          </a:effectRef>
+          <a:fontRef idx="minor">
+            <a:schemeClr val="lt1"/>
+          </a:fontRef>
+        </p:style>
+        <p:txBody>
+          <a:bodyPr rtlCol="0" anchor="ctr"/>
+          <a:lstStyle/>
+          <a:p>
+            <a:pPr algn="ctr"/>
+            <a:endParaRPr kumimoji="1" lang="ja-JP" altLang="en-US" dirty="0"/>
+          </a:p>
+        </p:txBody>
+      </p:sp>
       <p:pic>
         <p:nvPicPr>
-          <p:cNvPr id="5" name="図 4" descr="グラフィカル ユーザー インターフェイス, テキスト, アプリケーション, メール&#10;&#10;自動的に生成された説明">
-            <a:extLst>
-              <a:ext uri="{FF2B5EF4-FFF2-40B4-BE49-F238E27FC236}">
-                <a16:creationId xmlns:a16="http://schemas.microsoft.com/office/drawing/2014/main" id="{0220BBAC-428E-4095-B70C-D868ECC85723}"/>
+          <p:cNvPr id="9" name="図 8" descr="グラフィカル ユーザー インターフェイス, テキスト, アプリケーション&#10;&#10;自動的に生成された説明">
+            <a:extLst>
+              <a:ext uri="{FF2B5EF4-FFF2-40B4-BE49-F238E27FC236}">
+                <a16:creationId xmlns:a16="http://schemas.microsoft.com/office/drawing/2014/main" id="{8EB1F82E-DCD8-4547-BB61-BCD28C29721C}"/>
               </a:ext>
             </a:extLst>
           </p:cNvPr>
@@ -4372,8 +4481,230 @@
         </p:blipFill>
         <p:spPr>
           <a:xfrm>
-            <a:off x="471825" y="760230"/>
-            <a:ext cx="10002646" cy="4582164"/>
+            <a:off x="716241" y="595935"/>
+            <a:ext cx="3766537" cy="2165285"/>
+          </a:xfrm>
+          <a:prstGeom prst="rect">
+            <a:avLst/>
+          </a:prstGeom>
+          <a:ln>
+            <a:noFill/>
+          </a:ln>
+          <a:effectLst>
+            <a:outerShdw blurRad="292100" dist="139700" dir="2700000" algn="tl" rotWithShape="0">
+              <a:srgbClr val="333333">
+                <a:alpha val="65000"/>
+              </a:srgbClr>
+            </a:outerShdw>
+          </a:effectLst>
+        </p:spPr>
+      </p:pic>
+      <p:sp>
+        <p:nvSpPr>
+          <p:cNvPr id="10" name="テキスト ボックス 9">
+            <a:extLst>
+              <a:ext uri="{FF2B5EF4-FFF2-40B4-BE49-F238E27FC236}">
+                <a16:creationId xmlns:a16="http://schemas.microsoft.com/office/drawing/2014/main" id="{E8DDE1FF-ED7E-4B22-8C94-93D112E222A6}"/>
+              </a:ext>
+            </a:extLst>
+          </p:cNvPr>
+          <p:cNvSpPr txBox="1"/>
+          <p:nvPr/>
+        </p:nvSpPr>
+        <p:spPr>
+          <a:xfrm>
+            <a:off x="840506" y="318936"/>
+            <a:ext cx="1723549" cy="276999"/>
+          </a:xfrm>
+          <a:prstGeom prst="rect">
+            <a:avLst/>
+          </a:prstGeom>
+          <a:noFill/>
+        </p:spPr>
+        <p:txBody>
+          <a:bodyPr wrap="none" rtlCol="0">
+            <a:spAutoFit/>
+          </a:bodyPr>
+          <a:lstStyle/>
+          <a:p>
+            <a:r>
+              <a:rPr lang="ja-JP" altLang="en-US" sz="1200" dirty="0"/>
+              <a:t>サービスプリンシパル</a:t>
+            </a:r>
+            <a:endParaRPr kumimoji="1" lang="ja-JP" altLang="en-US" sz="1200" dirty="0"/>
+          </a:p>
+        </p:txBody>
+      </p:sp>
+      <p:pic>
+        <p:nvPicPr>
+          <p:cNvPr id="12" name="図 11" descr="グラフィカル ユーザー インターフェイス, テキスト, アプリケーション, メール&#10;&#10;自動的に生成された説明">
+            <a:extLst>
+              <a:ext uri="{FF2B5EF4-FFF2-40B4-BE49-F238E27FC236}">
+                <a16:creationId xmlns:a16="http://schemas.microsoft.com/office/drawing/2014/main" id="{DBB86535-72CC-4928-A90F-AE321C3D5F25}"/>
+              </a:ext>
+            </a:extLst>
+          </p:cNvPr>
+          <p:cNvPicPr>
+            <a:picLocks noChangeAspect="1"/>
+          </p:cNvPicPr>
+          <p:nvPr/>
+        </p:nvPicPr>
+        <p:blipFill>
+          <a:blip r:embed="rId3"/>
+          <a:stretch>
+            <a:fillRect/>
+          </a:stretch>
+        </p:blipFill>
+        <p:spPr>
+          <a:xfrm>
+            <a:off x="4771088" y="571329"/>
+            <a:ext cx="4644087" cy="2214496"/>
+          </a:xfrm>
+          <a:prstGeom prst="rect">
+            <a:avLst/>
+          </a:prstGeom>
+          <a:ln>
+            <a:noFill/>
+          </a:ln>
+          <a:effectLst>
+            <a:outerShdw blurRad="292100" dist="139700" dir="2700000" algn="tl" rotWithShape="0">
+              <a:srgbClr val="333333">
+                <a:alpha val="65000"/>
+              </a:srgbClr>
+            </a:outerShdw>
+          </a:effectLst>
+        </p:spPr>
+      </p:pic>
+      <p:sp>
+        <p:nvSpPr>
+          <p:cNvPr id="14" name="テキスト ボックス 13">
+            <a:extLst>
+              <a:ext uri="{FF2B5EF4-FFF2-40B4-BE49-F238E27FC236}">
+                <a16:creationId xmlns:a16="http://schemas.microsoft.com/office/drawing/2014/main" id="{0128B852-F01C-4355-9277-492D667E0926}"/>
+              </a:ext>
+            </a:extLst>
+          </p:cNvPr>
+          <p:cNvSpPr txBox="1"/>
+          <p:nvPr/>
+        </p:nvSpPr>
+        <p:spPr>
+          <a:xfrm>
+            <a:off x="5311622" y="318936"/>
+            <a:ext cx="954107" cy="276999"/>
+          </a:xfrm>
+          <a:prstGeom prst="rect">
+            <a:avLst/>
+          </a:prstGeom>
+          <a:noFill/>
+        </p:spPr>
+        <p:txBody>
+          <a:bodyPr wrap="none" rtlCol="0">
+            <a:spAutoFit/>
+          </a:bodyPr>
+          <a:lstStyle/>
+          <a:p>
+            <a:r>
+              <a:rPr lang="ja-JP" altLang="en-US" sz="1200" dirty="0"/>
+              <a:t>マイアプリ</a:t>
+            </a:r>
+            <a:endParaRPr kumimoji="1" lang="ja-JP" altLang="en-US" sz="1200" dirty="0"/>
+          </a:p>
+        </p:txBody>
+      </p:sp>
+    </p:spTree>
+    <p:extLst>
+      <p:ext uri="{BB962C8B-B14F-4D97-AF65-F5344CB8AC3E}">
+        <p14:creationId xmlns:p14="http://schemas.microsoft.com/office/powerpoint/2010/main" val="4069256027"/>
+      </p:ext>
+    </p:extLst>
+  </p:cSld>
+  <p:clrMapOvr>
+    <a:masterClrMapping/>
+  </p:clrMapOvr>
+</p:sld>
+</file>
+
+<file path=ppt/slides/slide3.xml><?xml version="1.0" encoding="utf-8"?>
+<p:sld xmlns:a="http://schemas.openxmlformats.org/drawingml/2006/main" xmlns:r="http://schemas.openxmlformats.org/officeDocument/2006/relationships" xmlns:p="http://schemas.openxmlformats.org/presentationml/2006/main">
+  <p:cSld>
+    <p:spTree>
+      <p:nvGrpSpPr>
+        <p:cNvPr id="1" name=""/>
+        <p:cNvGrpSpPr/>
+        <p:nvPr/>
+      </p:nvGrpSpPr>
+      <p:grpSpPr>
+        <a:xfrm>
+          <a:off x="0" y="0"/>
+          <a:ext cx="0" cy="0"/>
+          <a:chOff x="0" y="0"/>
+          <a:chExt cx="0" cy="0"/>
+        </a:xfrm>
+      </p:grpSpPr>
+      <p:pic>
+        <p:nvPicPr>
+          <p:cNvPr id="11" name="図 10" descr="グラフィカル ユーザー インターフェイス, テキスト, アプリケーション, メール&#10;&#10;自動的に生成された説明">
+            <a:extLst>
+              <a:ext uri="{FF2B5EF4-FFF2-40B4-BE49-F238E27FC236}">
+                <a16:creationId xmlns:a16="http://schemas.microsoft.com/office/drawing/2014/main" id="{47B7FEEF-9BCD-4E84-9946-D14349A75900}"/>
+              </a:ext>
+            </a:extLst>
+          </p:cNvPr>
+          <p:cNvPicPr>
+            <a:picLocks noChangeAspect="1"/>
+          </p:cNvPicPr>
+          <p:nvPr/>
+        </p:nvPicPr>
+        <p:blipFill>
+          <a:blip r:embed="rId2"/>
+          <a:stretch>
+            <a:fillRect/>
+          </a:stretch>
+        </p:blipFill>
+        <p:spPr>
+          <a:xfrm>
+            <a:off x="1007705" y="1868640"/>
+            <a:ext cx="5430421" cy="2598205"/>
+          </a:xfrm>
+          <a:prstGeom prst="rect">
+            <a:avLst/>
+          </a:prstGeom>
+          <a:ln>
+            <a:noFill/>
+          </a:ln>
+          <a:effectLst>
+            <a:outerShdw blurRad="292100" dist="139700" dir="2700000" algn="tl" rotWithShape="0">
+              <a:srgbClr val="333333">
+                <a:alpha val="65000"/>
+              </a:srgbClr>
+            </a:outerShdw>
+          </a:effectLst>
+        </p:spPr>
+      </p:pic>
+      <p:pic>
+        <p:nvPicPr>
+          <p:cNvPr id="13" name="図 12" descr="グラフィカル ユーザー インターフェイス, テキスト, アプリケーション, メール&#10;&#10;自動的に生成された説明">
+            <a:extLst>
+              <a:ext uri="{FF2B5EF4-FFF2-40B4-BE49-F238E27FC236}">
+                <a16:creationId xmlns:a16="http://schemas.microsoft.com/office/drawing/2014/main" id="{334F8C0B-F9BB-4B00-B72D-C8C00BC63EA4}"/>
+              </a:ext>
+            </a:extLst>
+          </p:cNvPr>
+          <p:cNvPicPr>
+            <a:picLocks noChangeAspect="1"/>
+          </p:cNvPicPr>
+          <p:nvPr/>
+        </p:nvPicPr>
+        <p:blipFill>
+          <a:blip r:embed="rId3"/>
+          <a:stretch>
+            <a:fillRect/>
+          </a:stretch>
+        </p:blipFill>
+        <p:spPr>
+          <a:xfrm>
+            <a:off x="7110174" y="1868640"/>
+            <a:ext cx="3074875" cy="2600688"/>
           </a:xfrm>
           <a:prstGeom prst="rect">
             <a:avLst/>

--- a/auth-static-webapp/images/figures.pptx
+++ b/auth-static-webapp/images/figures.pptx
@@ -8,6 +8,11 @@
     <p:sldId id="257" r:id="rId2"/>
     <p:sldId id="258" r:id="rId3"/>
     <p:sldId id="256" r:id="rId4"/>
+    <p:sldId id="260" r:id="rId5"/>
+    <p:sldId id="261" r:id="rId6"/>
+    <p:sldId id="259" r:id="rId7"/>
+    <p:sldId id="262" r:id="rId8"/>
+    <p:sldId id="263" r:id="rId9"/>
   </p:sldIdLst>
   <p:sldSz cx="12192000" cy="6858000"/>
   <p:notesSz cx="6858000" cy="9144000"/>
@@ -106,6 +111,11 @@
       </a:defRPr>
     </a:lvl9pPr>
   </p:defaultTextStyle>
+  <p:extLst>
+    <p:ext uri="{EFAFB233-063F-42B5-8137-9DF3F51BA10A}">
+      <p15:sldGuideLst xmlns:p15="http://schemas.microsoft.com/office/powerpoint/2012/main"/>
+    </p:ext>
+  </p:extLst>
 </p:presentation>
 </file>
 
@@ -256,7 +266,7 @@
           <a:p>
             <a:fld id="{8A0DF276-9C99-422E-AA66-4C2095409B2B}" type="datetimeFigureOut">
               <a:rPr kumimoji="1" lang="ja-JP" altLang="en-US" smtClean="0"/>
-              <a:t>2021/7/13</a:t>
+              <a:t>2021/7/14</a:t>
             </a:fld>
             <a:endParaRPr kumimoji="1" lang="ja-JP" altLang="en-US"/>
           </a:p>
@@ -486,7 +496,7 @@
           <a:p>
             <a:fld id="{8A0DF276-9C99-422E-AA66-4C2095409B2B}" type="datetimeFigureOut">
               <a:rPr kumimoji="1" lang="ja-JP" altLang="en-US" smtClean="0"/>
-              <a:t>2021/7/13</a:t>
+              <a:t>2021/7/14</a:t>
             </a:fld>
             <a:endParaRPr kumimoji="1" lang="ja-JP" altLang="en-US"/>
           </a:p>
@@ -726,7 +736,7 @@
           <a:p>
             <a:fld id="{8A0DF276-9C99-422E-AA66-4C2095409B2B}" type="datetimeFigureOut">
               <a:rPr kumimoji="1" lang="ja-JP" altLang="en-US" smtClean="0"/>
-              <a:t>2021/7/13</a:t>
+              <a:t>2021/7/14</a:t>
             </a:fld>
             <a:endParaRPr kumimoji="1" lang="ja-JP" altLang="en-US"/>
           </a:p>
@@ -956,7 +966,7 @@
           <a:p>
             <a:fld id="{8A0DF276-9C99-422E-AA66-4C2095409B2B}" type="datetimeFigureOut">
               <a:rPr kumimoji="1" lang="ja-JP" altLang="en-US" smtClean="0"/>
-              <a:t>2021/7/13</a:t>
+              <a:t>2021/7/14</a:t>
             </a:fld>
             <a:endParaRPr kumimoji="1" lang="ja-JP" altLang="en-US"/>
           </a:p>
@@ -1231,7 +1241,7 @@
           <a:p>
             <a:fld id="{8A0DF276-9C99-422E-AA66-4C2095409B2B}" type="datetimeFigureOut">
               <a:rPr kumimoji="1" lang="ja-JP" altLang="en-US" smtClean="0"/>
-              <a:t>2021/7/13</a:t>
+              <a:t>2021/7/14</a:t>
             </a:fld>
             <a:endParaRPr kumimoji="1" lang="ja-JP" altLang="en-US"/>
           </a:p>
@@ -1560,7 +1570,7 @@
           <a:p>
             <a:fld id="{8A0DF276-9C99-422E-AA66-4C2095409B2B}" type="datetimeFigureOut">
               <a:rPr kumimoji="1" lang="ja-JP" altLang="en-US" smtClean="0"/>
-              <a:t>2021/7/13</a:t>
+              <a:t>2021/7/14</a:t>
             </a:fld>
             <a:endParaRPr kumimoji="1" lang="ja-JP" altLang="en-US"/>
           </a:p>
@@ -2036,7 +2046,7 @@
           <a:p>
             <a:fld id="{8A0DF276-9C99-422E-AA66-4C2095409B2B}" type="datetimeFigureOut">
               <a:rPr kumimoji="1" lang="ja-JP" altLang="en-US" smtClean="0"/>
-              <a:t>2021/7/13</a:t>
+              <a:t>2021/7/14</a:t>
             </a:fld>
             <a:endParaRPr kumimoji="1" lang="ja-JP" altLang="en-US"/>
           </a:p>
@@ -2177,7 +2187,7 @@
           <a:p>
             <a:fld id="{8A0DF276-9C99-422E-AA66-4C2095409B2B}" type="datetimeFigureOut">
               <a:rPr kumimoji="1" lang="ja-JP" altLang="en-US" smtClean="0"/>
-              <a:t>2021/7/13</a:t>
+              <a:t>2021/7/14</a:t>
             </a:fld>
             <a:endParaRPr kumimoji="1" lang="ja-JP" altLang="en-US"/>
           </a:p>
@@ -2290,7 +2300,7 @@
           <a:p>
             <a:fld id="{8A0DF276-9C99-422E-AA66-4C2095409B2B}" type="datetimeFigureOut">
               <a:rPr kumimoji="1" lang="ja-JP" altLang="en-US" smtClean="0"/>
-              <a:t>2021/7/13</a:t>
+              <a:t>2021/7/14</a:t>
             </a:fld>
             <a:endParaRPr kumimoji="1" lang="ja-JP" altLang="en-US"/>
           </a:p>
@@ -2633,7 +2643,7 @@
           <a:p>
             <a:fld id="{8A0DF276-9C99-422E-AA66-4C2095409B2B}" type="datetimeFigureOut">
               <a:rPr kumimoji="1" lang="ja-JP" altLang="en-US" smtClean="0"/>
-              <a:t>2021/7/13</a:t>
+              <a:t>2021/7/14</a:t>
             </a:fld>
             <a:endParaRPr kumimoji="1" lang="ja-JP" altLang="en-US"/>
           </a:p>
@@ -2921,7 +2931,7 @@
           <a:p>
             <a:fld id="{8A0DF276-9C99-422E-AA66-4C2095409B2B}" type="datetimeFigureOut">
               <a:rPr kumimoji="1" lang="ja-JP" altLang="en-US" smtClean="0"/>
-              <a:t>2021/7/13</a:t>
+              <a:t>2021/7/14</a:t>
             </a:fld>
             <a:endParaRPr kumimoji="1" lang="ja-JP" altLang="en-US"/>
           </a:p>
@@ -3194,7 +3204,7 @@
           <a:p>
             <a:fld id="{8A0DF276-9C99-422E-AA66-4C2095409B2B}" type="datetimeFigureOut">
               <a:rPr kumimoji="1" lang="ja-JP" altLang="en-US" smtClean="0"/>
-              <a:t>2021/7/13</a:t>
+              <a:t>2021/7/14</a:t>
             </a:fld>
             <a:endParaRPr kumimoji="1" lang="ja-JP" altLang="en-US"/>
           </a:p>
@@ -4734,6 +4744,5025 @@
 </p:sld>
 </file>
 
+<file path=ppt/slides/slide4.xml><?xml version="1.0" encoding="utf-8"?>
+<p:sld xmlns:a="http://schemas.openxmlformats.org/drawingml/2006/main" xmlns:r="http://schemas.openxmlformats.org/officeDocument/2006/relationships" xmlns:p="http://schemas.openxmlformats.org/presentationml/2006/main">
+  <p:cSld>
+    <p:spTree>
+      <p:nvGrpSpPr>
+        <p:cNvPr id="1" name=""/>
+        <p:cNvGrpSpPr/>
+        <p:nvPr/>
+      </p:nvGrpSpPr>
+      <p:grpSpPr>
+        <a:xfrm>
+          <a:off x="0" y="0"/>
+          <a:ext cx="0" cy="0"/>
+          <a:chOff x="0" y="0"/>
+          <a:chExt cx="0" cy="0"/>
+        </a:xfrm>
+      </p:grpSpPr>
+      <p:sp>
+        <p:nvSpPr>
+          <p:cNvPr id="132" name="正方形/長方形 131">
+            <a:extLst>
+              <a:ext uri="{FF2B5EF4-FFF2-40B4-BE49-F238E27FC236}">
+                <a16:creationId xmlns:a16="http://schemas.microsoft.com/office/drawing/2014/main" id="{0C623C6C-A016-46D3-BF05-AE5B44401F5D}"/>
+              </a:ext>
+            </a:extLst>
+          </p:cNvPr>
+          <p:cNvSpPr/>
+          <p:nvPr/>
+        </p:nvSpPr>
+        <p:spPr>
+          <a:xfrm>
+            <a:off x="227230" y="276811"/>
+            <a:ext cx="10947339" cy="5329795"/>
+          </a:xfrm>
+          <a:prstGeom prst="rect">
+            <a:avLst/>
+          </a:prstGeom>
+          <a:solidFill>
+            <a:schemeClr val="bg1">
+              <a:lumMod val="95000"/>
+            </a:schemeClr>
+          </a:solidFill>
+          <a:ln>
+            <a:noFill/>
+          </a:ln>
+        </p:spPr>
+        <p:style>
+          <a:lnRef idx="2">
+            <a:schemeClr val="accent1">
+              <a:shade val="50000"/>
+            </a:schemeClr>
+          </a:lnRef>
+          <a:fillRef idx="1">
+            <a:schemeClr val="accent1"/>
+          </a:fillRef>
+          <a:effectRef idx="0">
+            <a:schemeClr val="accent1"/>
+          </a:effectRef>
+          <a:fontRef idx="minor">
+            <a:schemeClr val="lt1"/>
+          </a:fontRef>
+        </p:style>
+        <p:txBody>
+          <a:bodyPr rtlCol="0" anchor="ctr"/>
+          <a:lstStyle/>
+          <a:p>
+            <a:pPr algn="ctr"/>
+            <a:endParaRPr kumimoji="1" lang="ja-JP" altLang="en-US" dirty="0"/>
+          </a:p>
+        </p:txBody>
+      </p:sp>
+      <p:sp>
+        <p:nvSpPr>
+          <p:cNvPr id="15" name="四角形: 角を丸くする 14">
+            <a:extLst>
+              <a:ext uri="{FF2B5EF4-FFF2-40B4-BE49-F238E27FC236}">
+                <a16:creationId xmlns:a16="http://schemas.microsoft.com/office/drawing/2014/main" id="{A97C674C-E5CD-484E-B473-F86A8A47C28E}"/>
+              </a:ext>
+            </a:extLst>
+          </p:cNvPr>
+          <p:cNvSpPr/>
+          <p:nvPr/>
+        </p:nvSpPr>
+        <p:spPr>
+          <a:xfrm>
+            <a:off x="665409" y="2031603"/>
+            <a:ext cx="4765183" cy="1460393"/>
+          </a:xfrm>
+          <a:prstGeom prst="roundRect">
+            <a:avLst>
+              <a:gd name="adj" fmla="val 5791"/>
+            </a:avLst>
+          </a:prstGeom>
+          <a:noFill/>
+        </p:spPr>
+        <p:style>
+          <a:lnRef idx="2">
+            <a:schemeClr val="accent1"/>
+          </a:lnRef>
+          <a:fillRef idx="1">
+            <a:schemeClr val="lt1"/>
+          </a:fillRef>
+          <a:effectRef idx="0">
+            <a:schemeClr val="accent1"/>
+          </a:effectRef>
+          <a:fontRef idx="minor">
+            <a:schemeClr val="dk1"/>
+          </a:fontRef>
+        </p:style>
+        <p:txBody>
+          <a:bodyPr rtlCol="0" anchor="ctr"/>
+          <a:lstStyle/>
+          <a:p>
+            <a:pPr algn="ctr"/>
+            <a:endParaRPr kumimoji="1" lang="ja-JP" altLang="en-US"/>
+          </a:p>
+        </p:txBody>
+      </p:sp>
+      <p:pic>
+        <p:nvPicPr>
+          <p:cNvPr id="3" name="グラフィックス 2">
+            <a:extLst>
+              <a:ext uri="{FF2B5EF4-FFF2-40B4-BE49-F238E27FC236}">
+                <a16:creationId xmlns:a16="http://schemas.microsoft.com/office/drawing/2014/main" id="{B2A4764E-32AF-47D3-BEE5-D87346E71212}"/>
+              </a:ext>
+            </a:extLst>
+          </p:cNvPr>
+          <p:cNvPicPr>
+            <a:picLocks noChangeAspect="1"/>
+          </p:cNvPicPr>
+          <p:nvPr/>
+        </p:nvPicPr>
+        <p:blipFill>
+          <a:blip r:embed="rId2">
+            <a:extLst>
+              <a:ext uri="{28A0092B-C50C-407E-A947-70E740481C1C}">
+                <a14:useLocalDpi xmlns:a14="http://schemas.microsoft.com/office/drawing/2010/main" val="0"/>
+              </a:ext>
+              <a:ext uri="{96DAC541-7B7A-43D3-8B79-37D633B846F1}">
+                <asvg:svgBlip xmlns:asvg="http://schemas.microsoft.com/office/drawing/2016/SVG/main" r:embed="rId3"/>
+              </a:ext>
+            </a:extLst>
+          </a:blip>
+          <a:stretch>
+            <a:fillRect/>
+          </a:stretch>
+        </p:blipFill>
+        <p:spPr>
+          <a:xfrm>
+            <a:off x="3193381" y="2613614"/>
+            <a:ext cx="367520" cy="367520"/>
+          </a:xfrm>
+          <a:prstGeom prst="rect">
+            <a:avLst/>
+          </a:prstGeom>
+        </p:spPr>
+      </p:pic>
+      <p:pic>
+        <p:nvPicPr>
+          <p:cNvPr id="5" name="グラフィックス 4">
+            <a:extLst>
+              <a:ext uri="{FF2B5EF4-FFF2-40B4-BE49-F238E27FC236}">
+                <a16:creationId xmlns:a16="http://schemas.microsoft.com/office/drawing/2014/main" id="{725E87CF-4243-4B39-8BD3-4FDBAC19F58E}"/>
+              </a:ext>
+            </a:extLst>
+          </p:cNvPr>
+          <p:cNvPicPr>
+            <a:picLocks noChangeAspect="1"/>
+          </p:cNvPicPr>
+          <p:nvPr/>
+        </p:nvPicPr>
+        <p:blipFill>
+          <a:blip r:embed="rId4">
+            <a:extLst>
+              <a:ext uri="{28A0092B-C50C-407E-A947-70E740481C1C}">
+                <a14:useLocalDpi xmlns:a14="http://schemas.microsoft.com/office/drawing/2010/main" val="0"/>
+              </a:ext>
+              <a:ext uri="{96DAC541-7B7A-43D3-8B79-37D633B846F1}">
+                <asvg:svgBlip xmlns:asvg="http://schemas.microsoft.com/office/drawing/2016/SVG/main" r:embed="rId5"/>
+              </a:ext>
+            </a:extLst>
+          </a:blip>
+          <a:stretch>
+            <a:fillRect/>
+          </a:stretch>
+        </p:blipFill>
+        <p:spPr>
+          <a:xfrm>
+            <a:off x="1314202" y="2279505"/>
+            <a:ext cx="334109" cy="334109"/>
+          </a:xfrm>
+          <a:prstGeom prst="rect">
+            <a:avLst/>
+          </a:prstGeom>
+        </p:spPr>
+      </p:pic>
+      <p:pic>
+        <p:nvPicPr>
+          <p:cNvPr id="7" name="グラフィックス 6">
+            <a:extLst>
+              <a:ext uri="{FF2B5EF4-FFF2-40B4-BE49-F238E27FC236}">
+                <a16:creationId xmlns:a16="http://schemas.microsoft.com/office/drawing/2014/main" id="{EE64F66A-8F5E-4BA6-8BA3-EC65926EF644}"/>
+              </a:ext>
+            </a:extLst>
+          </p:cNvPr>
+          <p:cNvPicPr>
+            <a:picLocks noChangeAspect="1"/>
+          </p:cNvPicPr>
+          <p:nvPr/>
+        </p:nvPicPr>
+        <p:blipFill>
+          <a:blip r:embed="rId6">
+            <a:extLst>
+              <a:ext uri="{28A0092B-C50C-407E-A947-70E740481C1C}">
+                <a14:useLocalDpi xmlns:a14="http://schemas.microsoft.com/office/drawing/2010/main" val="0"/>
+              </a:ext>
+              <a:ext uri="{96DAC541-7B7A-43D3-8B79-37D633B846F1}">
+                <asvg:svgBlip xmlns:asvg="http://schemas.microsoft.com/office/drawing/2016/SVG/main" r:embed="rId7"/>
+              </a:ext>
+            </a:extLst>
+          </a:blip>
+          <a:stretch>
+            <a:fillRect/>
+          </a:stretch>
+        </p:blipFill>
+        <p:spPr>
+          <a:xfrm>
+            <a:off x="463273" y="1829467"/>
+            <a:ext cx="404272" cy="404272"/>
+          </a:xfrm>
+          <a:prstGeom prst="rect">
+            <a:avLst/>
+          </a:prstGeom>
+        </p:spPr>
+      </p:pic>
+      <p:sp>
+        <p:nvSpPr>
+          <p:cNvPr id="8" name="テキスト ボックス 7">
+            <a:extLst>
+              <a:ext uri="{FF2B5EF4-FFF2-40B4-BE49-F238E27FC236}">
+                <a16:creationId xmlns:a16="http://schemas.microsoft.com/office/drawing/2014/main" id="{D30B2F7A-28E6-46FC-83A4-96C4435DE5F0}"/>
+              </a:ext>
+            </a:extLst>
+          </p:cNvPr>
+          <p:cNvSpPr txBox="1"/>
+          <p:nvPr/>
+        </p:nvSpPr>
+        <p:spPr>
+          <a:xfrm>
+            <a:off x="754857" y="1769623"/>
+            <a:ext cx="1087157" cy="276999"/>
+          </a:xfrm>
+          <a:prstGeom prst="rect">
+            <a:avLst/>
+          </a:prstGeom>
+          <a:noFill/>
+        </p:spPr>
+        <p:txBody>
+          <a:bodyPr wrap="none" rtlCol="0">
+            <a:spAutoFit/>
+          </a:bodyPr>
+          <a:lstStyle/>
+          <a:p>
+            <a:r>
+              <a:rPr kumimoji="1" lang="en-US" altLang="ja-JP" sz="1200" dirty="0"/>
+              <a:t>contoso.com</a:t>
+            </a:r>
+            <a:endParaRPr kumimoji="1" lang="ja-JP" altLang="en-US" sz="1200" dirty="0"/>
+          </a:p>
+        </p:txBody>
+      </p:sp>
+      <p:sp>
+        <p:nvSpPr>
+          <p:cNvPr id="14" name="テキスト ボックス 13">
+            <a:extLst>
+              <a:ext uri="{FF2B5EF4-FFF2-40B4-BE49-F238E27FC236}">
+                <a16:creationId xmlns:a16="http://schemas.microsoft.com/office/drawing/2014/main" id="{19A55C56-89E4-474E-A0D8-07169D98B45E}"/>
+              </a:ext>
+            </a:extLst>
+          </p:cNvPr>
+          <p:cNvSpPr txBox="1"/>
+          <p:nvPr/>
+        </p:nvSpPr>
+        <p:spPr>
+          <a:xfrm>
+            <a:off x="3520860" y="2350799"/>
+            <a:ext cx="1735688" cy="830997"/>
+          </a:xfrm>
+          <a:prstGeom prst="rect">
+            <a:avLst/>
+          </a:prstGeom>
+          <a:noFill/>
+        </p:spPr>
+        <p:txBody>
+          <a:bodyPr wrap="square" rtlCol="0">
+            <a:spAutoFit/>
+          </a:bodyPr>
+          <a:lstStyle/>
+          <a:p>
+            <a:r>
+              <a:rPr lang="ja-JP" altLang="en-US" sz="1200" dirty="0"/>
+              <a:t>エンタープライズ </a:t>
+            </a:r>
+            <a:br>
+              <a:rPr lang="en-US" altLang="ja-JP" sz="1200" dirty="0"/>
+            </a:br>
+            <a:r>
+              <a:rPr lang="ja-JP" altLang="en-US" sz="1200" dirty="0"/>
+              <a:t>アプリケーション</a:t>
+            </a:r>
+            <a:endParaRPr lang="en-US" altLang="ja-JP" sz="1200" dirty="0"/>
+          </a:p>
+          <a:p>
+            <a:r>
+              <a:rPr kumimoji="1" lang="en-US" altLang="ja-JP" sz="1200" dirty="0"/>
+              <a:t>Object ID = </a:t>
+            </a:r>
+            <a:br>
+              <a:rPr kumimoji="1" lang="en-US" altLang="ja-JP" sz="1200" dirty="0"/>
+            </a:br>
+            <a:r>
+              <a:rPr kumimoji="1" lang="en-US" altLang="ja-JP" sz="1200" dirty="0"/>
+              <a:t>&lt;</a:t>
+            </a:r>
+            <a:r>
+              <a:rPr kumimoji="1" lang="en-US" altLang="ja-JP" sz="1200" dirty="0" err="1"/>
+              <a:t>contoso</a:t>
+            </a:r>
+            <a:r>
+              <a:rPr kumimoji="1" lang="en-US" altLang="ja-JP" sz="1200" dirty="0"/>
+              <a:t> specific id&gt;</a:t>
+            </a:r>
+            <a:endParaRPr kumimoji="1" lang="ja-JP" altLang="en-US" sz="1200" dirty="0"/>
+          </a:p>
+        </p:txBody>
+      </p:sp>
+      <p:pic>
+        <p:nvPicPr>
+          <p:cNvPr id="17" name="グラフィックス 16">
+            <a:extLst>
+              <a:ext uri="{FF2B5EF4-FFF2-40B4-BE49-F238E27FC236}">
+                <a16:creationId xmlns:a16="http://schemas.microsoft.com/office/drawing/2014/main" id="{D4394992-E47F-41D6-95DD-7905E9D33634}"/>
+              </a:ext>
+            </a:extLst>
+          </p:cNvPr>
+          <p:cNvPicPr>
+            <a:picLocks noChangeAspect="1"/>
+          </p:cNvPicPr>
+          <p:nvPr/>
+        </p:nvPicPr>
+        <p:blipFill>
+          <a:blip r:embed="rId4">
+            <a:extLst>
+              <a:ext uri="{28A0092B-C50C-407E-A947-70E740481C1C}">
+                <a14:useLocalDpi xmlns:a14="http://schemas.microsoft.com/office/drawing/2010/main" val="0"/>
+              </a:ext>
+              <a:ext uri="{96DAC541-7B7A-43D3-8B79-37D633B846F1}">
+                <asvg:svgBlip xmlns:asvg="http://schemas.microsoft.com/office/drawing/2016/SVG/main" r:embed="rId5"/>
+              </a:ext>
+            </a:extLst>
+          </a:blip>
+          <a:stretch>
+            <a:fillRect/>
+          </a:stretch>
+        </p:blipFill>
+        <p:spPr>
+          <a:xfrm>
+            <a:off x="1314202" y="2846497"/>
+            <a:ext cx="334109" cy="334109"/>
+          </a:xfrm>
+          <a:prstGeom prst="rect">
+            <a:avLst/>
+          </a:prstGeom>
+        </p:spPr>
+      </p:pic>
+      <p:sp>
+        <p:nvSpPr>
+          <p:cNvPr id="19" name="テキスト ボックス 18">
+            <a:extLst>
+              <a:ext uri="{FF2B5EF4-FFF2-40B4-BE49-F238E27FC236}">
+                <a16:creationId xmlns:a16="http://schemas.microsoft.com/office/drawing/2014/main" id="{C9CFAEA5-E8C7-43DB-B4E3-1B911B2657D4}"/>
+              </a:ext>
+            </a:extLst>
+          </p:cNvPr>
+          <p:cNvSpPr txBox="1"/>
+          <p:nvPr/>
+        </p:nvSpPr>
+        <p:spPr>
+          <a:xfrm>
+            <a:off x="1183738" y="2556802"/>
+            <a:ext cx="595035" cy="276999"/>
+          </a:xfrm>
+          <a:prstGeom prst="rect">
+            <a:avLst/>
+          </a:prstGeom>
+          <a:noFill/>
+        </p:spPr>
+        <p:txBody>
+          <a:bodyPr wrap="none" rtlCol="0">
+            <a:spAutoFit/>
+          </a:bodyPr>
+          <a:lstStyle/>
+          <a:p>
+            <a:r>
+              <a:rPr kumimoji="1" lang="en-US" altLang="ja-JP" sz="1200" dirty="0" err="1"/>
+              <a:t>userA</a:t>
+            </a:r>
+            <a:endParaRPr kumimoji="1" lang="ja-JP" altLang="en-US" sz="1200" dirty="0"/>
+          </a:p>
+        </p:txBody>
+      </p:sp>
+      <p:sp>
+        <p:nvSpPr>
+          <p:cNvPr id="21" name="テキスト ボックス 20">
+            <a:extLst>
+              <a:ext uri="{FF2B5EF4-FFF2-40B4-BE49-F238E27FC236}">
+                <a16:creationId xmlns:a16="http://schemas.microsoft.com/office/drawing/2014/main" id="{5D82EF0D-9BEE-42AB-882D-EF9E541D6549}"/>
+              </a:ext>
+            </a:extLst>
+          </p:cNvPr>
+          <p:cNvSpPr txBox="1"/>
+          <p:nvPr/>
+        </p:nvSpPr>
+        <p:spPr>
+          <a:xfrm>
+            <a:off x="1183738" y="3124581"/>
+            <a:ext cx="595035" cy="276999"/>
+          </a:xfrm>
+          <a:prstGeom prst="rect">
+            <a:avLst/>
+          </a:prstGeom>
+          <a:noFill/>
+        </p:spPr>
+        <p:txBody>
+          <a:bodyPr wrap="none" rtlCol="0">
+            <a:spAutoFit/>
+          </a:bodyPr>
+          <a:lstStyle/>
+          <a:p>
+            <a:r>
+              <a:rPr kumimoji="1" lang="en-US" altLang="ja-JP" sz="1200" dirty="0" err="1"/>
+              <a:t>userB</a:t>
+            </a:r>
+            <a:endParaRPr kumimoji="1" lang="ja-JP" altLang="en-US" sz="1200" dirty="0"/>
+          </a:p>
+        </p:txBody>
+      </p:sp>
+      <p:sp>
+        <p:nvSpPr>
+          <p:cNvPr id="23" name="四角形: 角を丸くする 22">
+            <a:extLst>
+              <a:ext uri="{FF2B5EF4-FFF2-40B4-BE49-F238E27FC236}">
+                <a16:creationId xmlns:a16="http://schemas.microsoft.com/office/drawing/2014/main" id="{1309554E-865A-49DE-AD21-1284F03DFFFF}"/>
+              </a:ext>
+            </a:extLst>
+          </p:cNvPr>
+          <p:cNvSpPr/>
+          <p:nvPr/>
+        </p:nvSpPr>
+        <p:spPr>
+          <a:xfrm>
+            <a:off x="665409" y="3818456"/>
+            <a:ext cx="4765183" cy="1460393"/>
+          </a:xfrm>
+          <a:prstGeom prst="roundRect">
+            <a:avLst>
+              <a:gd name="adj" fmla="val 5791"/>
+            </a:avLst>
+          </a:prstGeom>
+          <a:noFill/>
+          <a:ln>
+            <a:solidFill>
+              <a:schemeClr val="accent6"/>
+            </a:solidFill>
+          </a:ln>
+        </p:spPr>
+        <p:style>
+          <a:lnRef idx="2">
+            <a:schemeClr val="accent1"/>
+          </a:lnRef>
+          <a:fillRef idx="1">
+            <a:schemeClr val="lt1"/>
+          </a:fillRef>
+          <a:effectRef idx="0">
+            <a:schemeClr val="accent1"/>
+          </a:effectRef>
+          <a:fontRef idx="minor">
+            <a:schemeClr val="dk1"/>
+          </a:fontRef>
+        </p:style>
+        <p:txBody>
+          <a:bodyPr rtlCol="0" anchor="ctr"/>
+          <a:lstStyle/>
+          <a:p>
+            <a:pPr algn="ctr"/>
+            <a:endParaRPr kumimoji="1" lang="ja-JP" altLang="en-US"/>
+          </a:p>
+        </p:txBody>
+      </p:sp>
+      <p:pic>
+        <p:nvPicPr>
+          <p:cNvPr id="25" name="グラフィックス 24">
+            <a:extLst>
+              <a:ext uri="{FF2B5EF4-FFF2-40B4-BE49-F238E27FC236}">
+                <a16:creationId xmlns:a16="http://schemas.microsoft.com/office/drawing/2014/main" id="{F86261D5-2A66-4299-8836-111AE24360D3}"/>
+              </a:ext>
+            </a:extLst>
+          </p:cNvPr>
+          <p:cNvPicPr>
+            <a:picLocks noChangeAspect="1"/>
+          </p:cNvPicPr>
+          <p:nvPr/>
+        </p:nvPicPr>
+        <p:blipFill>
+          <a:blip r:embed="rId2">
+            <a:extLst>
+              <a:ext uri="{28A0092B-C50C-407E-A947-70E740481C1C}">
+                <a14:useLocalDpi xmlns:a14="http://schemas.microsoft.com/office/drawing/2010/main" val="0"/>
+              </a:ext>
+              <a:ext uri="{96DAC541-7B7A-43D3-8B79-37D633B846F1}">
+                <asvg:svgBlip xmlns:asvg="http://schemas.microsoft.com/office/drawing/2016/SVG/main" r:embed="rId3"/>
+              </a:ext>
+            </a:extLst>
+          </a:blip>
+          <a:stretch>
+            <a:fillRect/>
+          </a:stretch>
+        </p:blipFill>
+        <p:spPr>
+          <a:xfrm>
+            <a:off x="3193381" y="4400467"/>
+            <a:ext cx="367520" cy="367520"/>
+          </a:xfrm>
+          <a:prstGeom prst="rect">
+            <a:avLst/>
+          </a:prstGeom>
+        </p:spPr>
+      </p:pic>
+      <p:pic>
+        <p:nvPicPr>
+          <p:cNvPr id="27" name="グラフィックス 26">
+            <a:extLst>
+              <a:ext uri="{FF2B5EF4-FFF2-40B4-BE49-F238E27FC236}">
+                <a16:creationId xmlns:a16="http://schemas.microsoft.com/office/drawing/2014/main" id="{5EDCF9B0-1F99-4F74-95EE-F8B95CAF5A80}"/>
+              </a:ext>
+            </a:extLst>
+          </p:cNvPr>
+          <p:cNvPicPr>
+            <a:picLocks noChangeAspect="1"/>
+          </p:cNvPicPr>
+          <p:nvPr/>
+        </p:nvPicPr>
+        <p:blipFill>
+          <a:blip r:embed="rId4">
+            <a:extLst>
+              <a:ext uri="{28A0092B-C50C-407E-A947-70E740481C1C}">
+                <a14:useLocalDpi xmlns:a14="http://schemas.microsoft.com/office/drawing/2010/main" val="0"/>
+              </a:ext>
+              <a:ext uri="{96DAC541-7B7A-43D3-8B79-37D633B846F1}">
+                <asvg:svgBlip xmlns:asvg="http://schemas.microsoft.com/office/drawing/2016/SVG/main" r:embed="rId5"/>
+              </a:ext>
+            </a:extLst>
+          </a:blip>
+          <a:stretch>
+            <a:fillRect/>
+          </a:stretch>
+        </p:blipFill>
+        <p:spPr>
+          <a:xfrm>
+            <a:off x="1314202" y="4066358"/>
+            <a:ext cx="334109" cy="334109"/>
+          </a:xfrm>
+          <a:prstGeom prst="rect">
+            <a:avLst/>
+          </a:prstGeom>
+        </p:spPr>
+      </p:pic>
+      <p:pic>
+        <p:nvPicPr>
+          <p:cNvPr id="29" name="グラフィックス 28">
+            <a:extLst>
+              <a:ext uri="{FF2B5EF4-FFF2-40B4-BE49-F238E27FC236}">
+                <a16:creationId xmlns:a16="http://schemas.microsoft.com/office/drawing/2014/main" id="{EF6FD12B-70F8-4DDA-B058-11255B5F76C8}"/>
+              </a:ext>
+            </a:extLst>
+          </p:cNvPr>
+          <p:cNvPicPr>
+            <a:picLocks noChangeAspect="1"/>
+          </p:cNvPicPr>
+          <p:nvPr/>
+        </p:nvPicPr>
+        <p:blipFill>
+          <a:blip r:embed="rId6">
+            <a:extLst>
+              <a:ext uri="{28A0092B-C50C-407E-A947-70E740481C1C}">
+                <a14:useLocalDpi xmlns:a14="http://schemas.microsoft.com/office/drawing/2010/main" val="0"/>
+              </a:ext>
+              <a:ext uri="{96DAC541-7B7A-43D3-8B79-37D633B846F1}">
+                <asvg:svgBlip xmlns:asvg="http://schemas.microsoft.com/office/drawing/2016/SVG/main" r:embed="rId7"/>
+              </a:ext>
+            </a:extLst>
+          </a:blip>
+          <a:stretch>
+            <a:fillRect/>
+          </a:stretch>
+        </p:blipFill>
+        <p:spPr>
+          <a:xfrm>
+            <a:off x="463273" y="3616320"/>
+            <a:ext cx="404272" cy="404272"/>
+          </a:xfrm>
+          <a:prstGeom prst="rect">
+            <a:avLst/>
+          </a:prstGeom>
+        </p:spPr>
+      </p:pic>
+      <p:sp>
+        <p:nvSpPr>
+          <p:cNvPr id="31" name="テキスト ボックス 30">
+            <a:extLst>
+              <a:ext uri="{FF2B5EF4-FFF2-40B4-BE49-F238E27FC236}">
+                <a16:creationId xmlns:a16="http://schemas.microsoft.com/office/drawing/2014/main" id="{C00A6599-AD55-48B1-8611-58CB19F28DCC}"/>
+              </a:ext>
+            </a:extLst>
+          </p:cNvPr>
+          <p:cNvSpPr txBox="1"/>
+          <p:nvPr/>
+        </p:nvSpPr>
+        <p:spPr>
+          <a:xfrm>
+            <a:off x="754857" y="3556476"/>
+            <a:ext cx="1151277" cy="276999"/>
+          </a:xfrm>
+          <a:prstGeom prst="rect">
+            <a:avLst/>
+          </a:prstGeom>
+          <a:noFill/>
+        </p:spPr>
+        <p:txBody>
+          <a:bodyPr wrap="none" rtlCol="0">
+            <a:spAutoFit/>
+          </a:bodyPr>
+          <a:lstStyle/>
+          <a:p>
+            <a:r>
+              <a:rPr lang="en-US" altLang="ja-JP" sz="1200" dirty="0"/>
+              <a:t>fabrikam</a:t>
+            </a:r>
+            <a:r>
+              <a:rPr kumimoji="1" lang="en-US" altLang="ja-JP" sz="1200" dirty="0"/>
+              <a:t>.com</a:t>
+            </a:r>
+            <a:endParaRPr kumimoji="1" lang="ja-JP" altLang="en-US" sz="1200" dirty="0"/>
+          </a:p>
+        </p:txBody>
+      </p:sp>
+      <p:pic>
+        <p:nvPicPr>
+          <p:cNvPr id="33" name="グラフィックス 32">
+            <a:extLst>
+              <a:ext uri="{FF2B5EF4-FFF2-40B4-BE49-F238E27FC236}">
+                <a16:creationId xmlns:a16="http://schemas.microsoft.com/office/drawing/2014/main" id="{C72F849D-E8A6-44F8-8ACA-1B49D748F114}"/>
+              </a:ext>
+            </a:extLst>
+          </p:cNvPr>
+          <p:cNvPicPr>
+            <a:picLocks noChangeAspect="1"/>
+          </p:cNvPicPr>
+          <p:nvPr/>
+        </p:nvPicPr>
+        <p:blipFill>
+          <a:blip r:embed="rId4">
+            <a:extLst>
+              <a:ext uri="{28A0092B-C50C-407E-A947-70E740481C1C}">
+                <a14:useLocalDpi xmlns:a14="http://schemas.microsoft.com/office/drawing/2010/main" val="0"/>
+              </a:ext>
+              <a:ext uri="{96DAC541-7B7A-43D3-8B79-37D633B846F1}">
+                <asvg:svgBlip xmlns:asvg="http://schemas.microsoft.com/office/drawing/2016/SVG/main" r:embed="rId5"/>
+              </a:ext>
+            </a:extLst>
+          </a:blip>
+          <a:stretch>
+            <a:fillRect/>
+          </a:stretch>
+        </p:blipFill>
+        <p:spPr>
+          <a:xfrm>
+            <a:off x="1314202" y="4633350"/>
+            <a:ext cx="334109" cy="334109"/>
+          </a:xfrm>
+          <a:prstGeom prst="rect">
+            <a:avLst/>
+          </a:prstGeom>
+        </p:spPr>
+      </p:pic>
+      <p:sp>
+        <p:nvSpPr>
+          <p:cNvPr id="35" name="テキスト ボックス 34">
+            <a:extLst>
+              <a:ext uri="{FF2B5EF4-FFF2-40B4-BE49-F238E27FC236}">
+                <a16:creationId xmlns:a16="http://schemas.microsoft.com/office/drawing/2014/main" id="{223CFB4D-E5FA-4285-91A1-ABA3099249C3}"/>
+              </a:ext>
+            </a:extLst>
+          </p:cNvPr>
+          <p:cNvSpPr txBox="1"/>
+          <p:nvPr/>
+        </p:nvSpPr>
+        <p:spPr>
+          <a:xfrm>
+            <a:off x="1183738" y="4343655"/>
+            <a:ext cx="595035" cy="276999"/>
+          </a:xfrm>
+          <a:prstGeom prst="rect">
+            <a:avLst/>
+          </a:prstGeom>
+          <a:noFill/>
+        </p:spPr>
+        <p:txBody>
+          <a:bodyPr wrap="none" rtlCol="0">
+            <a:spAutoFit/>
+          </a:bodyPr>
+          <a:lstStyle/>
+          <a:p>
+            <a:r>
+              <a:rPr kumimoji="1" lang="en-US" altLang="ja-JP" sz="1200" dirty="0" err="1"/>
+              <a:t>userX</a:t>
+            </a:r>
+            <a:endParaRPr kumimoji="1" lang="ja-JP" altLang="en-US" sz="1200" dirty="0"/>
+          </a:p>
+        </p:txBody>
+      </p:sp>
+      <p:sp>
+        <p:nvSpPr>
+          <p:cNvPr id="37" name="テキスト ボックス 36">
+            <a:extLst>
+              <a:ext uri="{FF2B5EF4-FFF2-40B4-BE49-F238E27FC236}">
+                <a16:creationId xmlns:a16="http://schemas.microsoft.com/office/drawing/2014/main" id="{4C428B70-413D-4BFF-97C0-A6D770B1A2A9}"/>
+              </a:ext>
+            </a:extLst>
+          </p:cNvPr>
+          <p:cNvSpPr txBox="1"/>
+          <p:nvPr/>
+        </p:nvSpPr>
+        <p:spPr>
+          <a:xfrm>
+            <a:off x="1183738" y="4911434"/>
+            <a:ext cx="595035" cy="276999"/>
+          </a:xfrm>
+          <a:prstGeom prst="rect">
+            <a:avLst/>
+          </a:prstGeom>
+          <a:noFill/>
+        </p:spPr>
+        <p:txBody>
+          <a:bodyPr wrap="none" rtlCol="0">
+            <a:spAutoFit/>
+          </a:bodyPr>
+          <a:lstStyle/>
+          <a:p>
+            <a:r>
+              <a:rPr kumimoji="1" lang="en-US" altLang="ja-JP" sz="1200" dirty="0" err="1"/>
+              <a:t>userY</a:t>
+            </a:r>
+            <a:endParaRPr kumimoji="1" lang="ja-JP" altLang="en-US" sz="1200" dirty="0"/>
+          </a:p>
+        </p:txBody>
+      </p:sp>
+      <p:cxnSp>
+        <p:nvCxnSpPr>
+          <p:cNvPr id="39" name="直線コネクタ 38">
+            <a:extLst>
+              <a:ext uri="{FF2B5EF4-FFF2-40B4-BE49-F238E27FC236}">
+                <a16:creationId xmlns:a16="http://schemas.microsoft.com/office/drawing/2014/main" id="{2F41A737-C3F6-4B35-8E2F-5797051E973E}"/>
+              </a:ext>
+            </a:extLst>
+          </p:cNvPr>
+          <p:cNvCxnSpPr>
+            <a:cxnSpLocks/>
+          </p:cNvCxnSpPr>
+          <p:nvPr/>
+        </p:nvCxnSpPr>
+        <p:spPr>
+          <a:xfrm>
+            <a:off x="1713953" y="2449950"/>
+            <a:ext cx="1392896" cy="293381"/>
+          </a:xfrm>
+          <a:prstGeom prst="line">
+            <a:avLst/>
+          </a:prstGeom>
+        </p:spPr>
+        <p:style>
+          <a:lnRef idx="1">
+            <a:schemeClr val="accent1"/>
+          </a:lnRef>
+          <a:fillRef idx="0">
+            <a:schemeClr val="accent1"/>
+          </a:fillRef>
+          <a:effectRef idx="0">
+            <a:schemeClr val="accent1"/>
+          </a:effectRef>
+          <a:fontRef idx="minor">
+            <a:schemeClr val="tx1"/>
+          </a:fontRef>
+        </p:style>
+      </p:cxnSp>
+      <p:cxnSp>
+        <p:nvCxnSpPr>
+          <p:cNvPr id="41" name="直線コネクタ 40">
+            <a:extLst>
+              <a:ext uri="{FF2B5EF4-FFF2-40B4-BE49-F238E27FC236}">
+                <a16:creationId xmlns:a16="http://schemas.microsoft.com/office/drawing/2014/main" id="{4652FD70-50B8-4548-B7B8-721F27BFF361}"/>
+              </a:ext>
+            </a:extLst>
+          </p:cNvPr>
+          <p:cNvCxnSpPr>
+            <a:cxnSpLocks/>
+          </p:cNvCxnSpPr>
+          <p:nvPr/>
+        </p:nvCxnSpPr>
+        <p:spPr>
+          <a:xfrm flipV="1">
+            <a:off x="1782349" y="2874321"/>
+            <a:ext cx="1337382" cy="192080"/>
+          </a:xfrm>
+          <a:prstGeom prst="line">
+            <a:avLst/>
+          </a:prstGeom>
+        </p:spPr>
+        <p:style>
+          <a:lnRef idx="1">
+            <a:schemeClr val="accent1"/>
+          </a:lnRef>
+          <a:fillRef idx="0">
+            <a:schemeClr val="accent1"/>
+          </a:fillRef>
+          <a:effectRef idx="0">
+            <a:schemeClr val="accent1"/>
+          </a:effectRef>
+          <a:fontRef idx="minor">
+            <a:schemeClr val="tx1"/>
+          </a:fontRef>
+        </p:style>
+      </p:cxnSp>
+      <p:cxnSp>
+        <p:nvCxnSpPr>
+          <p:cNvPr id="45" name="直線コネクタ 44">
+            <a:extLst>
+              <a:ext uri="{FF2B5EF4-FFF2-40B4-BE49-F238E27FC236}">
+                <a16:creationId xmlns:a16="http://schemas.microsoft.com/office/drawing/2014/main" id="{9691D968-B0CB-48CC-A4D9-AFD38A94FCA6}"/>
+              </a:ext>
+            </a:extLst>
+          </p:cNvPr>
+          <p:cNvCxnSpPr>
+            <a:cxnSpLocks/>
+          </p:cNvCxnSpPr>
+          <p:nvPr/>
+        </p:nvCxnSpPr>
+        <p:spPr>
+          <a:xfrm>
+            <a:off x="1746050" y="4247576"/>
+            <a:ext cx="1392896" cy="293381"/>
+          </a:xfrm>
+          <a:prstGeom prst="line">
+            <a:avLst/>
+          </a:prstGeom>
+        </p:spPr>
+        <p:style>
+          <a:lnRef idx="1">
+            <a:schemeClr val="accent1"/>
+          </a:lnRef>
+          <a:fillRef idx="0">
+            <a:schemeClr val="accent1"/>
+          </a:fillRef>
+          <a:effectRef idx="0">
+            <a:schemeClr val="accent1"/>
+          </a:effectRef>
+          <a:fontRef idx="minor">
+            <a:schemeClr val="tx1"/>
+          </a:fontRef>
+        </p:style>
+      </p:cxnSp>
+      <p:cxnSp>
+        <p:nvCxnSpPr>
+          <p:cNvPr id="47" name="直線コネクタ 46">
+            <a:extLst>
+              <a:ext uri="{FF2B5EF4-FFF2-40B4-BE49-F238E27FC236}">
+                <a16:creationId xmlns:a16="http://schemas.microsoft.com/office/drawing/2014/main" id="{747CFEEB-8601-4A51-9421-928660D0BC76}"/>
+              </a:ext>
+            </a:extLst>
+          </p:cNvPr>
+          <p:cNvCxnSpPr>
+            <a:cxnSpLocks/>
+          </p:cNvCxnSpPr>
+          <p:nvPr/>
+        </p:nvCxnSpPr>
+        <p:spPr>
+          <a:xfrm flipV="1">
+            <a:off x="1814446" y="4671947"/>
+            <a:ext cx="1337382" cy="192080"/>
+          </a:xfrm>
+          <a:prstGeom prst="line">
+            <a:avLst/>
+          </a:prstGeom>
+        </p:spPr>
+        <p:style>
+          <a:lnRef idx="1">
+            <a:schemeClr val="accent1"/>
+          </a:lnRef>
+          <a:fillRef idx="0">
+            <a:schemeClr val="accent1"/>
+          </a:fillRef>
+          <a:effectRef idx="0">
+            <a:schemeClr val="accent1"/>
+          </a:effectRef>
+          <a:fontRef idx="minor">
+            <a:schemeClr val="tx1"/>
+          </a:fontRef>
+        </p:style>
+      </p:cxnSp>
+      <p:pic>
+        <p:nvPicPr>
+          <p:cNvPr id="49" name="グラフィックス 48">
+            <a:extLst>
+              <a:ext uri="{FF2B5EF4-FFF2-40B4-BE49-F238E27FC236}">
+                <a16:creationId xmlns:a16="http://schemas.microsoft.com/office/drawing/2014/main" id="{370B9B27-CD1D-4E36-8963-E63A50505170}"/>
+              </a:ext>
+            </a:extLst>
+          </p:cNvPr>
+          <p:cNvPicPr>
+            <a:picLocks noChangeAspect="1"/>
+          </p:cNvPicPr>
+          <p:nvPr/>
+        </p:nvPicPr>
+        <p:blipFill>
+          <a:blip r:embed="rId2">
+            <a:extLst>
+              <a:ext uri="{28A0092B-C50C-407E-A947-70E740481C1C}">
+                <a14:useLocalDpi xmlns:a14="http://schemas.microsoft.com/office/drawing/2010/main" val="0"/>
+              </a:ext>
+              <a:ext uri="{96DAC541-7B7A-43D3-8B79-37D633B846F1}">
+                <asvg:svgBlip xmlns:asvg="http://schemas.microsoft.com/office/drawing/2016/SVG/main" r:embed="rId3"/>
+              </a:ext>
+            </a:extLst>
+          </a:blip>
+          <a:stretch>
+            <a:fillRect/>
+          </a:stretch>
+        </p:blipFill>
+        <p:spPr>
+          <a:xfrm>
+            <a:off x="4116761" y="1119999"/>
+            <a:ext cx="367520" cy="367520"/>
+          </a:xfrm>
+          <a:prstGeom prst="rect">
+            <a:avLst/>
+          </a:prstGeom>
+        </p:spPr>
+      </p:pic>
+      <p:sp>
+        <p:nvSpPr>
+          <p:cNvPr id="51" name="テキスト ボックス 50">
+            <a:extLst>
+              <a:ext uri="{FF2B5EF4-FFF2-40B4-BE49-F238E27FC236}">
+                <a16:creationId xmlns:a16="http://schemas.microsoft.com/office/drawing/2014/main" id="{020AA795-FEEB-419D-B6B1-3054EE70F636}"/>
+              </a:ext>
+            </a:extLst>
+          </p:cNvPr>
+          <p:cNvSpPr txBox="1"/>
+          <p:nvPr/>
+        </p:nvSpPr>
+        <p:spPr>
+          <a:xfrm>
+            <a:off x="2097971" y="2325626"/>
+            <a:ext cx="624859" cy="276999"/>
+          </a:xfrm>
+          <a:prstGeom prst="rect">
+            <a:avLst/>
+          </a:prstGeom>
+          <a:noFill/>
+        </p:spPr>
+        <p:txBody>
+          <a:bodyPr wrap="square" rtlCol="0">
+            <a:spAutoFit/>
+          </a:bodyPr>
+          <a:lstStyle/>
+          <a:p>
+            <a:r>
+              <a:rPr lang="ja-JP" altLang="en-US" sz="1200" dirty="0"/>
+              <a:t>同意</a:t>
+            </a:r>
+            <a:endParaRPr kumimoji="1" lang="ja-JP" altLang="en-US" sz="1200" dirty="0"/>
+          </a:p>
+        </p:txBody>
+      </p:sp>
+      <p:sp>
+        <p:nvSpPr>
+          <p:cNvPr id="53" name="テキスト ボックス 52">
+            <a:extLst>
+              <a:ext uri="{FF2B5EF4-FFF2-40B4-BE49-F238E27FC236}">
+                <a16:creationId xmlns:a16="http://schemas.microsoft.com/office/drawing/2014/main" id="{BAF23B49-3B7A-4F3C-9618-0652FAF6BEA6}"/>
+              </a:ext>
+            </a:extLst>
+          </p:cNvPr>
+          <p:cNvSpPr txBox="1"/>
+          <p:nvPr/>
+        </p:nvSpPr>
+        <p:spPr>
+          <a:xfrm>
+            <a:off x="2082419" y="3042106"/>
+            <a:ext cx="624859" cy="276999"/>
+          </a:xfrm>
+          <a:prstGeom prst="rect">
+            <a:avLst/>
+          </a:prstGeom>
+          <a:noFill/>
+        </p:spPr>
+        <p:txBody>
+          <a:bodyPr wrap="square" rtlCol="0">
+            <a:spAutoFit/>
+          </a:bodyPr>
+          <a:lstStyle/>
+          <a:p>
+            <a:r>
+              <a:rPr lang="ja-JP" altLang="en-US" sz="1200" dirty="0"/>
+              <a:t>同意</a:t>
+            </a:r>
+            <a:endParaRPr kumimoji="1" lang="ja-JP" altLang="en-US" sz="1200" dirty="0"/>
+          </a:p>
+        </p:txBody>
+      </p:sp>
+      <p:sp>
+        <p:nvSpPr>
+          <p:cNvPr id="55" name="テキスト ボックス 54">
+            <a:extLst>
+              <a:ext uri="{FF2B5EF4-FFF2-40B4-BE49-F238E27FC236}">
+                <a16:creationId xmlns:a16="http://schemas.microsoft.com/office/drawing/2014/main" id="{81D59DE0-CFC3-494A-9847-793FBB79ED0B}"/>
+              </a:ext>
+            </a:extLst>
+          </p:cNvPr>
+          <p:cNvSpPr txBox="1"/>
+          <p:nvPr/>
+        </p:nvSpPr>
+        <p:spPr>
+          <a:xfrm>
+            <a:off x="2099066" y="4060429"/>
+            <a:ext cx="624859" cy="276999"/>
+          </a:xfrm>
+          <a:prstGeom prst="rect">
+            <a:avLst/>
+          </a:prstGeom>
+          <a:noFill/>
+        </p:spPr>
+        <p:txBody>
+          <a:bodyPr wrap="square" rtlCol="0">
+            <a:spAutoFit/>
+          </a:bodyPr>
+          <a:lstStyle/>
+          <a:p>
+            <a:r>
+              <a:rPr lang="ja-JP" altLang="en-US" sz="1200" dirty="0"/>
+              <a:t>同意</a:t>
+            </a:r>
+            <a:endParaRPr kumimoji="1" lang="ja-JP" altLang="en-US" sz="1200" dirty="0"/>
+          </a:p>
+        </p:txBody>
+      </p:sp>
+      <p:sp>
+        <p:nvSpPr>
+          <p:cNvPr id="57" name="テキスト ボックス 56">
+            <a:extLst>
+              <a:ext uri="{FF2B5EF4-FFF2-40B4-BE49-F238E27FC236}">
+                <a16:creationId xmlns:a16="http://schemas.microsoft.com/office/drawing/2014/main" id="{C3774DEE-DBA5-4190-8F1A-47C16D9F6BC3}"/>
+              </a:ext>
+            </a:extLst>
+          </p:cNvPr>
+          <p:cNvSpPr txBox="1"/>
+          <p:nvPr/>
+        </p:nvSpPr>
+        <p:spPr>
+          <a:xfrm>
+            <a:off x="2108416" y="4897886"/>
+            <a:ext cx="624859" cy="276999"/>
+          </a:xfrm>
+          <a:prstGeom prst="rect">
+            <a:avLst/>
+          </a:prstGeom>
+          <a:noFill/>
+        </p:spPr>
+        <p:txBody>
+          <a:bodyPr wrap="square" rtlCol="0">
+            <a:spAutoFit/>
+          </a:bodyPr>
+          <a:lstStyle/>
+          <a:p>
+            <a:r>
+              <a:rPr lang="ja-JP" altLang="en-US" sz="1200" dirty="0"/>
+              <a:t>同意</a:t>
+            </a:r>
+            <a:endParaRPr kumimoji="1" lang="ja-JP" altLang="en-US" sz="1200" dirty="0"/>
+          </a:p>
+        </p:txBody>
+      </p:sp>
+      <p:sp>
+        <p:nvSpPr>
+          <p:cNvPr id="61" name="テキスト ボックス 60">
+            <a:extLst>
+              <a:ext uri="{FF2B5EF4-FFF2-40B4-BE49-F238E27FC236}">
+                <a16:creationId xmlns:a16="http://schemas.microsoft.com/office/drawing/2014/main" id="{924162AF-F831-4F02-9F8C-33FBADAB839E}"/>
+              </a:ext>
+            </a:extLst>
+          </p:cNvPr>
+          <p:cNvSpPr txBox="1"/>
+          <p:nvPr/>
+        </p:nvSpPr>
+        <p:spPr>
+          <a:xfrm>
+            <a:off x="2146496" y="711103"/>
+            <a:ext cx="3284096" cy="461665"/>
+          </a:xfrm>
+          <a:prstGeom prst="rect">
+            <a:avLst/>
+          </a:prstGeom>
+          <a:noFill/>
+        </p:spPr>
+        <p:txBody>
+          <a:bodyPr wrap="square" rtlCol="0">
+            <a:spAutoFit/>
+          </a:bodyPr>
+          <a:lstStyle/>
+          <a:p>
+            <a:r>
+              <a:rPr kumimoji="1" lang="ja-JP" altLang="en-US" sz="1200" dirty="0"/>
+              <a:t>アプリの登録</a:t>
+            </a:r>
+            <a:r>
+              <a:rPr lang="ja-JP" altLang="en-US" sz="1200" dirty="0"/>
+              <a:t> </a:t>
+            </a:r>
+            <a:r>
+              <a:rPr lang="en-US" altLang="ja-JP" sz="1200" dirty="0"/>
+              <a:t>: </a:t>
+            </a:r>
+            <a:r>
+              <a:rPr kumimoji="1" lang="en-US" altLang="ja-JP" sz="1200" dirty="0"/>
+              <a:t>Application ID = </a:t>
+            </a:r>
+            <a:br>
+              <a:rPr kumimoji="1" lang="en-US" altLang="ja-JP" sz="1200" dirty="0"/>
+            </a:br>
+            <a:r>
+              <a:rPr kumimoji="1" lang="en-US" altLang="ja-JP" sz="1200" dirty="0"/>
+              <a:t>d414ee2d-73e5-4e5b-bb16-03ef55fea597</a:t>
+            </a:r>
+            <a:endParaRPr kumimoji="1" lang="ja-JP" altLang="en-US" sz="1200" dirty="0"/>
+          </a:p>
+        </p:txBody>
+      </p:sp>
+      <p:cxnSp>
+        <p:nvCxnSpPr>
+          <p:cNvPr id="63" name="コネクタ: カギ線 62">
+            <a:extLst>
+              <a:ext uri="{FF2B5EF4-FFF2-40B4-BE49-F238E27FC236}">
+                <a16:creationId xmlns:a16="http://schemas.microsoft.com/office/drawing/2014/main" id="{39EA7A8D-2C2B-4EA8-84A5-305535808F25}"/>
+              </a:ext>
+            </a:extLst>
+          </p:cNvPr>
+          <p:cNvCxnSpPr>
+            <a:cxnSpLocks/>
+            <a:stCxn id="49" idx="1"/>
+            <a:endCxn id="3" idx="0"/>
+          </p:cNvCxnSpPr>
+          <p:nvPr/>
+        </p:nvCxnSpPr>
+        <p:spPr>
+          <a:xfrm rot="10800000" flipV="1">
+            <a:off x="3377141" y="1303758"/>
+            <a:ext cx="739620" cy="1309855"/>
+          </a:xfrm>
+          <a:prstGeom prst="bentConnector2">
+            <a:avLst/>
+          </a:prstGeom>
+          <a:ln w="19050">
+            <a:solidFill>
+              <a:schemeClr val="tx1"/>
+            </a:solidFill>
+            <a:prstDash val="dash"/>
+          </a:ln>
+        </p:spPr>
+        <p:style>
+          <a:lnRef idx="1">
+            <a:schemeClr val="accent1"/>
+          </a:lnRef>
+          <a:fillRef idx="0">
+            <a:schemeClr val="accent1"/>
+          </a:fillRef>
+          <a:effectRef idx="0">
+            <a:schemeClr val="accent1"/>
+          </a:effectRef>
+          <a:fontRef idx="minor">
+            <a:schemeClr val="tx1"/>
+          </a:fontRef>
+        </p:style>
+      </p:cxnSp>
+      <p:cxnSp>
+        <p:nvCxnSpPr>
+          <p:cNvPr id="65" name="コネクタ: カギ線 64">
+            <a:extLst>
+              <a:ext uri="{FF2B5EF4-FFF2-40B4-BE49-F238E27FC236}">
+                <a16:creationId xmlns:a16="http://schemas.microsoft.com/office/drawing/2014/main" id="{D633EC8A-3367-4C09-9B86-971E28FC658C}"/>
+              </a:ext>
+            </a:extLst>
+          </p:cNvPr>
+          <p:cNvCxnSpPr>
+            <a:cxnSpLocks/>
+            <a:stCxn id="49" idx="1"/>
+            <a:endCxn id="25" idx="0"/>
+          </p:cNvCxnSpPr>
+          <p:nvPr/>
+        </p:nvCxnSpPr>
+        <p:spPr>
+          <a:xfrm rot="10800000" flipV="1">
+            <a:off x="3377141" y="1303759"/>
+            <a:ext cx="739620" cy="3096708"/>
+          </a:xfrm>
+          <a:prstGeom prst="bentConnector2">
+            <a:avLst/>
+          </a:prstGeom>
+          <a:ln w="19050">
+            <a:solidFill>
+              <a:schemeClr val="tx1"/>
+            </a:solidFill>
+            <a:prstDash val="dash"/>
+          </a:ln>
+        </p:spPr>
+        <p:style>
+          <a:lnRef idx="1">
+            <a:schemeClr val="accent1"/>
+          </a:lnRef>
+          <a:fillRef idx="0">
+            <a:schemeClr val="accent1"/>
+          </a:fillRef>
+          <a:effectRef idx="0">
+            <a:schemeClr val="accent1"/>
+          </a:effectRef>
+          <a:fontRef idx="minor">
+            <a:schemeClr val="tx1"/>
+          </a:fontRef>
+        </p:style>
+      </p:cxnSp>
+      <p:sp>
+        <p:nvSpPr>
+          <p:cNvPr id="69" name="テキスト ボックス 68">
+            <a:extLst>
+              <a:ext uri="{FF2B5EF4-FFF2-40B4-BE49-F238E27FC236}">
+                <a16:creationId xmlns:a16="http://schemas.microsoft.com/office/drawing/2014/main" id="{341F1AE3-9165-4958-8088-8D56E9C36897}"/>
+              </a:ext>
+            </a:extLst>
+          </p:cNvPr>
+          <p:cNvSpPr txBox="1"/>
+          <p:nvPr/>
+        </p:nvSpPr>
+        <p:spPr>
+          <a:xfrm>
+            <a:off x="3552708" y="4217851"/>
+            <a:ext cx="1735688" cy="830997"/>
+          </a:xfrm>
+          <a:prstGeom prst="rect">
+            <a:avLst/>
+          </a:prstGeom>
+          <a:noFill/>
+        </p:spPr>
+        <p:txBody>
+          <a:bodyPr wrap="square" rtlCol="0">
+            <a:spAutoFit/>
+          </a:bodyPr>
+          <a:lstStyle/>
+          <a:p>
+            <a:r>
+              <a:rPr lang="ja-JP" altLang="en-US" sz="1200" dirty="0"/>
+              <a:t>エンタープライズ </a:t>
+            </a:r>
+            <a:br>
+              <a:rPr lang="en-US" altLang="ja-JP" sz="1200" dirty="0"/>
+            </a:br>
+            <a:r>
+              <a:rPr lang="ja-JP" altLang="en-US" sz="1200" dirty="0"/>
+              <a:t>アプリケーション</a:t>
+            </a:r>
+            <a:endParaRPr lang="en-US" altLang="ja-JP" sz="1200" dirty="0"/>
+          </a:p>
+          <a:p>
+            <a:r>
+              <a:rPr kumimoji="1" lang="en-US" altLang="ja-JP" sz="1200" dirty="0"/>
+              <a:t>Object ID = </a:t>
+            </a:r>
+            <a:br>
+              <a:rPr kumimoji="1" lang="en-US" altLang="ja-JP" sz="1200" dirty="0"/>
+            </a:br>
+            <a:r>
+              <a:rPr kumimoji="1" lang="en-US" altLang="ja-JP" sz="1200" dirty="0"/>
+              <a:t>&lt;</a:t>
+            </a:r>
+            <a:r>
+              <a:rPr kumimoji="1" lang="en-US" altLang="ja-JP" sz="1200" dirty="0" err="1"/>
+              <a:t>contoso</a:t>
+            </a:r>
+            <a:r>
+              <a:rPr kumimoji="1" lang="en-US" altLang="ja-JP" sz="1200" dirty="0"/>
+              <a:t> specific id&gt;</a:t>
+            </a:r>
+            <a:endParaRPr kumimoji="1" lang="ja-JP" altLang="en-US" sz="1200" dirty="0"/>
+          </a:p>
+        </p:txBody>
+      </p:sp>
+      <p:pic>
+        <p:nvPicPr>
+          <p:cNvPr id="71" name="グラフィックス 70">
+            <a:extLst>
+              <a:ext uri="{FF2B5EF4-FFF2-40B4-BE49-F238E27FC236}">
+                <a16:creationId xmlns:a16="http://schemas.microsoft.com/office/drawing/2014/main" id="{87199786-B337-40F2-B79D-6C1D9C19F0DA}"/>
+              </a:ext>
+            </a:extLst>
+          </p:cNvPr>
+          <p:cNvPicPr>
+            <a:picLocks noChangeAspect="1"/>
+          </p:cNvPicPr>
+          <p:nvPr/>
+        </p:nvPicPr>
+        <p:blipFill>
+          <a:blip r:embed="rId2">
+            <a:extLst>
+              <a:ext uri="{28A0092B-C50C-407E-A947-70E740481C1C}">
+                <a14:useLocalDpi xmlns:a14="http://schemas.microsoft.com/office/drawing/2010/main" val="0"/>
+              </a:ext>
+              <a:ext uri="{96DAC541-7B7A-43D3-8B79-37D633B846F1}">
+                <asvg:svgBlip xmlns:asvg="http://schemas.microsoft.com/office/drawing/2016/SVG/main" r:embed="rId3"/>
+              </a:ext>
+            </a:extLst>
+          </a:blip>
+          <a:stretch>
+            <a:fillRect/>
+          </a:stretch>
+        </p:blipFill>
+        <p:spPr>
+          <a:xfrm>
+            <a:off x="7263183" y="3426385"/>
+            <a:ext cx="367520" cy="367520"/>
+          </a:xfrm>
+          <a:prstGeom prst="rect">
+            <a:avLst/>
+          </a:prstGeom>
+        </p:spPr>
+      </p:pic>
+      <p:sp>
+        <p:nvSpPr>
+          <p:cNvPr id="73" name="テキスト ボックス 72">
+            <a:extLst>
+              <a:ext uri="{FF2B5EF4-FFF2-40B4-BE49-F238E27FC236}">
+                <a16:creationId xmlns:a16="http://schemas.microsoft.com/office/drawing/2014/main" id="{DF8E4044-6718-4295-B71D-8AB21DF6C74B}"/>
+              </a:ext>
+            </a:extLst>
+          </p:cNvPr>
+          <p:cNvSpPr txBox="1"/>
+          <p:nvPr/>
+        </p:nvSpPr>
+        <p:spPr>
+          <a:xfrm>
+            <a:off x="6497698" y="3971975"/>
+            <a:ext cx="1861176" cy="461665"/>
+          </a:xfrm>
+          <a:prstGeom prst="rect">
+            <a:avLst/>
+          </a:prstGeom>
+          <a:noFill/>
+        </p:spPr>
+        <p:txBody>
+          <a:bodyPr wrap="square" rtlCol="0">
+            <a:spAutoFit/>
+          </a:bodyPr>
+          <a:lstStyle/>
+          <a:p>
+            <a:r>
+              <a:rPr kumimoji="1" lang="en-US" altLang="ja-JP" sz="1200" dirty="0"/>
+              <a:t>Azure Static Web Apps</a:t>
+            </a:r>
+          </a:p>
+          <a:p>
+            <a:r>
+              <a:rPr lang="en-US" altLang="ja-JP" sz="1200" dirty="0"/>
+              <a:t>(Azure</a:t>
+            </a:r>
+            <a:r>
+              <a:rPr lang="ja-JP" altLang="en-US" sz="1200" dirty="0"/>
+              <a:t> </a:t>
+            </a:r>
+            <a:r>
+              <a:rPr lang="en-US" altLang="ja-JP" sz="1200" dirty="0"/>
+              <a:t>Resource)</a:t>
+            </a:r>
+          </a:p>
+        </p:txBody>
+      </p:sp>
+      <p:cxnSp>
+        <p:nvCxnSpPr>
+          <p:cNvPr id="75" name="コネクタ: カギ線 74">
+            <a:extLst>
+              <a:ext uri="{FF2B5EF4-FFF2-40B4-BE49-F238E27FC236}">
+                <a16:creationId xmlns:a16="http://schemas.microsoft.com/office/drawing/2014/main" id="{B9E042BE-5D73-404C-AD4B-E540D6A9F65E}"/>
+              </a:ext>
+            </a:extLst>
+          </p:cNvPr>
+          <p:cNvCxnSpPr>
+            <a:cxnSpLocks/>
+            <a:stCxn id="71" idx="0"/>
+            <a:endCxn id="49" idx="3"/>
+          </p:cNvCxnSpPr>
+          <p:nvPr/>
+        </p:nvCxnSpPr>
+        <p:spPr>
+          <a:xfrm rot="16200000" flipV="1">
+            <a:off x="4904299" y="883741"/>
+            <a:ext cx="2122626" cy="2962662"/>
+          </a:xfrm>
+          <a:prstGeom prst="bentConnector2">
+            <a:avLst/>
+          </a:prstGeom>
+          <a:ln>
+            <a:tailEnd type="triangle"/>
+          </a:ln>
+        </p:spPr>
+        <p:style>
+          <a:lnRef idx="1">
+            <a:schemeClr val="accent1"/>
+          </a:lnRef>
+          <a:fillRef idx="0">
+            <a:schemeClr val="accent1"/>
+          </a:fillRef>
+          <a:effectRef idx="0">
+            <a:schemeClr val="accent1"/>
+          </a:effectRef>
+          <a:fontRef idx="minor">
+            <a:schemeClr val="tx1"/>
+          </a:fontRef>
+        </p:style>
+      </p:cxnSp>
+      <p:sp>
+        <p:nvSpPr>
+          <p:cNvPr id="83" name="四角形: 角を丸くする 82">
+            <a:extLst>
+              <a:ext uri="{FF2B5EF4-FFF2-40B4-BE49-F238E27FC236}">
+                <a16:creationId xmlns:a16="http://schemas.microsoft.com/office/drawing/2014/main" id="{D7B47D3C-C069-4604-9C95-43260A9660A7}"/>
+              </a:ext>
+            </a:extLst>
+          </p:cNvPr>
+          <p:cNvSpPr/>
+          <p:nvPr/>
+        </p:nvSpPr>
+        <p:spPr>
+          <a:xfrm>
+            <a:off x="665409" y="586229"/>
+            <a:ext cx="4765183" cy="1067540"/>
+          </a:xfrm>
+          <a:prstGeom prst="roundRect">
+            <a:avLst>
+              <a:gd name="adj" fmla="val 5791"/>
+            </a:avLst>
+          </a:prstGeom>
+          <a:noFill/>
+        </p:spPr>
+        <p:style>
+          <a:lnRef idx="2">
+            <a:schemeClr val="accent1"/>
+          </a:lnRef>
+          <a:fillRef idx="1">
+            <a:schemeClr val="lt1"/>
+          </a:fillRef>
+          <a:effectRef idx="0">
+            <a:schemeClr val="accent1"/>
+          </a:effectRef>
+          <a:fontRef idx="minor">
+            <a:schemeClr val="dk1"/>
+          </a:fontRef>
+        </p:style>
+        <p:txBody>
+          <a:bodyPr rtlCol="0" anchor="ctr"/>
+          <a:lstStyle/>
+          <a:p>
+            <a:pPr algn="ctr"/>
+            <a:endParaRPr kumimoji="1" lang="ja-JP" altLang="en-US"/>
+          </a:p>
+        </p:txBody>
+      </p:sp>
+      <p:pic>
+        <p:nvPicPr>
+          <p:cNvPr id="85" name="グラフィックス 84">
+            <a:extLst>
+              <a:ext uri="{FF2B5EF4-FFF2-40B4-BE49-F238E27FC236}">
+                <a16:creationId xmlns:a16="http://schemas.microsoft.com/office/drawing/2014/main" id="{FD889F80-7830-4B87-AA9A-DBD147938207}"/>
+              </a:ext>
+            </a:extLst>
+          </p:cNvPr>
+          <p:cNvPicPr>
+            <a:picLocks noChangeAspect="1"/>
+          </p:cNvPicPr>
+          <p:nvPr/>
+        </p:nvPicPr>
+        <p:blipFill>
+          <a:blip r:embed="rId6">
+            <a:extLst>
+              <a:ext uri="{28A0092B-C50C-407E-A947-70E740481C1C}">
+                <a14:useLocalDpi xmlns:a14="http://schemas.microsoft.com/office/drawing/2010/main" val="0"/>
+              </a:ext>
+              <a:ext uri="{96DAC541-7B7A-43D3-8B79-37D633B846F1}">
+                <asvg:svgBlip xmlns:asvg="http://schemas.microsoft.com/office/drawing/2016/SVG/main" r:embed="rId7"/>
+              </a:ext>
+            </a:extLst>
+          </a:blip>
+          <a:stretch>
+            <a:fillRect/>
+          </a:stretch>
+        </p:blipFill>
+        <p:spPr>
+          <a:xfrm>
+            <a:off x="463273" y="373700"/>
+            <a:ext cx="404272" cy="404272"/>
+          </a:xfrm>
+          <a:prstGeom prst="rect">
+            <a:avLst/>
+          </a:prstGeom>
+        </p:spPr>
+      </p:pic>
+      <p:cxnSp>
+        <p:nvCxnSpPr>
+          <p:cNvPr id="95" name="直線矢印コネクタ 94">
+            <a:extLst>
+              <a:ext uri="{FF2B5EF4-FFF2-40B4-BE49-F238E27FC236}">
+                <a16:creationId xmlns:a16="http://schemas.microsoft.com/office/drawing/2014/main" id="{E251254C-11BF-4832-95C2-F1EB903DD74B}"/>
+              </a:ext>
+            </a:extLst>
+          </p:cNvPr>
+          <p:cNvCxnSpPr>
+            <a:endCxn id="14" idx="3"/>
+          </p:cNvCxnSpPr>
+          <p:nvPr/>
+        </p:nvCxnSpPr>
+        <p:spPr>
+          <a:xfrm flipH="1" flipV="1">
+            <a:off x="5256548" y="2766298"/>
+            <a:ext cx="1861176" cy="790178"/>
+          </a:xfrm>
+          <a:prstGeom prst="straightConnector1">
+            <a:avLst/>
+          </a:prstGeom>
+          <a:ln>
+            <a:tailEnd type="triangle"/>
+          </a:ln>
+        </p:spPr>
+        <p:style>
+          <a:lnRef idx="1">
+            <a:schemeClr val="accent1"/>
+          </a:lnRef>
+          <a:fillRef idx="0">
+            <a:schemeClr val="accent1"/>
+          </a:fillRef>
+          <a:effectRef idx="0">
+            <a:schemeClr val="accent1"/>
+          </a:effectRef>
+          <a:fontRef idx="minor">
+            <a:schemeClr val="tx1"/>
+          </a:fontRef>
+        </p:style>
+      </p:cxnSp>
+      <p:cxnSp>
+        <p:nvCxnSpPr>
+          <p:cNvPr id="97" name="直線矢印コネクタ 96">
+            <a:extLst>
+              <a:ext uri="{FF2B5EF4-FFF2-40B4-BE49-F238E27FC236}">
+                <a16:creationId xmlns:a16="http://schemas.microsoft.com/office/drawing/2014/main" id="{5EBB644C-0C30-4D57-A6AD-C0E68CBF00B0}"/>
+              </a:ext>
+            </a:extLst>
+          </p:cNvPr>
+          <p:cNvCxnSpPr>
+            <a:cxnSpLocks/>
+            <a:endCxn id="69" idx="3"/>
+          </p:cNvCxnSpPr>
+          <p:nvPr/>
+        </p:nvCxnSpPr>
+        <p:spPr>
+          <a:xfrm flipH="1">
+            <a:off x="5288396" y="3688365"/>
+            <a:ext cx="1829328" cy="944985"/>
+          </a:xfrm>
+          <a:prstGeom prst="straightConnector1">
+            <a:avLst/>
+          </a:prstGeom>
+          <a:ln>
+            <a:tailEnd type="triangle"/>
+          </a:ln>
+        </p:spPr>
+        <p:style>
+          <a:lnRef idx="1">
+            <a:schemeClr val="accent1"/>
+          </a:lnRef>
+          <a:fillRef idx="0">
+            <a:schemeClr val="accent1"/>
+          </a:fillRef>
+          <a:effectRef idx="0">
+            <a:schemeClr val="accent1"/>
+          </a:effectRef>
+          <a:fontRef idx="minor">
+            <a:schemeClr val="tx1"/>
+          </a:fontRef>
+        </p:style>
+      </p:cxnSp>
+      <p:pic>
+        <p:nvPicPr>
+          <p:cNvPr id="102" name="グラフィックス 101">
+            <a:extLst>
+              <a:ext uri="{FF2B5EF4-FFF2-40B4-BE49-F238E27FC236}">
+                <a16:creationId xmlns:a16="http://schemas.microsoft.com/office/drawing/2014/main" id="{F9CF9737-1D64-41A2-BC23-E9EA4632910F}"/>
+              </a:ext>
+            </a:extLst>
+          </p:cNvPr>
+          <p:cNvPicPr>
+            <a:picLocks noChangeAspect="1"/>
+          </p:cNvPicPr>
+          <p:nvPr/>
+        </p:nvPicPr>
+        <p:blipFill>
+          <a:blip r:embed="rId4">
+            <a:extLst>
+              <a:ext uri="{28A0092B-C50C-407E-A947-70E740481C1C}">
+                <a14:useLocalDpi xmlns:a14="http://schemas.microsoft.com/office/drawing/2010/main" val="0"/>
+              </a:ext>
+              <a:ext uri="{96DAC541-7B7A-43D3-8B79-37D633B846F1}">
+                <asvg:svgBlip xmlns:asvg="http://schemas.microsoft.com/office/drawing/2016/SVG/main" r:embed="rId5"/>
+              </a:ext>
+            </a:extLst>
+          </a:blip>
+          <a:stretch>
+            <a:fillRect/>
+          </a:stretch>
+        </p:blipFill>
+        <p:spPr>
+          <a:xfrm>
+            <a:off x="9434331" y="2343683"/>
+            <a:ext cx="334109" cy="334109"/>
+          </a:xfrm>
+          <a:prstGeom prst="rect">
+            <a:avLst/>
+          </a:prstGeom>
+        </p:spPr>
+      </p:pic>
+      <p:pic>
+        <p:nvPicPr>
+          <p:cNvPr id="104" name="グラフィックス 103">
+            <a:extLst>
+              <a:ext uri="{FF2B5EF4-FFF2-40B4-BE49-F238E27FC236}">
+                <a16:creationId xmlns:a16="http://schemas.microsoft.com/office/drawing/2014/main" id="{19DFDAD6-B754-4790-94C1-90B80E183467}"/>
+              </a:ext>
+            </a:extLst>
+          </p:cNvPr>
+          <p:cNvPicPr>
+            <a:picLocks noChangeAspect="1"/>
+          </p:cNvPicPr>
+          <p:nvPr/>
+        </p:nvPicPr>
+        <p:blipFill>
+          <a:blip r:embed="rId4">
+            <a:extLst>
+              <a:ext uri="{28A0092B-C50C-407E-A947-70E740481C1C}">
+                <a14:useLocalDpi xmlns:a14="http://schemas.microsoft.com/office/drawing/2010/main" val="0"/>
+              </a:ext>
+              <a:ext uri="{96DAC541-7B7A-43D3-8B79-37D633B846F1}">
+                <asvg:svgBlip xmlns:asvg="http://schemas.microsoft.com/office/drawing/2016/SVG/main" r:embed="rId5"/>
+              </a:ext>
+            </a:extLst>
+          </a:blip>
+          <a:stretch>
+            <a:fillRect/>
+          </a:stretch>
+        </p:blipFill>
+        <p:spPr>
+          <a:xfrm>
+            <a:off x="9434331" y="2910675"/>
+            <a:ext cx="334109" cy="334109"/>
+          </a:xfrm>
+          <a:prstGeom prst="rect">
+            <a:avLst/>
+          </a:prstGeom>
+        </p:spPr>
+      </p:pic>
+      <p:sp>
+        <p:nvSpPr>
+          <p:cNvPr id="106" name="テキスト ボックス 105">
+            <a:extLst>
+              <a:ext uri="{FF2B5EF4-FFF2-40B4-BE49-F238E27FC236}">
+                <a16:creationId xmlns:a16="http://schemas.microsoft.com/office/drawing/2014/main" id="{6AE22F69-3168-4D55-BB5C-8D1211E5C329}"/>
+              </a:ext>
+            </a:extLst>
+          </p:cNvPr>
+          <p:cNvSpPr txBox="1"/>
+          <p:nvPr/>
+        </p:nvSpPr>
+        <p:spPr>
+          <a:xfrm>
+            <a:off x="9303867" y="2620980"/>
+            <a:ext cx="1630575" cy="276999"/>
+          </a:xfrm>
+          <a:prstGeom prst="rect">
+            <a:avLst/>
+          </a:prstGeom>
+          <a:noFill/>
+        </p:spPr>
+        <p:txBody>
+          <a:bodyPr wrap="none" rtlCol="0">
+            <a:spAutoFit/>
+          </a:bodyPr>
+          <a:lstStyle/>
+          <a:p>
+            <a:r>
+              <a:rPr kumimoji="1" lang="en-US" altLang="ja-JP" sz="1200" dirty="0"/>
+              <a:t>userA@contoso.com</a:t>
+            </a:r>
+            <a:endParaRPr kumimoji="1" lang="ja-JP" altLang="en-US" sz="1200" dirty="0"/>
+          </a:p>
+        </p:txBody>
+      </p:sp>
+      <p:sp>
+        <p:nvSpPr>
+          <p:cNvPr id="108" name="テキスト ボックス 107">
+            <a:extLst>
+              <a:ext uri="{FF2B5EF4-FFF2-40B4-BE49-F238E27FC236}">
+                <a16:creationId xmlns:a16="http://schemas.microsoft.com/office/drawing/2014/main" id="{C2DE66E7-44E8-4899-8AB2-35A77C9E5E8C}"/>
+              </a:ext>
+            </a:extLst>
+          </p:cNvPr>
+          <p:cNvSpPr txBox="1"/>
+          <p:nvPr/>
+        </p:nvSpPr>
+        <p:spPr>
+          <a:xfrm>
+            <a:off x="9303867" y="3188759"/>
+            <a:ext cx="1635384" cy="276999"/>
+          </a:xfrm>
+          <a:prstGeom prst="rect">
+            <a:avLst/>
+          </a:prstGeom>
+          <a:noFill/>
+        </p:spPr>
+        <p:txBody>
+          <a:bodyPr wrap="none" rtlCol="0">
+            <a:spAutoFit/>
+          </a:bodyPr>
+          <a:lstStyle/>
+          <a:p>
+            <a:r>
+              <a:rPr kumimoji="1" lang="en-US" altLang="ja-JP" sz="1200" dirty="0"/>
+              <a:t>userB@contoso.com</a:t>
+            </a:r>
+            <a:endParaRPr kumimoji="1" lang="ja-JP" altLang="en-US" sz="1200" dirty="0"/>
+          </a:p>
+        </p:txBody>
+      </p:sp>
+      <p:pic>
+        <p:nvPicPr>
+          <p:cNvPr id="110" name="グラフィックス 109">
+            <a:extLst>
+              <a:ext uri="{FF2B5EF4-FFF2-40B4-BE49-F238E27FC236}">
+                <a16:creationId xmlns:a16="http://schemas.microsoft.com/office/drawing/2014/main" id="{4B565E93-6DCF-4292-B4EF-CAE73D6BC162}"/>
+              </a:ext>
+            </a:extLst>
+          </p:cNvPr>
+          <p:cNvPicPr>
+            <a:picLocks noChangeAspect="1"/>
+          </p:cNvPicPr>
+          <p:nvPr/>
+        </p:nvPicPr>
+        <p:blipFill>
+          <a:blip r:embed="rId4">
+            <a:extLst>
+              <a:ext uri="{28A0092B-C50C-407E-A947-70E740481C1C}">
+                <a14:useLocalDpi xmlns:a14="http://schemas.microsoft.com/office/drawing/2010/main" val="0"/>
+              </a:ext>
+              <a:ext uri="{96DAC541-7B7A-43D3-8B79-37D633B846F1}">
+                <asvg:svgBlip xmlns:asvg="http://schemas.microsoft.com/office/drawing/2016/SVG/main" r:embed="rId5"/>
+              </a:ext>
+            </a:extLst>
+          </a:blip>
+          <a:stretch>
+            <a:fillRect/>
+          </a:stretch>
+        </p:blipFill>
+        <p:spPr>
+          <a:xfrm>
+            <a:off x="9434331" y="4130536"/>
+            <a:ext cx="334109" cy="334109"/>
+          </a:xfrm>
+          <a:prstGeom prst="rect">
+            <a:avLst/>
+          </a:prstGeom>
+        </p:spPr>
+      </p:pic>
+      <p:pic>
+        <p:nvPicPr>
+          <p:cNvPr id="112" name="グラフィックス 111">
+            <a:extLst>
+              <a:ext uri="{FF2B5EF4-FFF2-40B4-BE49-F238E27FC236}">
+                <a16:creationId xmlns:a16="http://schemas.microsoft.com/office/drawing/2014/main" id="{7904C2B4-1D65-445F-ACFE-E59DF43BB9F7}"/>
+              </a:ext>
+            </a:extLst>
+          </p:cNvPr>
+          <p:cNvPicPr>
+            <a:picLocks noChangeAspect="1"/>
+          </p:cNvPicPr>
+          <p:nvPr/>
+        </p:nvPicPr>
+        <p:blipFill>
+          <a:blip r:embed="rId4">
+            <a:extLst>
+              <a:ext uri="{28A0092B-C50C-407E-A947-70E740481C1C}">
+                <a14:useLocalDpi xmlns:a14="http://schemas.microsoft.com/office/drawing/2010/main" val="0"/>
+              </a:ext>
+              <a:ext uri="{96DAC541-7B7A-43D3-8B79-37D633B846F1}">
+                <asvg:svgBlip xmlns:asvg="http://schemas.microsoft.com/office/drawing/2016/SVG/main" r:embed="rId5"/>
+              </a:ext>
+            </a:extLst>
+          </a:blip>
+          <a:stretch>
+            <a:fillRect/>
+          </a:stretch>
+        </p:blipFill>
+        <p:spPr>
+          <a:xfrm>
+            <a:off x="9434331" y="4697528"/>
+            <a:ext cx="334109" cy="334109"/>
+          </a:xfrm>
+          <a:prstGeom prst="rect">
+            <a:avLst/>
+          </a:prstGeom>
+        </p:spPr>
+      </p:pic>
+      <p:sp>
+        <p:nvSpPr>
+          <p:cNvPr id="114" name="テキスト ボックス 113">
+            <a:extLst>
+              <a:ext uri="{FF2B5EF4-FFF2-40B4-BE49-F238E27FC236}">
+                <a16:creationId xmlns:a16="http://schemas.microsoft.com/office/drawing/2014/main" id="{77374A95-DD46-484A-BC72-7425CB51A8C7}"/>
+              </a:ext>
+            </a:extLst>
+          </p:cNvPr>
+          <p:cNvSpPr txBox="1"/>
+          <p:nvPr/>
+        </p:nvSpPr>
+        <p:spPr>
+          <a:xfrm>
+            <a:off x="9303867" y="4407833"/>
+            <a:ext cx="1693092" cy="276999"/>
+          </a:xfrm>
+          <a:prstGeom prst="rect">
+            <a:avLst/>
+          </a:prstGeom>
+          <a:noFill/>
+        </p:spPr>
+        <p:txBody>
+          <a:bodyPr wrap="none" rtlCol="0">
+            <a:spAutoFit/>
+          </a:bodyPr>
+          <a:lstStyle/>
+          <a:p>
+            <a:r>
+              <a:rPr kumimoji="1" lang="en-US" altLang="ja-JP" sz="1200" dirty="0"/>
+              <a:t>userX@fabricam</a:t>
+            </a:r>
+            <a:r>
+              <a:rPr lang="en-US" altLang="ja-JP" sz="1200" dirty="0"/>
+              <a:t>.com</a:t>
+            </a:r>
+            <a:endParaRPr kumimoji="1" lang="ja-JP" altLang="en-US" sz="1200" dirty="0"/>
+          </a:p>
+        </p:txBody>
+      </p:sp>
+      <p:sp>
+        <p:nvSpPr>
+          <p:cNvPr id="116" name="テキスト ボックス 115">
+            <a:extLst>
+              <a:ext uri="{FF2B5EF4-FFF2-40B4-BE49-F238E27FC236}">
+                <a16:creationId xmlns:a16="http://schemas.microsoft.com/office/drawing/2014/main" id="{CAB1228B-9216-4D4A-856B-C150B949B719}"/>
+              </a:ext>
+            </a:extLst>
+          </p:cNvPr>
+          <p:cNvSpPr txBox="1"/>
+          <p:nvPr/>
+        </p:nvSpPr>
+        <p:spPr>
+          <a:xfrm>
+            <a:off x="9303867" y="4975612"/>
+            <a:ext cx="1693092" cy="276999"/>
+          </a:xfrm>
+          <a:prstGeom prst="rect">
+            <a:avLst/>
+          </a:prstGeom>
+          <a:noFill/>
+        </p:spPr>
+        <p:txBody>
+          <a:bodyPr wrap="none" rtlCol="0">
+            <a:spAutoFit/>
+          </a:bodyPr>
+          <a:lstStyle/>
+          <a:p>
+            <a:r>
+              <a:rPr kumimoji="1" lang="en-US" altLang="ja-JP" sz="1200" dirty="0"/>
+              <a:t>userY@fabricam.com</a:t>
+            </a:r>
+            <a:endParaRPr kumimoji="1" lang="ja-JP" altLang="en-US" sz="1200" dirty="0"/>
+          </a:p>
+        </p:txBody>
+      </p:sp>
+      <p:cxnSp>
+        <p:nvCxnSpPr>
+          <p:cNvPr id="118" name="直線矢印コネクタ 117">
+            <a:extLst>
+              <a:ext uri="{FF2B5EF4-FFF2-40B4-BE49-F238E27FC236}">
+                <a16:creationId xmlns:a16="http://schemas.microsoft.com/office/drawing/2014/main" id="{FDC70EB8-F1EE-45CA-A43B-31781D27F160}"/>
+              </a:ext>
+            </a:extLst>
+          </p:cNvPr>
+          <p:cNvCxnSpPr>
+            <a:cxnSpLocks/>
+          </p:cNvCxnSpPr>
+          <p:nvPr/>
+        </p:nvCxnSpPr>
+        <p:spPr>
+          <a:xfrm flipH="1">
+            <a:off x="7714445" y="2510737"/>
+            <a:ext cx="1644204" cy="1000282"/>
+          </a:xfrm>
+          <a:prstGeom prst="straightConnector1">
+            <a:avLst/>
+          </a:prstGeom>
+          <a:ln>
+            <a:tailEnd type="triangle"/>
+          </a:ln>
+        </p:spPr>
+        <p:style>
+          <a:lnRef idx="1">
+            <a:schemeClr val="accent1"/>
+          </a:lnRef>
+          <a:fillRef idx="0">
+            <a:schemeClr val="accent1"/>
+          </a:fillRef>
+          <a:effectRef idx="0">
+            <a:schemeClr val="accent1"/>
+          </a:effectRef>
+          <a:fontRef idx="minor">
+            <a:schemeClr val="tx1"/>
+          </a:fontRef>
+        </p:style>
+      </p:cxnSp>
+      <p:cxnSp>
+        <p:nvCxnSpPr>
+          <p:cNvPr id="122" name="直線矢印コネクタ 121">
+            <a:extLst>
+              <a:ext uri="{FF2B5EF4-FFF2-40B4-BE49-F238E27FC236}">
+                <a16:creationId xmlns:a16="http://schemas.microsoft.com/office/drawing/2014/main" id="{86C64453-BCA9-4194-BEED-606567909D85}"/>
+              </a:ext>
+            </a:extLst>
+          </p:cNvPr>
+          <p:cNvCxnSpPr>
+            <a:cxnSpLocks/>
+          </p:cNvCxnSpPr>
+          <p:nvPr/>
+        </p:nvCxnSpPr>
+        <p:spPr>
+          <a:xfrm flipH="1">
+            <a:off x="7714445" y="3175276"/>
+            <a:ext cx="1589422" cy="449446"/>
+          </a:xfrm>
+          <a:prstGeom prst="straightConnector1">
+            <a:avLst/>
+          </a:prstGeom>
+          <a:ln>
+            <a:tailEnd type="triangle"/>
+          </a:ln>
+        </p:spPr>
+        <p:style>
+          <a:lnRef idx="1">
+            <a:schemeClr val="accent1"/>
+          </a:lnRef>
+          <a:fillRef idx="0">
+            <a:schemeClr val="accent1"/>
+          </a:fillRef>
+          <a:effectRef idx="0">
+            <a:schemeClr val="accent1"/>
+          </a:effectRef>
+          <a:fontRef idx="minor">
+            <a:schemeClr val="tx1"/>
+          </a:fontRef>
+        </p:style>
+      </p:cxnSp>
+      <p:cxnSp>
+        <p:nvCxnSpPr>
+          <p:cNvPr id="128" name="直線矢印コネクタ 127">
+            <a:extLst>
+              <a:ext uri="{FF2B5EF4-FFF2-40B4-BE49-F238E27FC236}">
+                <a16:creationId xmlns:a16="http://schemas.microsoft.com/office/drawing/2014/main" id="{AFBEB00A-37E4-476E-A915-FDDE22F5050E}"/>
+              </a:ext>
+            </a:extLst>
+          </p:cNvPr>
+          <p:cNvCxnSpPr>
+            <a:cxnSpLocks/>
+          </p:cNvCxnSpPr>
+          <p:nvPr/>
+        </p:nvCxnSpPr>
+        <p:spPr>
+          <a:xfrm flipH="1" flipV="1">
+            <a:off x="7714445" y="3863745"/>
+            <a:ext cx="1644204" cy="1000282"/>
+          </a:xfrm>
+          <a:prstGeom prst="straightConnector1">
+            <a:avLst/>
+          </a:prstGeom>
+          <a:ln>
+            <a:tailEnd type="triangle"/>
+          </a:ln>
+        </p:spPr>
+        <p:style>
+          <a:lnRef idx="1">
+            <a:schemeClr val="accent1"/>
+          </a:lnRef>
+          <a:fillRef idx="0">
+            <a:schemeClr val="accent1"/>
+          </a:fillRef>
+          <a:effectRef idx="0">
+            <a:schemeClr val="accent1"/>
+          </a:effectRef>
+          <a:fontRef idx="minor">
+            <a:schemeClr val="tx1"/>
+          </a:fontRef>
+        </p:style>
+      </p:cxnSp>
+      <p:cxnSp>
+        <p:nvCxnSpPr>
+          <p:cNvPr id="130" name="直線矢印コネクタ 129">
+            <a:extLst>
+              <a:ext uri="{FF2B5EF4-FFF2-40B4-BE49-F238E27FC236}">
+                <a16:creationId xmlns:a16="http://schemas.microsoft.com/office/drawing/2014/main" id="{8FE2B3D7-0A9F-42D3-BAC5-7645BDE0CCB9}"/>
+              </a:ext>
+            </a:extLst>
+          </p:cNvPr>
+          <p:cNvCxnSpPr>
+            <a:cxnSpLocks/>
+          </p:cNvCxnSpPr>
+          <p:nvPr/>
+        </p:nvCxnSpPr>
+        <p:spPr>
+          <a:xfrm flipH="1" flipV="1">
+            <a:off x="7714445" y="3720866"/>
+            <a:ext cx="1589422" cy="449446"/>
+          </a:xfrm>
+          <a:prstGeom prst="straightConnector1">
+            <a:avLst/>
+          </a:prstGeom>
+          <a:ln>
+            <a:tailEnd type="triangle"/>
+          </a:ln>
+        </p:spPr>
+        <p:style>
+          <a:lnRef idx="1">
+            <a:schemeClr val="accent1"/>
+          </a:lnRef>
+          <a:fillRef idx="0">
+            <a:schemeClr val="accent1"/>
+          </a:fillRef>
+          <a:effectRef idx="0">
+            <a:schemeClr val="accent1"/>
+          </a:effectRef>
+          <a:fontRef idx="minor">
+            <a:schemeClr val="tx1"/>
+          </a:fontRef>
+        </p:style>
+      </p:cxnSp>
+    </p:spTree>
+    <p:extLst>
+      <p:ext uri="{BB962C8B-B14F-4D97-AF65-F5344CB8AC3E}">
+        <p14:creationId xmlns:p14="http://schemas.microsoft.com/office/powerpoint/2010/main" val="82163175"/>
+      </p:ext>
+    </p:extLst>
+  </p:cSld>
+  <p:clrMapOvr>
+    <a:masterClrMapping/>
+  </p:clrMapOvr>
+</p:sld>
+</file>
+
+<file path=ppt/slides/slide5.xml><?xml version="1.0" encoding="utf-8"?>
+<p:sld xmlns:a="http://schemas.openxmlformats.org/drawingml/2006/main" xmlns:r="http://schemas.openxmlformats.org/officeDocument/2006/relationships" xmlns:p="http://schemas.openxmlformats.org/presentationml/2006/main">
+  <p:cSld>
+    <p:spTree>
+      <p:nvGrpSpPr>
+        <p:cNvPr id="1" name=""/>
+        <p:cNvGrpSpPr/>
+        <p:nvPr/>
+      </p:nvGrpSpPr>
+      <p:grpSpPr>
+        <a:xfrm>
+          <a:off x="0" y="0"/>
+          <a:ext cx="0" cy="0"/>
+          <a:chOff x="0" y="0"/>
+          <a:chExt cx="0" cy="0"/>
+        </a:xfrm>
+      </p:grpSpPr>
+      <p:sp>
+        <p:nvSpPr>
+          <p:cNvPr id="132" name="正方形/長方形 131">
+            <a:extLst>
+              <a:ext uri="{FF2B5EF4-FFF2-40B4-BE49-F238E27FC236}">
+                <a16:creationId xmlns:a16="http://schemas.microsoft.com/office/drawing/2014/main" id="{0C623C6C-A016-46D3-BF05-AE5B44401F5D}"/>
+              </a:ext>
+            </a:extLst>
+          </p:cNvPr>
+          <p:cNvSpPr/>
+          <p:nvPr/>
+        </p:nvSpPr>
+        <p:spPr>
+          <a:xfrm>
+            <a:off x="210058" y="304087"/>
+            <a:ext cx="10947339" cy="6431564"/>
+          </a:xfrm>
+          <a:prstGeom prst="rect">
+            <a:avLst/>
+          </a:prstGeom>
+          <a:solidFill>
+            <a:schemeClr val="bg1">
+              <a:lumMod val="95000"/>
+            </a:schemeClr>
+          </a:solidFill>
+          <a:ln>
+            <a:noFill/>
+          </a:ln>
+        </p:spPr>
+        <p:style>
+          <a:lnRef idx="2">
+            <a:schemeClr val="accent1">
+              <a:shade val="50000"/>
+            </a:schemeClr>
+          </a:lnRef>
+          <a:fillRef idx="1">
+            <a:schemeClr val="accent1"/>
+          </a:fillRef>
+          <a:effectRef idx="0">
+            <a:schemeClr val="accent1"/>
+          </a:effectRef>
+          <a:fontRef idx="minor">
+            <a:schemeClr val="lt1"/>
+          </a:fontRef>
+        </p:style>
+        <p:txBody>
+          <a:bodyPr rtlCol="0" anchor="ctr"/>
+          <a:lstStyle/>
+          <a:p>
+            <a:pPr algn="ctr"/>
+            <a:endParaRPr kumimoji="1" lang="ja-JP" altLang="en-US" dirty="0"/>
+          </a:p>
+        </p:txBody>
+      </p:sp>
+      <p:sp>
+        <p:nvSpPr>
+          <p:cNvPr id="15" name="四角形: 角を丸くする 14">
+            <a:extLst>
+              <a:ext uri="{FF2B5EF4-FFF2-40B4-BE49-F238E27FC236}">
+                <a16:creationId xmlns:a16="http://schemas.microsoft.com/office/drawing/2014/main" id="{A97C674C-E5CD-484E-B473-F86A8A47C28E}"/>
+              </a:ext>
+            </a:extLst>
+          </p:cNvPr>
+          <p:cNvSpPr/>
+          <p:nvPr/>
+        </p:nvSpPr>
+        <p:spPr>
+          <a:xfrm>
+            <a:off x="665409" y="2031603"/>
+            <a:ext cx="4765183" cy="1460393"/>
+          </a:xfrm>
+          <a:prstGeom prst="roundRect">
+            <a:avLst>
+              <a:gd name="adj" fmla="val 5791"/>
+            </a:avLst>
+          </a:prstGeom>
+          <a:noFill/>
+        </p:spPr>
+        <p:style>
+          <a:lnRef idx="2">
+            <a:schemeClr val="accent1"/>
+          </a:lnRef>
+          <a:fillRef idx="1">
+            <a:schemeClr val="lt1"/>
+          </a:fillRef>
+          <a:effectRef idx="0">
+            <a:schemeClr val="accent1"/>
+          </a:effectRef>
+          <a:fontRef idx="minor">
+            <a:schemeClr val="dk1"/>
+          </a:fontRef>
+        </p:style>
+        <p:txBody>
+          <a:bodyPr rtlCol="0" anchor="ctr"/>
+          <a:lstStyle/>
+          <a:p>
+            <a:pPr algn="ctr"/>
+            <a:endParaRPr kumimoji="1" lang="ja-JP" altLang="en-US"/>
+          </a:p>
+        </p:txBody>
+      </p:sp>
+      <p:pic>
+        <p:nvPicPr>
+          <p:cNvPr id="3" name="グラフィックス 2">
+            <a:extLst>
+              <a:ext uri="{FF2B5EF4-FFF2-40B4-BE49-F238E27FC236}">
+                <a16:creationId xmlns:a16="http://schemas.microsoft.com/office/drawing/2014/main" id="{B2A4764E-32AF-47D3-BEE5-D87346E71212}"/>
+              </a:ext>
+            </a:extLst>
+          </p:cNvPr>
+          <p:cNvPicPr>
+            <a:picLocks noChangeAspect="1"/>
+          </p:cNvPicPr>
+          <p:nvPr/>
+        </p:nvPicPr>
+        <p:blipFill>
+          <a:blip r:embed="rId2">
+            <a:extLst>
+              <a:ext uri="{28A0092B-C50C-407E-A947-70E740481C1C}">
+                <a14:useLocalDpi xmlns:a14="http://schemas.microsoft.com/office/drawing/2010/main" val="0"/>
+              </a:ext>
+              <a:ext uri="{96DAC541-7B7A-43D3-8B79-37D633B846F1}">
+                <asvg:svgBlip xmlns:asvg="http://schemas.microsoft.com/office/drawing/2016/SVG/main" r:embed="rId3"/>
+              </a:ext>
+            </a:extLst>
+          </a:blip>
+          <a:stretch>
+            <a:fillRect/>
+          </a:stretch>
+        </p:blipFill>
+        <p:spPr>
+          <a:xfrm>
+            <a:off x="3193381" y="2613614"/>
+            <a:ext cx="367520" cy="367520"/>
+          </a:xfrm>
+          <a:prstGeom prst="rect">
+            <a:avLst/>
+          </a:prstGeom>
+        </p:spPr>
+      </p:pic>
+      <p:pic>
+        <p:nvPicPr>
+          <p:cNvPr id="5" name="グラフィックス 4">
+            <a:extLst>
+              <a:ext uri="{FF2B5EF4-FFF2-40B4-BE49-F238E27FC236}">
+                <a16:creationId xmlns:a16="http://schemas.microsoft.com/office/drawing/2014/main" id="{725E87CF-4243-4B39-8BD3-4FDBAC19F58E}"/>
+              </a:ext>
+            </a:extLst>
+          </p:cNvPr>
+          <p:cNvPicPr>
+            <a:picLocks noChangeAspect="1"/>
+          </p:cNvPicPr>
+          <p:nvPr/>
+        </p:nvPicPr>
+        <p:blipFill>
+          <a:blip r:embed="rId4">
+            <a:extLst>
+              <a:ext uri="{28A0092B-C50C-407E-A947-70E740481C1C}">
+                <a14:useLocalDpi xmlns:a14="http://schemas.microsoft.com/office/drawing/2010/main" val="0"/>
+              </a:ext>
+              <a:ext uri="{96DAC541-7B7A-43D3-8B79-37D633B846F1}">
+                <asvg:svgBlip xmlns:asvg="http://schemas.microsoft.com/office/drawing/2016/SVG/main" r:embed="rId5"/>
+              </a:ext>
+            </a:extLst>
+          </a:blip>
+          <a:stretch>
+            <a:fillRect/>
+          </a:stretch>
+        </p:blipFill>
+        <p:spPr>
+          <a:xfrm>
+            <a:off x="1314202" y="2279505"/>
+            <a:ext cx="334109" cy="334109"/>
+          </a:xfrm>
+          <a:prstGeom prst="rect">
+            <a:avLst/>
+          </a:prstGeom>
+        </p:spPr>
+      </p:pic>
+      <p:pic>
+        <p:nvPicPr>
+          <p:cNvPr id="7" name="グラフィックス 6">
+            <a:extLst>
+              <a:ext uri="{FF2B5EF4-FFF2-40B4-BE49-F238E27FC236}">
+                <a16:creationId xmlns:a16="http://schemas.microsoft.com/office/drawing/2014/main" id="{EE64F66A-8F5E-4BA6-8BA3-EC65926EF644}"/>
+              </a:ext>
+            </a:extLst>
+          </p:cNvPr>
+          <p:cNvPicPr>
+            <a:picLocks noChangeAspect="1"/>
+          </p:cNvPicPr>
+          <p:nvPr/>
+        </p:nvPicPr>
+        <p:blipFill>
+          <a:blip r:embed="rId6">
+            <a:extLst>
+              <a:ext uri="{28A0092B-C50C-407E-A947-70E740481C1C}">
+                <a14:useLocalDpi xmlns:a14="http://schemas.microsoft.com/office/drawing/2010/main" val="0"/>
+              </a:ext>
+              <a:ext uri="{96DAC541-7B7A-43D3-8B79-37D633B846F1}">
+                <asvg:svgBlip xmlns:asvg="http://schemas.microsoft.com/office/drawing/2016/SVG/main" r:embed="rId7"/>
+              </a:ext>
+            </a:extLst>
+          </a:blip>
+          <a:stretch>
+            <a:fillRect/>
+          </a:stretch>
+        </p:blipFill>
+        <p:spPr>
+          <a:xfrm>
+            <a:off x="463273" y="1829467"/>
+            <a:ext cx="404272" cy="404272"/>
+          </a:xfrm>
+          <a:prstGeom prst="rect">
+            <a:avLst/>
+          </a:prstGeom>
+        </p:spPr>
+      </p:pic>
+      <p:sp>
+        <p:nvSpPr>
+          <p:cNvPr id="8" name="テキスト ボックス 7">
+            <a:extLst>
+              <a:ext uri="{FF2B5EF4-FFF2-40B4-BE49-F238E27FC236}">
+                <a16:creationId xmlns:a16="http://schemas.microsoft.com/office/drawing/2014/main" id="{D30B2F7A-28E6-46FC-83A4-96C4435DE5F0}"/>
+              </a:ext>
+            </a:extLst>
+          </p:cNvPr>
+          <p:cNvSpPr txBox="1"/>
+          <p:nvPr/>
+        </p:nvSpPr>
+        <p:spPr>
+          <a:xfrm>
+            <a:off x="754857" y="1769623"/>
+            <a:ext cx="1087157" cy="276999"/>
+          </a:xfrm>
+          <a:prstGeom prst="rect">
+            <a:avLst/>
+          </a:prstGeom>
+          <a:noFill/>
+        </p:spPr>
+        <p:txBody>
+          <a:bodyPr wrap="none" rtlCol="0">
+            <a:spAutoFit/>
+          </a:bodyPr>
+          <a:lstStyle/>
+          <a:p>
+            <a:r>
+              <a:rPr kumimoji="1" lang="en-US" altLang="ja-JP" sz="1200" dirty="0"/>
+              <a:t>contoso.com</a:t>
+            </a:r>
+            <a:endParaRPr kumimoji="1" lang="ja-JP" altLang="en-US" sz="1200" dirty="0"/>
+          </a:p>
+        </p:txBody>
+      </p:sp>
+      <p:sp>
+        <p:nvSpPr>
+          <p:cNvPr id="14" name="テキスト ボックス 13">
+            <a:extLst>
+              <a:ext uri="{FF2B5EF4-FFF2-40B4-BE49-F238E27FC236}">
+                <a16:creationId xmlns:a16="http://schemas.microsoft.com/office/drawing/2014/main" id="{19A55C56-89E4-474E-A0D8-07169D98B45E}"/>
+              </a:ext>
+            </a:extLst>
+          </p:cNvPr>
+          <p:cNvSpPr txBox="1"/>
+          <p:nvPr/>
+        </p:nvSpPr>
+        <p:spPr>
+          <a:xfrm>
+            <a:off x="3520860" y="2350799"/>
+            <a:ext cx="1735688" cy="830997"/>
+          </a:xfrm>
+          <a:prstGeom prst="rect">
+            <a:avLst/>
+          </a:prstGeom>
+          <a:noFill/>
+        </p:spPr>
+        <p:txBody>
+          <a:bodyPr wrap="square" rtlCol="0">
+            <a:spAutoFit/>
+          </a:bodyPr>
+          <a:lstStyle/>
+          <a:p>
+            <a:r>
+              <a:rPr lang="ja-JP" altLang="en-US" sz="1200" dirty="0"/>
+              <a:t>エンタープライズ </a:t>
+            </a:r>
+            <a:br>
+              <a:rPr lang="en-US" altLang="ja-JP" sz="1200" dirty="0"/>
+            </a:br>
+            <a:r>
+              <a:rPr lang="ja-JP" altLang="en-US" sz="1200" dirty="0"/>
+              <a:t>アプリケーション</a:t>
+            </a:r>
+            <a:endParaRPr lang="en-US" altLang="ja-JP" sz="1200" dirty="0"/>
+          </a:p>
+          <a:p>
+            <a:r>
+              <a:rPr kumimoji="1" lang="en-US" altLang="ja-JP" sz="1200" dirty="0"/>
+              <a:t>Object ID = </a:t>
+            </a:r>
+            <a:br>
+              <a:rPr kumimoji="1" lang="en-US" altLang="ja-JP" sz="1200" dirty="0"/>
+            </a:br>
+            <a:r>
+              <a:rPr kumimoji="1" lang="en-US" altLang="ja-JP" sz="1200" dirty="0"/>
+              <a:t>&lt;</a:t>
+            </a:r>
+            <a:r>
+              <a:rPr kumimoji="1" lang="en-US" altLang="ja-JP" sz="1200" dirty="0" err="1"/>
+              <a:t>contoso</a:t>
+            </a:r>
+            <a:r>
+              <a:rPr kumimoji="1" lang="en-US" altLang="ja-JP" sz="1200" dirty="0"/>
+              <a:t> specific id&gt;</a:t>
+            </a:r>
+            <a:endParaRPr kumimoji="1" lang="ja-JP" altLang="en-US" sz="1200" dirty="0"/>
+          </a:p>
+        </p:txBody>
+      </p:sp>
+      <p:pic>
+        <p:nvPicPr>
+          <p:cNvPr id="17" name="グラフィックス 16">
+            <a:extLst>
+              <a:ext uri="{FF2B5EF4-FFF2-40B4-BE49-F238E27FC236}">
+                <a16:creationId xmlns:a16="http://schemas.microsoft.com/office/drawing/2014/main" id="{D4394992-E47F-41D6-95DD-7905E9D33634}"/>
+              </a:ext>
+            </a:extLst>
+          </p:cNvPr>
+          <p:cNvPicPr>
+            <a:picLocks noChangeAspect="1"/>
+          </p:cNvPicPr>
+          <p:nvPr/>
+        </p:nvPicPr>
+        <p:blipFill>
+          <a:blip r:embed="rId4">
+            <a:extLst>
+              <a:ext uri="{28A0092B-C50C-407E-A947-70E740481C1C}">
+                <a14:useLocalDpi xmlns:a14="http://schemas.microsoft.com/office/drawing/2010/main" val="0"/>
+              </a:ext>
+              <a:ext uri="{96DAC541-7B7A-43D3-8B79-37D633B846F1}">
+                <asvg:svgBlip xmlns:asvg="http://schemas.microsoft.com/office/drawing/2016/SVG/main" r:embed="rId5"/>
+              </a:ext>
+            </a:extLst>
+          </a:blip>
+          <a:stretch>
+            <a:fillRect/>
+          </a:stretch>
+        </p:blipFill>
+        <p:spPr>
+          <a:xfrm>
+            <a:off x="1314202" y="2846497"/>
+            <a:ext cx="334109" cy="334109"/>
+          </a:xfrm>
+          <a:prstGeom prst="rect">
+            <a:avLst/>
+          </a:prstGeom>
+        </p:spPr>
+      </p:pic>
+      <p:sp>
+        <p:nvSpPr>
+          <p:cNvPr id="19" name="テキスト ボックス 18">
+            <a:extLst>
+              <a:ext uri="{FF2B5EF4-FFF2-40B4-BE49-F238E27FC236}">
+                <a16:creationId xmlns:a16="http://schemas.microsoft.com/office/drawing/2014/main" id="{C9CFAEA5-E8C7-43DB-B4E3-1B911B2657D4}"/>
+              </a:ext>
+            </a:extLst>
+          </p:cNvPr>
+          <p:cNvSpPr txBox="1"/>
+          <p:nvPr/>
+        </p:nvSpPr>
+        <p:spPr>
+          <a:xfrm>
+            <a:off x="1183738" y="2556802"/>
+            <a:ext cx="595035" cy="276999"/>
+          </a:xfrm>
+          <a:prstGeom prst="rect">
+            <a:avLst/>
+          </a:prstGeom>
+          <a:noFill/>
+        </p:spPr>
+        <p:txBody>
+          <a:bodyPr wrap="none" rtlCol="0">
+            <a:spAutoFit/>
+          </a:bodyPr>
+          <a:lstStyle/>
+          <a:p>
+            <a:r>
+              <a:rPr kumimoji="1" lang="en-US" altLang="ja-JP" sz="1200" dirty="0" err="1"/>
+              <a:t>userA</a:t>
+            </a:r>
+            <a:endParaRPr kumimoji="1" lang="ja-JP" altLang="en-US" sz="1200" dirty="0"/>
+          </a:p>
+        </p:txBody>
+      </p:sp>
+      <p:sp>
+        <p:nvSpPr>
+          <p:cNvPr id="21" name="テキスト ボックス 20">
+            <a:extLst>
+              <a:ext uri="{FF2B5EF4-FFF2-40B4-BE49-F238E27FC236}">
+                <a16:creationId xmlns:a16="http://schemas.microsoft.com/office/drawing/2014/main" id="{5D82EF0D-9BEE-42AB-882D-EF9E541D6549}"/>
+              </a:ext>
+            </a:extLst>
+          </p:cNvPr>
+          <p:cNvSpPr txBox="1"/>
+          <p:nvPr/>
+        </p:nvSpPr>
+        <p:spPr>
+          <a:xfrm>
+            <a:off x="1183738" y="3124581"/>
+            <a:ext cx="595035" cy="276999"/>
+          </a:xfrm>
+          <a:prstGeom prst="rect">
+            <a:avLst/>
+          </a:prstGeom>
+          <a:noFill/>
+        </p:spPr>
+        <p:txBody>
+          <a:bodyPr wrap="none" rtlCol="0">
+            <a:spAutoFit/>
+          </a:bodyPr>
+          <a:lstStyle/>
+          <a:p>
+            <a:r>
+              <a:rPr kumimoji="1" lang="en-US" altLang="ja-JP" sz="1200" dirty="0" err="1"/>
+              <a:t>userB</a:t>
+            </a:r>
+            <a:endParaRPr kumimoji="1" lang="ja-JP" altLang="en-US" sz="1200" dirty="0"/>
+          </a:p>
+        </p:txBody>
+      </p:sp>
+      <p:sp>
+        <p:nvSpPr>
+          <p:cNvPr id="23" name="四角形: 角を丸くする 22">
+            <a:extLst>
+              <a:ext uri="{FF2B5EF4-FFF2-40B4-BE49-F238E27FC236}">
+                <a16:creationId xmlns:a16="http://schemas.microsoft.com/office/drawing/2014/main" id="{1309554E-865A-49DE-AD21-1284F03DFFFF}"/>
+              </a:ext>
+            </a:extLst>
+          </p:cNvPr>
+          <p:cNvSpPr/>
+          <p:nvPr/>
+        </p:nvSpPr>
+        <p:spPr>
+          <a:xfrm>
+            <a:off x="665409" y="3818456"/>
+            <a:ext cx="4765183" cy="2041431"/>
+          </a:xfrm>
+          <a:prstGeom prst="roundRect">
+            <a:avLst>
+              <a:gd name="adj" fmla="val 5791"/>
+            </a:avLst>
+          </a:prstGeom>
+          <a:noFill/>
+          <a:ln>
+            <a:solidFill>
+              <a:schemeClr val="accent6"/>
+            </a:solidFill>
+          </a:ln>
+        </p:spPr>
+        <p:style>
+          <a:lnRef idx="2">
+            <a:schemeClr val="accent1"/>
+          </a:lnRef>
+          <a:fillRef idx="1">
+            <a:schemeClr val="lt1"/>
+          </a:fillRef>
+          <a:effectRef idx="0">
+            <a:schemeClr val="accent1"/>
+          </a:effectRef>
+          <a:fontRef idx="minor">
+            <a:schemeClr val="dk1"/>
+          </a:fontRef>
+        </p:style>
+        <p:txBody>
+          <a:bodyPr rtlCol="0" anchor="ctr"/>
+          <a:lstStyle/>
+          <a:p>
+            <a:pPr algn="ctr"/>
+            <a:endParaRPr kumimoji="1" lang="ja-JP" altLang="en-US"/>
+          </a:p>
+        </p:txBody>
+      </p:sp>
+      <p:pic>
+        <p:nvPicPr>
+          <p:cNvPr id="25" name="グラフィックス 24">
+            <a:extLst>
+              <a:ext uri="{FF2B5EF4-FFF2-40B4-BE49-F238E27FC236}">
+                <a16:creationId xmlns:a16="http://schemas.microsoft.com/office/drawing/2014/main" id="{F86261D5-2A66-4299-8836-111AE24360D3}"/>
+              </a:ext>
+            </a:extLst>
+          </p:cNvPr>
+          <p:cNvPicPr>
+            <a:picLocks noChangeAspect="1"/>
+          </p:cNvPicPr>
+          <p:nvPr/>
+        </p:nvPicPr>
+        <p:blipFill>
+          <a:blip r:embed="rId2">
+            <a:extLst>
+              <a:ext uri="{28A0092B-C50C-407E-A947-70E740481C1C}">
+                <a14:useLocalDpi xmlns:a14="http://schemas.microsoft.com/office/drawing/2010/main" val="0"/>
+              </a:ext>
+              <a:ext uri="{96DAC541-7B7A-43D3-8B79-37D633B846F1}">
+                <asvg:svgBlip xmlns:asvg="http://schemas.microsoft.com/office/drawing/2016/SVG/main" r:embed="rId3"/>
+              </a:ext>
+            </a:extLst>
+          </a:blip>
+          <a:stretch>
+            <a:fillRect/>
+          </a:stretch>
+        </p:blipFill>
+        <p:spPr>
+          <a:xfrm>
+            <a:off x="3193381" y="5001487"/>
+            <a:ext cx="367520" cy="367520"/>
+          </a:xfrm>
+          <a:prstGeom prst="rect">
+            <a:avLst/>
+          </a:prstGeom>
+        </p:spPr>
+      </p:pic>
+      <p:pic>
+        <p:nvPicPr>
+          <p:cNvPr id="27" name="グラフィックス 26">
+            <a:extLst>
+              <a:ext uri="{FF2B5EF4-FFF2-40B4-BE49-F238E27FC236}">
+                <a16:creationId xmlns:a16="http://schemas.microsoft.com/office/drawing/2014/main" id="{5EDCF9B0-1F99-4F74-95EE-F8B95CAF5A80}"/>
+              </a:ext>
+            </a:extLst>
+          </p:cNvPr>
+          <p:cNvPicPr>
+            <a:picLocks noChangeAspect="1"/>
+          </p:cNvPicPr>
+          <p:nvPr/>
+        </p:nvPicPr>
+        <p:blipFill>
+          <a:blip r:embed="rId4">
+            <a:extLst>
+              <a:ext uri="{28A0092B-C50C-407E-A947-70E740481C1C}">
+                <a14:useLocalDpi xmlns:a14="http://schemas.microsoft.com/office/drawing/2010/main" val="0"/>
+              </a:ext>
+              <a:ext uri="{96DAC541-7B7A-43D3-8B79-37D633B846F1}">
+                <asvg:svgBlip xmlns:asvg="http://schemas.microsoft.com/office/drawing/2016/SVG/main" r:embed="rId5"/>
+              </a:ext>
+            </a:extLst>
+          </a:blip>
+          <a:stretch>
+            <a:fillRect/>
+          </a:stretch>
+        </p:blipFill>
+        <p:spPr>
+          <a:xfrm>
+            <a:off x="1314202" y="4667378"/>
+            <a:ext cx="334109" cy="334109"/>
+          </a:xfrm>
+          <a:prstGeom prst="rect">
+            <a:avLst/>
+          </a:prstGeom>
+        </p:spPr>
+      </p:pic>
+      <p:pic>
+        <p:nvPicPr>
+          <p:cNvPr id="29" name="グラフィックス 28">
+            <a:extLst>
+              <a:ext uri="{FF2B5EF4-FFF2-40B4-BE49-F238E27FC236}">
+                <a16:creationId xmlns:a16="http://schemas.microsoft.com/office/drawing/2014/main" id="{EF6FD12B-70F8-4DDA-B058-11255B5F76C8}"/>
+              </a:ext>
+            </a:extLst>
+          </p:cNvPr>
+          <p:cNvPicPr>
+            <a:picLocks noChangeAspect="1"/>
+          </p:cNvPicPr>
+          <p:nvPr/>
+        </p:nvPicPr>
+        <p:blipFill>
+          <a:blip r:embed="rId6">
+            <a:extLst>
+              <a:ext uri="{28A0092B-C50C-407E-A947-70E740481C1C}">
+                <a14:useLocalDpi xmlns:a14="http://schemas.microsoft.com/office/drawing/2010/main" val="0"/>
+              </a:ext>
+              <a:ext uri="{96DAC541-7B7A-43D3-8B79-37D633B846F1}">
+                <asvg:svgBlip xmlns:asvg="http://schemas.microsoft.com/office/drawing/2016/SVG/main" r:embed="rId7"/>
+              </a:ext>
+            </a:extLst>
+          </a:blip>
+          <a:stretch>
+            <a:fillRect/>
+          </a:stretch>
+        </p:blipFill>
+        <p:spPr>
+          <a:xfrm>
+            <a:off x="463273" y="3616320"/>
+            <a:ext cx="404272" cy="404272"/>
+          </a:xfrm>
+          <a:prstGeom prst="rect">
+            <a:avLst/>
+          </a:prstGeom>
+        </p:spPr>
+      </p:pic>
+      <p:sp>
+        <p:nvSpPr>
+          <p:cNvPr id="31" name="テキスト ボックス 30">
+            <a:extLst>
+              <a:ext uri="{FF2B5EF4-FFF2-40B4-BE49-F238E27FC236}">
+                <a16:creationId xmlns:a16="http://schemas.microsoft.com/office/drawing/2014/main" id="{C00A6599-AD55-48B1-8611-58CB19F28DCC}"/>
+              </a:ext>
+            </a:extLst>
+          </p:cNvPr>
+          <p:cNvSpPr txBox="1"/>
+          <p:nvPr/>
+        </p:nvSpPr>
+        <p:spPr>
+          <a:xfrm>
+            <a:off x="754857" y="3556476"/>
+            <a:ext cx="1151277" cy="276999"/>
+          </a:xfrm>
+          <a:prstGeom prst="rect">
+            <a:avLst/>
+          </a:prstGeom>
+          <a:noFill/>
+        </p:spPr>
+        <p:txBody>
+          <a:bodyPr wrap="none" rtlCol="0">
+            <a:spAutoFit/>
+          </a:bodyPr>
+          <a:lstStyle/>
+          <a:p>
+            <a:r>
+              <a:rPr lang="en-US" altLang="ja-JP" sz="1200" dirty="0"/>
+              <a:t>fabrikam</a:t>
+            </a:r>
+            <a:r>
+              <a:rPr kumimoji="1" lang="en-US" altLang="ja-JP" sz="1200" dirty="0"/>
+              <a:t>.com</a:t>
+            </a:r>
+            <a:endParaRPr kumimoji="1" lang="ja-JP" altLang="en-US" sz="1200" dirty="0"/>
+          </a:p>
+        </p:txBody>
+      </p:sp>
+      <p:pic>
+        <p:nvPicPr>
+          <p:cNvPr id="33" name="グラフィックス 32">
+            <a:extLst>
+              <a:ext uri="{FF2B5EF4-FFF2-40B4-BE49-F238E27FC236}">
+                <a16:creationId xmlns:a16="http://schemas.microsoft.com/office/drawing/2014/main" id="{C72F849D-E8A6-44F8-8ACA-1B49D748F114}"/>
+              </a:ext>
+            </a:extLst>
+          </p:cNvPr>
+          <p:cNvPicPr>
+            <a:picLocks noChangeAspect="1"/>
+          </p:cNvPicPr>
+          <p:nvPr/>
+        </p:nvPicPr>
+        <p:blipFill>
+          <a:blip r:embed="rId4">
+            <a:extLst>
+              <a:ext uri="{28A0092B-C50C-407E-A947-70E740481C1C}">
+                <a14:useLocalDpi xmlns:a14="http://schemas.microsoft.com/office/drawing/2010/main" val="0"/>
+              </a:ext>
+              <a:ext uri="{96DAC541-7B7A-43D3-8B79-37D633B846F1}">
+                <asvg:svgBlip xmlns:asvg="http://schemas.microsoft.com/office/drawing/2016/SVG/main" r:embed="rId5"/>
+              </a:ext>
+            </a:extLst>
+          </a:blip>
+          <a:stretch>
+            <a:fillRect/>
+          </a:stretch>
+        </p:blipFill>
+        <p:spPr>
+          <a:xfrm>
+            <a:off x="1314202" y="5234370"/>
+            <a:ext cx="334109" cy="334109"/>
+          </a:xfrm>
+          <a:prstGeom prst="rect">
+            <a:avLst/>
+          </a:prstGeom>
+        </p:spPr>
+      </p:pic>
+      <p:sp>
+        <p:nvSpPr>
+          <p:cNvPr id="35" name="テキスト ボックス 34">
+            <a:extLst>
+              <a:ext uri="{FF2B5EF4-FFF2-40B4-BE49-F238E27FC236}">
+                <a16:creationId xmlns:a16="http://schemas.microsoft.com/office/drawing/2014/main" id="{223CFB4D-E5FA-4285-91A1-ABA3099249C3}"/>
+              </a:ext>
+            </a:extLst>
+          </p:cNvPr>
+          <p:cNvSpPr txBox="1"/>
+          <p:nvPr/>
+        </p:nvSpPr>
+        <p:spPr>
+          <a:xfrm>
+            <a:off x="1183738" y="4944675"/>
+            <a:ext cx="595035" cy="276999"/>
+          </a:xfrm>
+          <a:prstGeom prst="rect">
+            <a:avLst/>
+          </a:prstGeom>
+          <a:noFill/>
+        </p:spPr>
+        <p:txBody>
+          <a:bodyPr wrap="none" rtlCol="0">
+            <a:spAutoFit/>
+          </a:bodyPr>
+          <a:lstStyle/>
+          <a:p>
+            <a:r>
+              <a:rPr kumimoji="1" lang="en-US" altLang="ja-JP" sz="1200" dirty="0" err="1"/>
+              <a:t>userX</a:t>
+            </a:r>
+            <a:endParaRPr kumimoji="1" lang="ja-JP" altLang="en-US" sz="1200" dirty="0"/>
+          </a:p>
+        </p:txBody>
+      </p:sp>
+      <p:sp>
+        <p:nvSpPr>
+          <p:cNvPr id="37" name="テキスト ボックス 36">
+            <a:extLst>
+              <a:ext uri="{FF2B5EF4-FFF2-40B4-BE49-F238E27FC236}">
+                <a16:creationId xmlns:a16="http://schemas.microsoft.com/office/drawing/2014/main" id="{4C428B70-413D-4BFF-97C0-A6D770B1A2A9}"/>
+              </a:ext>
+            </a:extLst>
+          </p:cNvPr>
+          <p:cNvSpPr txBox="1"/>
+          <p:nvPr/>
+        </p:nvSpPr>
+        <p:spPr>
+          <a:xfrm>
+            <a:off x="1183738" y="5512454"/>
+            <a:ext cx="595035" cy="276999"/>
+          </a:xfrm>
+          <a:prstGeom prst="rect">
+            <a:avLst/>
+          </a:prstGeom>
+          <a:noFill/>
+        </p:spPr>
+        <p:txBody>
+          <a:bodyPr wrap="none" rtlCol="0">
+            <a:spAutoFit/>
+          </a:bodyPr>
+          <a:lstStyle/>
+          <a:p>
+            <a:r>
+              <a:rPr kumimoji="1" lang="en-US" altLang="ja-JP" sz="1200" dirty="0" err="1"/>
+              <a:t>userY</a:t>
+            </a:r>
+            <a:endParaRPr kumimoji="1" lang="ja-JP" altLang="en-US" sz="1200" dirty="0"/>
+          </a:p>
+        </p:txBody>
+      </p:sp>
+      <p:cxnSp>
+        <p:nvCxnSpPr>
+          <p:cNvPr id="39" name="直線コネクタ 38">
+            <a:extLst>
+              <a:ext uri="{FF2B5EF4-FFF2-40B4-BE49-F238E27FC236}">
+                <a16:creationId xmlns:a16="http://schemas.microsoft.com/office/drawing/2014/main" id="{2F41A737-C3F6-4B35-8E2F-5797051E973E}"/>
+              </a:ext>
+            </a:extLst>
+          </p:cNvPr>
+          <p:cNvCxnSpPr>
+            <a:cxnSpLocks/>
+          </p:cNvCxnSpPr>
+          <p:nvPr/>
+        </p:nvCxnSpPr>
+        <p:spPr>
+          <a:xfrm>
+            <a:off x="1713953" y="2449950"/>
+            <a:ext cx="1392896" cy="293381"/>
+          </a:xfrm>
+          <a:prstGeom prst="line">
+            <a:avLst/>
+          </a:prstGeom>
+        </p:spPr>
+        <p:style>
+          <a:lnRef idx="1">
+            <a:schemeClr val="accent1"/>
+          </a:lnRef>
+          <a:fillRef idx="0">
+            <a:schemeClr val="accent1"/>
+          </a:fillRef>
+          <a:effectRef idx="0">
+            <a:schemeClr val="accent1"/>
+          </a:effectRef>
+          <a:fontRef idx="minor">
+            <a:schemeClr val="tx1"/>
+          </a:fontRef>
+        </p:style>
+      </p:cxnSp>
+      <p:cxnSp>
+        <p:nvCxnSpPr>
+          <p:cNvPr id="41" name="直線コネクタ 40">
+            <a:extLst>
+              <a:ext uri="{FF2B5EF4-FFF2-40B4-BE49-F238E27FC236}">
+                <a16:creationId xmlns:a16="http://schemas.microsoft.com/office/drawing/2014/main" id="{4652FD70-50B8-4548-B7B8-721F27BFF361}"/>
+              </a:ext>
+            </a:extLst>
+          </p:cNvPr>
+          <p:cNvCxnSpPr>
+            <a:cxnSpLocks/>
+          </p:cNvCxnSpPr>
+          <p:nvPr/>
+        </p:nvCxnSpPr>
+        <p:spPr>
+          <a:xfrm flipV="1">
+            <a:off x="1782349" y="2874321"/>
+            <a:ext cx="1337382" cy="192080"/>
+          </a:xfrm>
+          <a:prstGeom prst="line">
+            <a:avLst/>
+          </a:prstGeom>
+        </p:spPr>
+        <p:style>
+          <a:lnRef idx="1">
+            <a:schemeClr val="accent1"/>
+          </a:lnRef>
+          <a:fillRef idx="0">
+            <a:schemeClr val="accent1"/>
+          </a:fillRef>
+          <a:effectRef idx="0">
+            <a:schemeClr val="accent1"/>
+          </a:effectRef>
+          <a:fontRef idx="minor">
+            <a:schemeClr val="tx1"/>
+          </a:fontRef>
+        </p:style>
+      </p:cxnSp>
+      <p:cxnSp>
+        <p:nvCxnSpPr>
+          <p:cNvPr id="45" name="直線コネクタ 44">
+            <a:extLst>
+              <a:ext uri="{FF2B5EF4-FFF2-40B4-BE49-F238E27FC236}">
+                <a16:creationId xmlns:a16="http://schemas.microsoft.com/office/drawing/2014/main" id="{9691D968-B0CB-48CC-A4D9-AFD38A94FCA6}"/>
+              </a:ext>
+            </a:extLst>
+          </p:cNvPr>
+          <p:cNvCxnSpPr>
+            <a:cxnSpLocks/>
+          </p:cNvCxnSpPr>
+          <p:nvPr/>
+        </p:nvCxnSpPr>
+        <p:spPr>
+          <a:xfrm>
+            <a:off x="1746050" y="4848596"/>
+            <a:ext cx="1392896" cy="293381"/>
+          </a:xfrm>
+          <a:prstGeom prst="line">
+            <a:avLst/>
+          </a:prstGeom>
+        </p:spPr>
+        <p:style>
+          <a:lnRef idx="1">
+            <a:schemeClr val="accent1"/>
+          </a:lnRef>
+          <a:fillRef idx="0">
+            <a:schemeClr val="accent1"/>
+          </a:fillRef>
+          <a:effectRef idx="0">
+            <a:schemeClr val="accent1"/>
+          </a:effectRef>
+          <a:fontRef idx="minor">
+            <a:schemeClr val="tx1"/>
+          </a:fontRef>
+        </p:style>
+      </p:cxnSp>
+      <p:cxnSp>
+        <p:nvCxnSpPr>
+          <p:cNvPr id="47" name="直線コネクタ 46">
+            <a:extLst>
+              <a:ext uri="{FF2B5EF4-FFF2-40B4-BE49-F238E27FC236}">
+                <a16:creationId xmlns:a16="http://schemas.microsoft.com/office/drawing/2014/main" id="{747CFEEB-8601-4A51-9421-928660D0BC76}"/>
+              </a:ext>
+            </a:extLst>
+          </p:cNvPr>
+          <p:cNvCxnSpPr>
+            <a:cxnSpLocks/>
+          </p:cNvCxnSpPr>
+          <p:nvPr/>
+        </p:nvCxnSpPr>
+        <p:spPr>
+          <a:xfrm flipV="1">
+            <a:off x="1814446" y="5272967"/>
+            <a:ext cx="1337382" cy="192080"/>
+          </a:xfrm>
+          <a:prstGeom prst="line">
+            <a:avLst/>
+          </a:prstGeom>
+        </p:spPr>
+        <p:style>
+          <a:lnRef idx="1">
+            <a:schemeClr val="accent1"/>
+          </a:lnRef>
+          <a:fillRef idx="0">
+            <a:schemeClr val="accent1"/>
+          </a:fillRef>
+          <a:effectRef idx="0">
+            <a:schemeClr val="accent1"/>
+          </a:effectRef>
+          <a:fontRef idx="minor">
+            <a:schemeClr val="tx1"/>
+          </a:fontRef>
+        </p:style>
+      </p:cxnSp>
+      <p:pic>
+        <p:nvPicPr>
+          <p:cNvPr id="49" name="グラフィックス 48">
+            <a:extLst>
+              <a:ext uri="{FF2B5EF4-FFF2-40B4-BE49-F238E27FC236}">
+                <a16:creationId xmlns:a16="http://schemas.microsoft.com/office/drawing/2014/main" id="{370B9B27-CD1D-4E36-8963-E63A50505170}"/>
+              </a:ext>
+            </a:extLst>
+          </p:cNvPr>
+          <p:cNvPicPr>
+            <a:picLocks noChangeAspect="1"/>
+          </p:cNvPicPr>
+          <p:nvPr/>
+        </p:nvPicPr>
+        <p:blipFill>
+          <a:blip r:embed="rId2">
+            <a:extLst>
+              <a:ext uri="{28A0092B-C50C-407E-A947-70E740481C1C}">
+                <a14:useLocalDpi xmlns:a14="http://schemas.microsoft.com/office/drawing/2010/main" val="0"/>
+              </a:ext>
+              <a:ext uri="{96DAC541-7B7A-43D3-8B79-37D633B846F1}">
+                <asvg:svgBlip xmlns:asvg="http://schemas.microsoft.com/office/drawing/2016/SVG/main" r:embed="rId3"/>
+              </a:ext>
+            </a:extLst>
+          </a:blip>
+          <a:stretch>
+            <a:fillRect/>
+          </a:stretch>
+        </p:blipFill>
+        <p:spPr>
+          <a:xfrm>
+            <a:off x="4116761" y="1119999"/>
+            <a:ext cx="367520" cy="367520"/>
+          </a:xfrm>
+          <a:prstGeom prst="rect">
+            <a:avLst/>
+          </a:prstGeom>
+        </p:spPr>
+      </p:pic>
+      <p:sp>
+        <p:nvSpPr>
+          <p:cNvPr id="51" name="テキスト ボックス 50">
+            <a:extLst>
+              <a:ext uri="{FF2B5EF4-FFF2-40B4-BE49-F238E27FC236}">
+                <a16:creationId xmlns:a16="http://schemas.microsoft.com/office/drawing/2014/main" id="{020AA795-FEEB-419D-B6B1-3054EE70F636}"/>
+              </a:ext>
+            </a:extLst>
+          </p:cNvPr>
+          <p:cNvSpPr txBox="1"/>
+          <p:nvPr/>
+        </p:nvSpPr>
+        <p:spPr>
+          <a:xfrm>
+            <a:off x="2097971" y="2325626"/>
+            <a:ext cx="624859" cy="276999"/>
+          </a:xfrm>
+          <a:prstGeom prst="rect">
+            <a:avLst/>
+          </a:prstGeom>
+          <a:noFill/>
+        </p:spPr>
+        <p:txBody>
+          <a:bodyPr wrap="square" rtlCol="0">
+            <a:spAutoFit/>
+          </a:bodyPr>
+          <a:lstStyle/>
+          <a:p>
+            <a:r>
+              <a:rPr lang="ja-JP" altLang="en-US" sz="1200" dirty="0"/>
+              <a:t>同意</a:t>
+            </a:r>
+            <a:endParaRPr kumimoji="1" lang="ja-JP" altLang="en-US" sz="1200" dirty="0"/>
+          </a:p>
+        </p:txBody>
+      </p:sp>
+      <p:sp>
+        <p:nvSpPr>
+          <p:cNvPr id="53" name="テキスト ボックス 52">
+            <a:extLst>
+              <a:ext uri="{FF2B5EF4-FFF2-40B4-BE49-F238E27FC236}">
+                <a16:creationId xmlns:a16="http://schemas.microsoft.com/office/drawing/2014/main" id="{BAF23B49-3B7A-4F3C-9618-0652FAF6BEA6}"/>
+              </a:ext>
+            </a:extLst>
+          </p:cNvPr>
+          <p:cNvSpPr txBox="1"/>
+          <p:nvPr/>
+        </p:nvSpPr>
+        <p:spPr>
+          <a:xfrm>
+            <a:off x="2082419" y="3042106"/>
+            <a:ext cx="624859" cy="276999"/>
+          </a:xfrm>
+          <a:prstGeom prst="rect">
+            <a:avLst/>
+          </a:prstGeom>
+          <a:noFill/>
+        </p:spPr>
+        <p:txBody>
+          <a:bodyPr wrap="square" rtlCol="0">
+            <a:spAutoFit/>
+          </a:bodyPr>
+          <a:lstStyle/>
+          <a:p>
+            <a:r>
+              <a:rPr lang="ja-JP" altLang="en-US" sz="1200" dirty="0"/>
+              <a:t>同意</a:t>
+            </a:r>
+            <a:endParaRPr kumimoji="1" lang="ja-JP" altLang="en-US" sz="1200" dirty="0"/>
+          </a:p>
+        </p:txBody>
+      </p:sp>
+      <p:sp>
+        <p:nvSpPr>
+          <p:cNvPr id="55" name="テキスト ボックス 54">
+            <a:extLst>
+              <a:ext uri="{FF2B5EF4-FFF2-40B4-BE49-F238E27FC236}">
+                <a16:creationId xmlns:a16="http://schemas.microsoft.com/office/drawing/2014/main" id="{81D59DE0-CFC3-494A-9847-793FBB79ED0B}"/>
+              </a:ext>
+            </a:extLst>
+          </p:cNvPr>
+          <p:cNvSpPr txBox="1"/>
+          <p:nvPr/>
+        </p:nvSpPr>
+        <p:spPr>
+          <a:xfrm>
+            <a:off x="2099066" y="4661449"/>
+            <a:ext cx="624859" cy="276999"/>
+          </a:xfrm>
+          <a:prstGeom prst="rect">
+            <a:avLst/>
+          </a:prstGeom>
+          <a:noFill/>
+        </p:spPr>
+        <p:txBody>
+          <a:bodyPr wrap="square" rtlCol="0">
+            <a:spAutoFit/>
+          </a:bodyPr>
+          <a:lstStyle/>
+          <a:p>
+            <a:r>
+              <a:rPr lang="ja-JP" altLang="en-US" sz="1200" dirty="0"/>
+              <a:t>同意</a:t>
+            </a:r>
+            <a:endParaRPr kumimoji="1" lang="ja-JP" altLang="en-US" sz="1200" dirty="0"/>
+          </a:p>
+        </p:txBody>
+      </p:sp>
+      <p:sp>
+        <p:nvSpPr>
+          <p:cNvPr id="57" name="テキスト ボックス 56">
+            <a:extLst>
+              <a:ext uri="{FF2B5EF4-FFF2-40B4-BE49-F238E27FC236}">
+                <a16:creationId xmlns:a16="http://schemas.microsoft.com/office/drawing/2014/main" id="{C3774DEE-DBA5-4190-8F1A-47C16D9F6BC3}"/>
+              </a:ext>
+            </a:extLst>
+          </p:cNvPr>
+          <p:cNvSpPr txBox="1"/>
+          <p:nvPr/>
+        </p:nvSpPr>
+        <p:spPr>
+          <a:xfrm>
+            <a:off x="2108416" y="5498906"/>
+            <a:ext cx="624859" cy="276999"/>
+          </a:xfrm>
+          <a:prstGeom prst="rect">
+            <a:avLst/>
+          </a:prstGeom>
+          <a:noFill/>
+        </p:spPr>
+        <p:txBody>
+          <a:bodyPr wrap="square" rtlCol="0">
+            <a:spAutoFit/>
+          </a:bodyPr>
+          <a:lstStyle/>
+          <a:p>
+            <a:r>
+              <a:rPr lang="ja-JP" altLang="en-US" sz="1200" dirty="0"/>
+              <a:t>同意</a:t>
+            </a:r>
+            <a:endParaRPr kumimoji="1" lang="ja-JP" altLang="en-US" sz="1200" dirty="0"/>
+          </a:p>
+        </p:txBody>
+      </p:sp>
+      <p:sp>
+        <p:nvSpPr>
+          <p:cNvPr id="61" name="テキスト ボックス 60">
+            <a:extLst>
+              <a:ext uri="{FF2B5EF4-FFF2-40B4-BE49-F238E27FC236}">
+                <a16:creationId xmlns:a16="http://schemas.microsoft.com/office/drawing/2014/main" id="{924162AF-F831-4F02-9F8C-33FBADAB839E}"/>
+              </a:ext>
+            </a:extLst>
+          </p:cNvPr>
+          <p:cNvSpPr txBox="1"/>
+          <p:nvPr/>
+        </p:nvSpPr>
+        <p:spPr>
+          <a:xfrm>
+            <a:off x="2146496" y="711103"/>
+            <a:ext cx="3284096" cy="461665"/>
+          </a:xfrm>
+          <a:prstGeom prst="rect">
+            <a:avLst/>
+          </a:prstGeom>
+          <a:noFill/>
+        </p:spPr>
+        <p:txBody>
+          <a:bodyPr wrap="square" rtlCol="0">
+            <a:spAutoFit/>
+          </a:bodyPr>
+          <a:lstStyle/>
+          <a:p>
+            <a:r>
+              <a:rPr kumimoji="1" lang="ja-JP" altLang="en-US" sz="1200" dirty="0"/>
+              <a:t>アプリの登録</a:t>
+            </a:r>
+            <a:r>
+              <a:rPr lang="ja-JP" altLang="en-US" sz="1200" dirty="0"/>
+              <a:t> </a:t>
+            </a:r>
+            <a:r>
+              <a:rPr lang="en-US" altLang="ja-JP" sz="1200" dirty="0"/>
+              <a:t>: </a:t>
+            </a:r>
+            <a:r>
+              <a:rPr kumimoji="1" lang="en-US" altLang="ja-JP" sz="1200" dirty="0"/>
+              <a:t>Application ID = </a:t>
+            </a:r>
+            <a:br>
+              <a:rPr kumimoji="1" lang="en-US" altLang="ja-JP" sz="1200" dirty="0"/>
+            </a:br>
+            <a:r>
+              <a:rPr kumimoji="1" lang="en-US" altLang="ja-JP" sz="1200" dirty="0"/>
+              <a:t>d414ee2d-73e5-4e5b-bb16-03ef55fea597</a:t>
+            </a:r>
+            <a:endParaRPr kumimoji="1" lang="ja-JP" altLang="en-US" sz="1200" dirty="0"/>
+          </a:p>
+        </p:txBody>
+      </p:sp>
+      <p:cxnSp>
+        <p:nvCxnSpPr>
+          <p:cNvPr id="63" name="コネクタ: カギ線 62">
+            <a:extLst>
+              <a:ext uri="{FF2B5EF4-FFF2-40B4-BE49-F238E27FC236}">
+                <a16:creationId xmlns:a16="http://schemas.microsoft.com/office/drawing/2014/main" id="{39EA7A8D-2C2B-4EA8-84A5-305535808F25}"/>
+              </a:ext>
+            </a:extLst>
+          </p:cNvPr>
+          <p:cNvCxnSpPr>
+            <a:cxnSpLocks/>
+            <a:stCxn id="49" idx="1"/>
+            <a:endCxn id="3" idx="0"/>
+          </p:cNvCxnSpPr>
+          <p:nvPr/>
+        </p:nvCxnSpPr>
+        <p:spPr>
+          <a:xfrm rot="10800000" flipV="1">
+            <a:off x="3377141" y="1303758"/>
+            <a:ext cx="739620" cy="1309855"/>
+          </a:xfrm>
+          <a:prstGeom prst="bentConnector2">
+            <a:avLst/>
+          </a:prstGeom>
+          <a:ln w="19050">
+            <a:solidFill>
+              <a:schemeClr val="tx1"/>
+            </a:solidFill>
+            <a:prstDash val="dash"/>
+          </a:ln>
+        </p:spPr>
+        <p:style>
+          <a:lnRef idx="1">
+            <a:schemeClr val="accent1"/>
+          </a:lnRef>
+          <a:fillRef idx="0">
+            <a:schemeClr val="accent1"/>
+          </a:fillRef>
+          <a:effectRef idx="0">
+            <a:schemeClr val="accent1"/>
+          </a:effectRef>
+          <a:fontRef idx="minor">
+            <a:schemeClr val="tx1"/>
+          </a:fontRef>
+        </p:style>
+      </p:cxnSp>
+      <p:sp>
+        <p:nvSpPr>
+          <p:cNvPr id="69" name="テキスト ボックス 68">
+            <a:extLst>
+              <a:ext uri="{FF2B5EF4-FFF2-40B4-BE49-F238E27FC236}">
+                <a16:creationId xmlns:a16="http://schemas.microsoft.com/office/drawing/2014/main" id="{341F1AE3-9165-4958-8088-8D56E9C36897}"/>
+              </a:ext>
+            </a:extLst>
+          </p:cNvPr>
+          <p:cNvSpPr txBox="1"/>
+          <p:nvPr/>
+        </p:nvSpPr>
+        <p:spPr>
+          <a:xfrm>
+            <a:off x="3552708" y="4818871"/>
+            <a:ext cx="1735688" cy="830997"/>
+          </a:xfrm>
+          <a:prstGeom prst="rect">
+            <a:avLst/>
+          </a:prstGeom>
+          <a:noFill/>
+        </p:spPr>
+        <p:txBody>
+          <a:bodyPr wrap="square" rtlCol="0">
+            <a:spAutoFit/>
+          </a:bodyPr>
+          <a:lstStyle/>
+          <a:p>
+            <a:r>
+              <a:rPr lang="ja-JP" altLang="en-US" sz="1200" dirty="0"/>
+              <a:t>エンタープライズ </a:t>
+            </a:r>
+            <a:br>
+              <a:rPr lang="en-US" altLang="ja-JP" sz="1200" dirty="0"/>
+            </a:br>
+            <a:r>
+              <a:rPr lang="ja-JP" altLang="en-US" sz="1200" dirty="0"/>
+              <a:t>アプリケーション</a:t>
+            </a:r>
+            <a:endParaRPr lang="en-US" altLang="ja-JP" sz="1200" dirty="0"/>
+          </a:p>
+          <a:p>
+            <a:r>
+              <a:rPr kumimoji="1" lang="en-US" altLang="ja-JP" sz="1200" dirty="0"/>
+              <a:t>Object ID = </a:t>
+            </a:r>
+            <a:br>
+              <a:rPr kumimoji="1" lang="en-US" altLang="ja-JP" sz="1200" dirty="0"/>
+            </a:br>
+            <a:r>
+              <a:rPr kumimoji="1" lang="en-US" altLang="ja-JP" sz="1200" dirty="0"/>
+              <a:t>&lt;</a:t>
+            </a:r>
+            <a:r>
+              <a:rPr kumimoji="1" lang="en-US" altLang="ja-JP" sz="1200" dirty="0" err="1"/>
+              <a:t>contoso</a:t>
+            </a:r>
+            <a:r>
+              <a:rPr kumimoji="1" lang="en-US" altLang="ja-JP" sz="1200" dirty="0"/>
+              <a:t> specific id&gt;</a:t>
+            </a:r>
+            <a:endParaRPr kumimoji="1" lang="ja-JP" altLang="en-US" sz="1200" dirty="0"/>
+          </a:p>
+        </p:txBody>
+      </p:sp>
+      <p:pic>
+        <p:nvPicPr>
+          <p:cNvPr id="71" name="グラフィックス 70">
+            <a:extLst>
+              <a:ext uri="{FF2B5EF4-FFF2-40B4-BE49-F238E27FC236}">
+                <a16:creationId xmlns:a16="http://schemas.microsoft.com/office/drawing/2014/main" id="{87199786-B337-40F2-B79D-6C1D9C19F0DA}"/>
+              </a:ext>
+            </a:extLst>
+          </p:cNvPr>
+          <p:cNvPicPr>
+            <a:picLocks noChangeAspect="1"/>
+          </p:cNvPicPr>
+          <p:nvPr/>
+        </p:nvPicPr>
+        <p:blipFill>
+          <a:blip r:embed="rId2">
+            <a:extLst>
+              <a:ext uri="{28A0092B-C50C-407E-A947-70E740481C1C}">
+                <a14:useLocalDpi xmlns:a14="http://schemas.microsoft.com/office/drawing/2010/main" val="0"/>
+              </a:ext>
+              <a:ext uri="{96DAC541-7B7A-43D3-8B79-37D633B846F1}">
+                <asvg:svgBlip xmlns:asvg="http://schemas.microsoft.com/office/drawing/2016/SVG/main" r:embed="rId3"/>
+              </a:ext>
+            </a:extLst>
+          </a:blip>
+          <a:stretch>
+            <a:fillRect/>
+          </a:stretch>
+        </p:blipFill>
+        <p:spPr>
+          <a:xfrm>
+            <a:off x="7263183" y="4868833"/>
+            <a:ext cx="367520" cy="367520"/>
+          </a:xfrm>
+          <a:prstGeom prst="rect">
+            <a:avLst/>
+          </a:prstGeom>
+        </p:spPr>
+      </p:pic>
+      <p:sp>
+        <p:nvSpPr>
+          <p:cNvPr id="73" name="テキスト ボックス 72">
+            <a:extLst>
+              <a:ext uri="{FF2B5EF4-FFF2-40B4-BE49-F238E27FC236}">
+                <a16:creationId xmlns:a16="http://schemas.microsoft.com/office/drawing/2014/main" id="{DF8E4044-6718-4295-B71D-8AB21DF6C74B}"/>
+              </a:ext>
+            </a:extLst>
+          </p:cNvPr>
+          <p:cNvSpPr txBox="1"/>
+          <p:nvPr/>
+        </p:nvSpPr>
+        <p:spPr>
+          <a:xfrm>
+            <a:off x="6570678" y="5343622"/>
+            <a:ext cx="1861176" cy="461665"/>
+          </a:xfrm>
+          <a:prstGeom prst="rect">
+            <a:avLst/>
+          </a:prstGeom>
+          <a:noFill/>
+        </p:spPr>
+        <p:txBody>
+          <a:bodyPr wrap="square" rtlCol="0">
+            <a:spAutoFit/>
+          </a:bodyPr>
+          <a:lstStyle/>
+          <a:p>
+            <a:r>
+              <a:rPr kumimoji="1" lang="en-US" altLang="ja-JP" sz="1200" dirty="0"/>
+              <a:t>Azure Static Web Apps</a:t>
+            </a:r>
+          </a:p>
+          <a:p>
+            <a:r>
+              <a:rPr lang="en-US" altLang="ja-JP" sz="1200" dirty="0"/>
+              <a:t>(Azure</a:t>
+            </a:r>
+            <a:r>
+              <a:rPr lang="ja-JP" altLang="en-US" sz="1200" dirty="0"/>
+              <a:t> </a:t>
+            </a:r>
+            <a:r>
+              <a:rPr lang="en-US" altLang="ja-JP" sz="1200" dirty="0"/>
+              <a:t>Resource)</a:t>
+            </a:r>
+          </a:p>
+        </p:txBody>
+      </p:sp>
+      <p:cxnSp>
+        <p:nvCxnSpPr>
+          <p:cNvPr id="75" name="コネクタ: カギ線 74">
+            <a:extLst>
+              <a:ext uri="{FF2B5EF4-FFF2-40B4-BE49-F238E27FC236}">
+                <a16:creationId xmlns:a16="http://schemas.microsoft.com/office/drawing/2014/main" id="{B9E042BE-5D73-404C-AD4B-E540D6A9F65E}"/>
+              </a:ext>
+            </a:extLst>
+          </p:cNvPr>
+          <p:cNvCxnSpPr>
+            <a:cxnSpLocks/>
+            <a:stCxn id="71" idx="0"/>
+            <a:endCxn id="4" idx="3"/>
+          </p:cNvCxnSpPr>
+          <p:nvPr/>
+        </p:nvCxnSpPr>
+        <p:spPr>
+          <a:xfrm rot="16200000" flipV="1">
+            <a:off x="5748957" y="3170847"/>
+            <a:ext cx="476192" cy="2919780"/>
+          </a:xfrm>
+          <a:prstGeom prst="bentConnector2">
+            <a:avLst/>
+          </a:prstGeom>
+          <a:ln>
+            <a:tailEnd type="triangle"/>
+          </a:ln>
+        </p:spPr>
+        <p:style>
+          <a:lnRef idx="1">
+            <a:schemeClr val="accent1"/>
+          </a:lnRef>
+          <a:fillRef idx="0">
+            <a:schemeClr val="accent1"/>
+          </a:fillRef>
+          <a:effectRef idx="0">
+            <a:schemeClr val="accent1"/>
+          </a:effectRef>
+          <a:fontRef idx="minor">
+            <a:schemeClr val="tx1"/>
+          </a:fontRef>
+        </p:style>
+      </p:cxnSp>
+      <p:sp>
+        <p:nvSpPr>
+          <p:cNvPr id="83" name="四角形: 角を丸くする 82">
+            <a:extLst>
+              <a:ext uri="{FF2B5EF4-FFF2-40B4-BE49-F238E27FC236}">
+                <a16:creationId xmlns:a16="http://schemas.microsoft.com/office/drawing/2014/main" id="{D7B47D3C-C069-4604-9C95-43260A9660A7}"/>
+              </a:ext>
+            </a:extLst>
+          </p:cNvPr>
+          <p:cNvSpPr/>
+          <p:nvPr/>
+        </p:nvSpPr>
+        <p:spPr>
+          <a:xfrm>
+            <a:off x="665409" y="586229"/>
+            <a:ext cx="4765183" cy="1067540"/>
+          </a:xfrm>
+          <a:prstGeom prst="roundRect">
+            <a:avLst>
+              <a:gd name="adj" fmla="val 5791"/>
+            </a:avLst>
+          </a:prstGeom>
+          <a:noFill/>
+        </p:spPr>
+        <p:style>
+          <a:lnRef idx="2">
+            <a:schemeClr val="accent1"/>
+          </a:lnRef>
+          <a:fillRef idx="1">
+            <a:schemeClr val="lt1"/>
+          </a:fillRef>
+          <a:effectRef idx="0">
+            <a:schemeClr val="accent1"/>
+          </a:effectRef>
+          <a:fontRef idx="minor">
+            <a:schemeClr val="dk1"/>
+          </a:fontRef>
+        </p:style>
+        <p:txBody>
+          <a:bodyPr rtlCol="0" anchor="ctr"/>
+          <a:lstStyle/>
+          <a:p>
+            <a:pPr algn="ctr"/>
+            <a:endParaRPr kumimoji="1" lang="ja-JP" altLang="en-US"/>
+          </a:p>
+        </p:txBody>
+      </p:sp>
+      <p:pic>
+        <p:nvPicPr>
+          <p:cNvPr id="85" name="グラフィックス 84">
+            <a:extLst>
+              <a:ext uri="{FF2B5EF4-FFF2-40B4-BE49-F238E27FC236}">
+                <a16:creationId xmlns:a16="http://schemas.microsoft.com/office/drawing/2014/main" id="{FD889F80-7830-4B87-AA9A-DBD147938207}"/>
+              </a:ext>
+            </a:extLst>
+          </p:cNvPr>
+          <p:cNvPicPr>
+            <a:picLocks noChangeAspect="1"/>
+          </p:cNvPicPr>
+          <p:nvPr/>
+        </p:nvPicPr>
+        <p:blipFill>
+          <a:blip r:embed="rId6">
+            <a:extLst>
+              <a:ext uri="{28A0092B-C50C-407E-A947-70E740481C1C}">
+                <a14:useLocalDpi xmlns:a14="http://schemas.microsoft.com/office/drawing/2010/main" val="0"/>
+              </a:ext>
+              <a:ext uri="{96DAC541-7B7A-43D3-8B79-37D633B846F1}">
+                <asvg:svgBlip xmlns:asvg="http://schemas.microsoft.com/office/drawing/2016/SVG/main" r:embed="rId7"/>
+              </a:ext>
+            </a:extLst>
+          </a:blip>
+          <a:stretch>
+            <a:fillRect/>
+          </a:stretch>
+        </p:blipFill>
+        <p:spPr>
+          <a:xfrm>
+            <a:off x="463273" y="373700"/>
+            <a:ext cx="404272" cy="404272"/>
+          </a:xfrm>
+          <a:prstGeom prst="rect">
+            <a:avLst/>
+          </a:prstGeom>
+        </p:spPr>
+      </p:pic>
+      <p:pic>
+        <p:nvPicPr>
+          <p:cNvPr id="102" name="グラフィックス 101">
+            <a:extLst>
+              <a:ext uri="{FF2B5EF4-FFF2-40B4-BE49-F238E27FC236}">
+                <a16:creationId xmlns:a16="http://schemas.microsoft.com/office/drawing/2014/main" id="{F9CF9737-1D64-41A2-BC23-E9EA4632910F}"/>
+              </a:ext>
+            </a:extLst>
+          </p:cNvPr>
+          <p:cNvPicPr>
+            <a:picLocks noChangeAspect="1"/>
+          </p:cNvPicPr>
+          <p:nvPr/>
+        </p:nvPicPr>
+        <p:blipFill>
+          <a:blip r:embed="rId4">
+            <a:extLst>
+              <a:ext uri="{28A0092B-C50C-407E-A947-70E740481C1C}">
+                <a14:useLocalDpi xmlns:a14="http://schemas.microsoft.com/office/drawing/2010/main" val="0"/>
+              </a:ext>
+              <a:ext uri="{96DAC541-7B7A-43D3-8B79-37D633B846F1}">
+                <asvg:svgBlip xmlns:asvg="http://schemas.microsoft.com/office/drawing/2016/SVG/main" r:embed="rId5"/>
+              </a:ext>
+            </a:extLst>
+          </a:blip>
+          <a:stretch>
+            <a:fillRect/>
+          </a:stretch>
+        </p:blipFill>
+        <p:spPr>
+          <a:xfrm>
+            <a:off x="9434331" y="2343683"/>
+            <a:ext cx="334109" cy="334109"/>
+          </a:xfrm>
+          <a:prstGeom prst="rect">
+            <a:avLst/>
+          </a:prstGeom>
+        </p:spPr>
+      </p:pic>
+      <p:pic>
+        <p:nvPicPr>
+          <p:cNvPr id="104" name="グラフィックス 103">
+            <a:extLst>
+              <a:ext uri="{FF2B5EF4-FFF2-40B4-BE49-F238E27FC236}">
+                <a16:creationId xmlns:a16="http://schemas.microsoft.com/office/drawing/2014/main" id="{19DFDAD6-B754-4790-94C1-90B80E183467}"/>
+              </a:ext>
+            </a:extLst>
+          </p:cNvPr>
+          <p:cNvPicPr>
+            <a:picLocks noChangeAspect="1"/>
+          </p:cNvPicPr>
+          <p:nvPr/>
+        </p:nvPicPr>
+        <p:blipFill>
+          <a:blip r:embed="rId4">
+            <a:extLst>
+              <a:ext uri="{28A0092B-C50C-407E-A947-70E740481C1C}">
+                <a14:useLocalDpi xmlns:a14="http://schemas.microsoft.com/office/drawing/2010/main" val="0"/>
+              </a:ext>
+              <a:ext uri="{96DAC541-7B7A-43D3-8B79-37D633B846F1}">
+                <asvg:svgBlip xmlns:asvg="http://schemas.microsoft.com/office/drawing/2016/SVG/main" r:embed="rId5"/>
+              </a:ext>
+            </a:extLst>
+          </a:blip>
+          <a:stretch>
+            <a:fillRect/>
+          </a:stretch>
+        </p:blipFill>
+        <p:spPr>
+          <a:xfrm>
+            <a:off x="9434331" y="2910675"/>
+            <a:ext cx="334109" cy="334109"/>
+          </a:xfrm>
+          <a:prstGeom prst="rect">
+            <a:avLst/>
+          </a:prstGeom>
+        </p:spPr>
+      </p:pic>
+      <p:sp>
+        <p:nvSpPr>
+          <p:cNvPr id="106" name="テキスト ボックス 105">
+            <a:extLst>
+              <a:ext uri="{FF2B5EF4-FFF2-40B4-BE49-F238E27FC236}">
+                <a16:creationId xmlns:a16="http://schemas.microsoft.com/office/drawing/2014/main" id="{6AE22F69-3168-4D55-BB5C-8D1211E5C329}"/>
+              </a:ext>
+            </a:extLst>
+          </p:cNvPr>
+          <p:cNvSpPr txBox="1"/>
+          <p:nvPr/>
+        </p:nvSpPr>
+        <p:spPr>
+          <a:xfrm>
+            <a:off x="9303867" y="2620980"/>
+            <a:ext cx="1630575" cy="276999"/>
+          </a:xfrm>
+          <a:prstGeom prst="rect">
+            <a:avLst/>
+          </a:prstGeom>
+          <a:noFill/>
+        </p:spPr>
+        <p:txBody>
+          <a:bodyPr wrap="none" rtlCol="0">
+            <a:spAutoFit/>
+          </a:bodyPr>
+          <a:lstStyle/>
+          <a:p>
+            <a:r>
+              <a:rPr kumimoji="1" lang="en-US" altLang="ja-JP" sz="1200" dirty="0"/>
+              <a:t>userA@contoso.com</a:t>
+            </a:r>
+            <a:endParaRPr kumimoji="1" lang="ja-JP" altLang="en-US" sz="1200" dirty="0"/>
+          </a:p>
+        </p:txBody>
+      </p:sp>
+      <p:sp>
+        <p:nvSpPr>
+          <p:cNvPr id="108" name="テキスト ボックス 107">
+            <a:extLst>
+              <a:ext uri="{FF2B5EF4-FFF2-40B4-BE49-F238E27FC236}">
+                <a16:creationId xmlns:a16="http://schemas.microsoft.com/office/drawing/2014/main" id="{C2DE66E7-44E8-4899-8AB2-35A77C9E5E8C}"/>
+              </a:ext>
+            </a:extLst>
+          </p:cNvPr>
+          <p:cNvSpPr txBox="1"/>
+          <p:nvPr/>
+        </p:nvSpPr>
+        <p:spPr>
+          <a:xfrm>
+            <a:off x="9303867" y="3188759"/>
+            <a:ext cx="1635384" cy="276999"/>
+          </a:xfrm>
+          <a:prstGeom prst="rect">
+            <a:avLst/>
+          </a:prstGeom>
+          <a:noFill/>
+        </p:spPr>
+        <p:txBody>
+          <a:bodyPr wrap="none" rtlCol="0">
+            <a:spAutoFit/>
+          </a:bodyPr>
+          <a:lstStyle/>
+          <a:p>
+            <a:r>
+              <a:rPr kumimoji="1" lang="en-US" altLang="ja-JP" sz="1200" dirty="0"/>
+              <a:t>userB@contoso.com</a:t>
+            </a:r>
+            <a:endParaRPr kumimoji="1" lang="ja-JP" altLang="en-US" sz="1200" dirty="0"/>
+          </a:p>
+        </p:txBody>
+      </p:sp>
+      <p:pic>
+        <p:nvPicPr>
+          <p:cNvPr id="110" name="グラフィックス 109">
+            <a:extLst>
+              <a:ext uri="{FF2B5EF4-FFF2-40B4-BE49-F238E27FC236}">
+                <a16:creationId xmlns:a16="http://schemas.microsoft.com/office/drawing/2014/main" id="{4B565E93-6DCF-4292-B4EF-CAE73D6BC162}"/>
+              </a:ext>
+            </a:extLst>
+          </p:cNvPr>
+          <p:cNvPicPr>
+            <a:picLocks noChangeAspect="1"/>
+          </p:cNvPicPr>
+          <p:nvPr/>
+        </p:nvPicPr>
+        <p:blipFill>
+          <a:blip r:embed="rId4">
+            <a:extLst>
+              <a:ext uri="{28A0092B-C50C-407E-A947-70E740481C1C}">
+                <a14:useLocalDpi xmlns:a14="http://schemas.microsoft.com/office/drawing/2010/main" val="0"/>
+              </a:ext>
+              <a:ext uri="{96DAC541-7B7A-43D3-8B79-37D633B846F1}">
+                <asvg:svgBlip xmlns:asvg="http://schemas.microsoft.com/office/drawing/2016/SVG/main" r:embed="rId5"/>
+              </a:ext>
+            </a:extLst>
+          </a:blip>
+          <a:stretch>
+            <a:fillRect/>
+          </a:stretch>
+        </p:blipFill>
+        <p:spPr>
+          <a:xfrm>
+            <a:off x="9434331" y="4675747"/>
+            <a:ext cx="334109" cy="334109"/>
+          </a:xfrm>
+          <a:prstGeom prst="rect">
+            <a:avLst/>
+          </a:prstGeom>
+        </p:spPr>
+      </p:pic>
+      <p:pic>
+        <p:nvPicPr>
+          <p:cNvPr id="112" name="グラフィックス 111">
+            <a:extLst>
+              <a:ext uri="{FF2B5EF4-FFF2-40B4-BE49-F238E27FC236}">
+                <a16:creationId xmlns:a16="http://schemas.microsoft.com/office/drawing/2014/main" id="{7904C2B4-1D65-445F-ACFE-E59DF43BB9F7}"/>
+              </a:ext>
+            </a:extLst>
+          </p:cNvPr>
+          <p:cNvPicPr>
+            <a:picLocks noChangeAspect="1"/>
+          </p:cNvPicPr>
+          <p:nvPr/>
+        </p:nvPicPr>
+        <p:blipFill>
+          <a:blip r:embed="rId4">
+            <a:extLst>
+              <a:ext uri="{28A0092B-C50C-407E-A947-70E740481C1C}">
+                <a14:useLocalDpi xmlns:a14="http://schemas.microsoft.com/office/drawing/2010/main" val="0"/>
+              </a:ext>
+              <a:ext uri="{96DAC541-7B7A-43D3-8B79-37D633B846F1}">
+                <asvg:svgBlip xmlns:asvg="http://schemas.microsoft.com/office/drawing/2016/SVG/main" r:embed="rId5"/>
+              </a:ext>
+            </a:extLst>
+          </a:blip>
+          <a:stretch>
+            <a:fillRect/>
+          </a:stretch>
+        </p:blipFill>
+        <p:spPr>
+          <a:xfrm>
+            <a:off x="9434331" y="5242739"/>
+            <a:ext cx="334109" cy="334109"/>
+          </a:xfrm>
+          <a:prstGeom prst="rect">
+            <a:avLst/>
+          </a:prstGeom>
+        </p:spPr>
+      </p:pic>
+      <p:sp>
+        <p:nvSpPr>
+          <p:cNvPr id="114" name="テキスト ボックス 113">
+            <a:extLst>
+              <a:ext uri="{FF2B5EF4-FFF2-40B4-BE49-F238E27FC236}">
+                <a16:creationId xmlns:a16="http://schemas.microsoft.com/office/drawing/2014/main" id="{77374A95-DD46-484A-BC72-7425CB51A8C7}"/>
+              </a:ext>
+            </a:extLst>
+          </p:cNvPr>
+          <p:cNvSpPr txBox="1"/>
+          <p:nvPr/>
+        </p:nvSpPr>
+        <p:spPr>
+          <a:xfrm>
+            <a:off x="9303867" y="4953044"/>
+            <a:ext cx="1693092" cy="276999"/>
+          </a:xfrm>
+          <a:prstGeom prst="rect">
+            <a:avLst/>
+          </a:prstGeom>
+          <a:noFill/>
+        </p:spPr>
+        <p:txBody>
+          <a:bodyPr wrap="none" rtlCol="0">
+            <a:spAutoFit/>
+          </a:bodyPr>
+          <a:lstStyle/>
+          <a:p>
+            <a:r>
+              <a:rPr kumimoji="1" lang="en-US" altLang="ja-JP" sz="1200" dirty="0"/>
+              <a:t>userX@fabricam</a:t>
+            </a:r>
+            <a:r>
+              <a:rPr lang="en-US" altLang="ja-JP" sz="1200" dirty="0"/>
+              <a:t>.com</a:t>
+            </a:r>
+            <a:endParaRPr kumimoji="1" lang="ja-JP" altLang="en-US" sz="1200" dirty="0"/>
+          </a:p>
+        </p:txBody>
+      </p:sp>
+      <p:sp>
+        <p:nvSpPr>
+          <p:cNvPr id="116" name="テキスト ボックス 115">
+            <a:extLst>
+              <a:ext uri="{FF2B5EF4-FFF2-40B4-BE49-F238E27FC236}">
+                <a16:creationId xmlns:a16="http://schemas.microsoft.com/office/drawing/2014/main" id="{CAB1228B-9216-4D4A-856B-C150B949B719}"/>
+              </a:ext>
+            </a:extLst>
+          </p:cNvPr>
+          <p:cNvSpPr txBox="1"/>
+          <p:nvPr/>
+        </p:nvSpPr>
+        <p:spPr>
+          <a:xfrm>
+            <a:off x="9303867" y="5520823"/>
+            <a:ext cx="1693092" cy="276999"/>
+          </a:xfrm>
+          <a:prstGeom prst="rect">
+            <a:avLst/>
+          </a:prstGeom>
+          <a:noFill/>
+        </p:spPr>
+        <p:txBody>
+          <a:bodyPr wrap="none" rtlCol="0">
+            <a:spAutoFit/>
+          </a:bodyPr>
+          <a:lstStyle/>
+          <a:p>
+            <a:r>
+              <a:rPr kumimoji="1" lang="en-US" altLang="ja-JP" sz="1200" dirty="0"/>
+              <a:t>userY@fabricam.com</a:t>
+            </a:r>
+            <a:endParaRPr kumimoji="1" lang="ja-JP" altLang="en-US" sz="1200" dirty="0"/>
+          </a:p>
+        </p:txBody>
+      </p:sp>
+      <p:cxnSp>
+        <p:nvCxnSpPr>
+          <p:cNvPr id="118" name="直線矢印コネクタ 117">
+            <a:extLst>
+              <a:ext uri="{FF2B5EF4-FFF2-40B4-BE49-F238E27FC236}">
+                <a16:creationId xmlns:a16="http://schemas.microsoft.com/office/drawing/2014/main" id="{FDC70EB8-F1EE-45CA-A43B-31781D27F160}"/>
+              </a:ext>
+            </a:extLst>
+          </p:cNvPr>
+          <p:cNvCxnSpPr>
+            <a:cxnSpLocks/>
+          </p:cNvCxnSpPr>
+          <p:nvPr/>
+        </p:nvCxnSpPr>
+        <p:spPr>
+          <a:xfrm flipH="1">
+            <a:off x="8028613" y="2537762"/>
+            <a:ext cx="1389358" cy="1197756"/>
+          </a:xfrm>
+          <a:prstGeom prst="straightConnector1">
+            <a:avLst/>
+          </a:prstGeom>
+          <a:ln>
+            <a:tailEnd type="triangle"/>
+          </a:ln>
+        </p:spPr>
+        <p:style>
+          <a:lnRef idx="1">
+            <a:schemeClr val="accent1"/>
+          </a:lnRef>
+          <a:fillRef idx="0">
+            <a:schemeClr val="accent1"/>
+          </a:fillRef>
+          <a:effectRef idx="0">
+            <a:schemeClr val="accent1"/>
+          </a:effectRef>
+          <a:fontRef idx="minor">
+            <a:schemeClr val="tx1"/>
+          </a:fontRef>
+        </p:style>
+      </p:cxnSp>
+      <p:cxnSp>
+        <p:nvCxnSpPr>
+          <p:cNvPr id="122" name="直線矢印コネクタ 121">
+            <a:extLst>
+              <a:ext uri="{FF2B5EF4-FFF2-40B4-BE49-F238E27FC236}">
+                <a16:creationId xmlns:a16="http://schemas.microsoft.com/office/drawing/2014/main" id="{86C64453-BCA9-4194-BEED-606567909D85}"/>
+              </a:ext>
+            </a:extLst>
+          </p:cNvPr>
+          <p:cNvCxnSpPr>
+            <a:cxnSpLocks/>
+          </p:cNvCxnSpPr>
+          <p:nvPr/>
+        </p:nvCxnSpPr>
+        <p:spPr>
+          <a:xfrm flipH="1">
+            <a:off x="8089076" y="3161782"/>
+            <a:ext cx="1279601" cy="811851"/>
+          </a:xfrm>
+          <a:prstGeom prst="straightConnector1">
+            <a:avLst/>
+          </a:prstGeom>
+          <a:ln>
+            <a:tailEnd type="triangle"/>
+          </a:ln>
+        </p:spPr>
+        <p:style>
+          <a:lnRef idx="1">
+            <a:schemeClr val="accent1"/>
+          </a:lnRef>
+          <a:fillRef idx="0">
+            <a:schemeClr val="accent1"/>
+          </a:fillRef>
+          <a:effectRef idx="0">
+            <a:schemeClr val="accent1"/>
+          </a:effectRef>
+          <a:fontRef idx="minor">
+            <a:schemeClr val="tx1"/>
+          </a:fontRef>
+        </p:style>
+      </p:cxnSp>
+      <p:cxnSp>
+        <p:nvCxnSpPr>
+          <p:cNvPr id="128" name="直線矢印コネクタ 127">
+            <a:extLst>
+              <a:ext uri="{FF2B5EF4-FFF2-40B4-BE49-F238E27FC236}">
+                <a16:creationId xmlns:a16="http://schemas.microsoft.com/office/drawing/2014/main" id="{AFBEB00A-37E4-476E-A915-FDDE22F5050E}"/>
+              </a:ext>
+            </a:extLst>
+          </p:cNvPr>
+          <p:cNvCxnSpPr>
+            <a:cxnSpLocks/>
+          </p:cNvCxnSpPr>
+          <p:nvPr/>
+        </p:nvCxnSpPr>
+        <p:spPr>
+          <a:xfrm flipH="1">
+            <a:off x="7761167" y="4864027"/>
+            <a:ext cx="1597482" cy="250084"/>
+          </a:xfrm>
+          <a:prstGeom prst="straightConnector1">
+            <a:avLst/>
+          </a:prstGeom>
+          <a:ln>
+            <a:tailEnd type="triangle"/>
+          </a:ln>
+        </p:spPr>
+        <p:style>
+          <a:lnRef idx="1">
+            <a:schemeClr val="accent1"/>
+          </a:lnRef>
+          <a:fillRef idx="0">
+            <a:schemeClr val="accent1"/>
+          </a:fillRef>
+          <a:effectRef idx="0">
+            <a:schemeClr val="accent1"/>
+          </a:effectRef>
+          <a:fontRef idx="minor">
+            <a:schemeClr val="tx1"/>
+          </a:fontRef>
+        </p:style>
+      </p:cxnSp>
+      <p:cxnSp>
+        <p:nvCxnSpPr>
+          <p:cNvPr id="130" name="直線矢印コネクタ 129">
+            <a:extLst>
+              <a:ext uri="{FF2B5EF4-FFF2-40B4-BE49-F238E27FC236}">
+                <a16:creationId xmlns:a16="http://schemas.microsoft.com/office/drawing/2014/main" id="{8FE2B3D7-0A9F-42D3-BAC5-7645BDE0CCB9}"/>
+              </a:ext>
+            </a:extLst>
+          </p:cNvPr>
+          <p:cNvCxnSpPr>
+            <a:cxnSpLocks/>
+          </p:cNvCxnSpPr>
+          <p:nvPr/>
+        </p:nvCxnSpPr>
+        <p:spPr>
+          <a:xfrm flipH="1">
+            <a:off x="8175382" y="4442782"/>
+            <a:ext cx="1102727" cy="192647"/>
+          </a:xfrm>
+          <a:prstGeom prst="straightConnector1">
+            <a:avLst/>
+          </a:prstGeom>
+          <a:ln>
+            <a:tailEnd type="triangle"/>
+          </a:ln>
+        </p:spPr>
+        <p:style>
+          <a:lnRef idx="1">
+            <a:schemeClr val="accent1"/>
+          </a:lnRef>
+          <a:fillRef idx="0">
+            <a:schemeClr val="accent1"/>
+          </a:fillRef>
+          <a:effectRef idx="0">
+            <a:schemeClr val="accent1"/>
+          </a:effectRef>
+          <a:fontRef idx="minor">
+            <a:schemeClr val="tx1"/>
+          </a:fontRef>
+        </p:style>
+      </p:cxnSp>
+      <p:sp>
+        <p:nvSpPr>
+          <p:cNvPr id="2" name="テキスト ボックス 1">
+            <a:extLst>
+              <a:ext uri="{FF2B5EF4-FFF2-40B4-BE49-F238E27FC236}">
+                <a16:creationId xmlns:a16="http://schemas.microsoft.com/office/drawing/2014/main" id="{ABCCFD9A-1EB1-4C67-903B-F0775183C60E}"/>
+              </a:ext>
+            </a:extLst>
+          </p:cNvPr>
+          <p:cNvSpPr txBox="1"/>
+          <p:nvPr/>
+        </p:nvSpPr>
+        <p:spPr>
+          <a:xfrm>
+            <a:off x="5585767" y="4106196"/>
+            <a:ext cx="1861176" cy="276999"/>
+          </a:xfrm>
+          <a:prstGeom prst="rect">
+            <a:avLst/>
+          </a:prstGeom>
+          <a:noFill/>
+        </p:spPr>
+        <p:txBody>
+          <a:bodyPr wrap="square" rtlCol="0">
+            <a:spAutoFit/>
+          </a:bodyPr>
+          <a:lstStyle/>
+          <a:p>
+            <a:r>
+              <a:rPr lang="ja-JP" altLang="en-US" sz="1200" dirty="0"/>
+              <a:t>シングルテナント</a:t>
+            </a:r>
+            <a:endParaRPr kumimoji="1" lang="en-US" altLang="ja-JP" sz="1200" dirty="0"/>
+          </a:p>
+        </p:txBody>
+      </p:sp>
+      <p:pic>
+        <p:nvPicPr>
+          <p:cNvPr id="4" name="グラフィックス 3">
+            <a:extLst>
+              <a:ext uri="{FF2B5EF4-FFF2-40B4-BE49-F238E27FC236}">
+                <a16:creationId xmlns:a16="http://schemas.microsoft.com/office/drawing/2014/main" id="{01125E63-454A-4112-8F90-269B5F753BC9}"/>
+              </a:ext>
+            </a:extLst>
+          </p:cNvPr>
+          <p:cNvPicPr>
+            <a:picLocks noChangeAspect="1"/>
+          </p:cNvPicPr>
+          <p:nvPr/>
+        </p:nvPicPr>
+        <p:blipFill>
+          <a:blip r:embed="rId2">
+            <a:extLst>
+              <a:ext uri="{28A0092B-C50C-407E-A947-70E740481C1C}">
+                <a14:useLocalDpi xmlns:a14="http://schemas.microsoft.com/office/drawing/2010/main" val="0"/>
+              </a:ext>
+              <a:ext uri="{96DAC541-7B7A-43D3-8B79-37D633B846F1}">
+                <asvg:svgBlip xmlns:asvg="http://schemas.microsoft.com/office/drawing/2016/SVG/main" r:embed="rId3"/>
+              </a:ext>
+            </a:extLst>
+          </a:blip>
+          <a:stretch>
+            <a:fillRect/>
+          </a:stretch>
+        </p:blipFill>
+        <p:spPr>
+          <a:xfrm>
+            <a:off x="4159643" y="4208881"/>
+            <a:ext cx="367520" cy="367520"/>
+          </a:xfrm>
+          <a:prstGeom prst="rect">
+            <a:avLst/>
+          </a:prstGeom>
+        </p:spPr>
+      </p:pic>
+      <p:cxnSp>
+        <p:nvCxnSpPr>
+          <p:cNvPr id="6" name="コネクタ: カギ線 5">
+            <a:extLst>
+              <a:ext uri="{FF2B5EF4-FFF2-40B4-BE49-F238E27FC236}">
+                <a16:creationId xmlns:a16="http://schemas.microsoft.com/office/drawing/2014/main" id="{08A89CED-C570-422E-9A7F-52CFC84F618D}"/>
+              </a:ext>
+            </a:extLst>
+          </p:cNvPr>
+          <p:cNvCxnSpPr>
+            <a:cxnSpLocks/>
+            <a:stCxn id="4" idx="1"/>
+            <a:endCxn id="25" idx="0"/>
+          </p:cNvCxnSpPr>
+          <p:nvPr/>
+        </p:nvCxnSpPr>
+        <p:spPr>
+          <a:xfrm rot="10800000" flipV="1">
+            <a:off x="3377141" y="4392641"/>
+            <a:ext cx="782502" cy="608846"/>
+          </a:xfrm>
+          <a:prstGeom prst="bentConnector2">
+            <a:avLst/>
+          </a:prstGeom>
+          <a:ln w="19050">
+            <a:solidFill>
+              <a:schemeClr val="tx1"/>
+            </a:solidFill>
+            <a:prstDash val="dash"/>
+          </a:ln>
+        </p:spPr>
+        <p:style>
+          <a:lnRef idx="1">
+            <a:schemeClr val="accent1"/>
+          </a:lnRef>
+          <a:fillRef idx="0">
+            <a:schemeClr val="accent1"/>
+          </a:fillRef>
+          <a:effectRef idx="0">
+            <a:schemeClr val="accent1"/>
+          </a:effectRef>
+          <a:fontRef idx="minor">
+            <a:schemeClr val="tx1"/>
+          </a:fontRef>
+        </p:style>
+      </p:cxnSp>
+      <p:sp>
+        <p:nvSpPr>
+          <p:cNvPr id="11" name="テキスト ボックス 10">
+            <a:extLst>
+              <a:ext uri="{FF2B5EF4-FFF2-40B4-BE49-F238E27FC236}">
+                <a16:creationId xmlns:a16="http://schemas.microsoft.com/office/drawing/2014/main" id="{7BC699A6-5785-4B3D-BA08-5B0D593490A7}"/>
+              </a:ext>
+            </a:extLst>
+          </p:cNvPr>
+          <p:cNvSpPr txBox="1"/>
+          <p:nvPr/>
+        </p:nvSpPr>
+        <p:spPr>
+          <a:xfrm>
+            <a:off x="3638093" y="3943938"/>
+            <a:ext cx="1500821" cy="276999"/>
+          </a:xfrm>
+          <a:prstGeom prst="rect">
+            <a:avLst/>
+          </a:prstGeom>
+          <a:noFill/>
+        </p:spPr>
+        <p:txBody>
+          <a:bodyPr wrap="square" rtlCol="0">
+            <a:spAutoFit/>
+          </a:bodyPr>
+          <a:lstStyle/>
+          <a:p>
+            <a:r>
+              <a:rPr kumimoji="1" lang="ja-JP" altLang="en-US" sz="1200" dirty="0"/>
+              <a:t>アプリの登録</a:t>
+            </a:r>
+          </a:p>
+        </p:txBody>
+      </p:sp>
+      <p:sp>
+        <p:nvSpPr>
+          <p:cNvPr id="26" name="&quot;禁止&quot;マーク 25">
+            <a:extLst>
+              <a:ext uri="{FF2B5EF4-FFF2-40B4-BE49-F238E27FC236}">
+                <a16:creationId xmlns:a16="http://schemas.microsoft.com/office/drawing/2014/main" id="{A4A68BFE-E165-4E05-BFC4-7B6C8BB90D44}"/>
+              </a:ext>
+            </a:extLst>
+          </p:cNvPr>
+          <p:cNvSpPr/>
+          <p:nvPr/>
+        </p:nvSpPr>
+        <p:spPr>
+          <a:xfrm>
+            <a:off x="7600419" y="3651760"/>
+            <a:ext cx="439363" cy="440075"/>
+          </a:xfrm>
+          <a:prstGeom prst="noSmoking">
+            <a:avLst>
+              <a:gd name="adj" fmla="val 12529"/>
+            </a:avLst>
+          </a:prstGeom>
+          <a:solidFill>
+            <a:srgbClr val="EE0000"/>
+          </a:solidFill>
+          <a:ln>
+            <a:noFill/>
+          </a:ln>
+        </p:spPr>
+        <p:style>
+          <a:lnRef idx="2">
+            <a:schemeClr val="accent1">
+              <a:shade val="50000"/>
+            </a:schemeClr>
+          </a:lnRef>
+          <a:fillRef idx="1">
+            <a:schemeClr val="accent1"/>
+          </a:fillRef>
+          <a:effectRef idx="0">
+            <a:schemeClr val="accent1"/>
+          </a:effectRef>
+          <a:fontRef idx="minor">
+            <a:schemeClr val="lt1"/>
+          </a:fontRef>
+        </p:style>
+        <p:txBody>
+          <a:bodyPr rtlCol="0" anchor="ctr"/>
+          <a:lstStyle/>
+          <a:p>
+            <a:pPr algn="ctr"/>
+            <a:endParaRPr kumimoji="1" lang="ja-JP" altLang="en-US" dirty="0">
+              <a:solidFill>
+                <a:schemeClr val="tx1"/>
+              </a:solidFill>
+            </a:endParaRPr>
+          </a:p>
+        </p:txBody>
+      </p:sp>
+      <p:cxnSp>
+        <p:nvCxnSpPr>
+          <p:cNvPr id="28" name="直線矢印コネクタ 27">
+            <a:extLst>
+              <a:ext uri="{FF2B5EF4-FFF2-40B4-BE49-F238E27FC236}">
+                <a16:creationId xmlns:a16="http://schemas.microsoft.com/office/drawing/2014/main" id="{C9DFE5AD-A480-40B9-B85D-EC35DB615BD3}"/>
+              </a:ext>
+            </a:extLst>
+          </p:cNvPr>
+          <p:cNvCxnSpPr>
+            <a:cxnSpLocks/>
+          </p:cNvCxnSpPr>
+          <p:nvPr/>
+        </p:nvCxnSpPr>
+        <p:spPr>
+          <a:xfrm flipH="1">
+            <a:off x="4966683" y="5083174"/>
+            <a:ext cx="2112740" cy="191232"/>
+          </a:xfrm>
+          <a:prstGeom prst="straightConnector1">
+            <a:avLst/>
+          </a:prstGeom>
+          <a:ln>
+            <a:tailEnd type="triangle"/>
+          </a:ln>
+        </p:spPr>
+        <p:style>
+          <a:lnRef idx="1">
+            <a:schemeClr val="accent1"/>
+          </a:lnRef>
+          <a:fillRef idx="0">
+            <a:schemeClr val="accent1"/>
+          </a:fillRef>
+          <a:effectRef idx="0">
+            <a:schemeClr val="accent1"/>
+          </a:effectRef>
+          <a:fontRef idx="minor">
+            <a:schemeClr val="tx1"/>
+          </a:fontRef>
+        </p:style>
+      </p:cxnSp>
+      <p:sp>
+        <p:nvSpPr>
+          <p:cNvPr id="32" name="テキスト ボックス 31">
+            <a:extLst>
+              <a:ext uri="{FF2B5EF4-FFF2-40B4-BE49-F238E27FC236}">
+                <a16:creationId xmlns:a16="http://schemas.microsoft.com/office/drawing/2014/main" id="{B9B08324-96CB-4B60-AA3C-7F3576A07892}"/>
+              </a:ext>
+            </a:extLst>
+          </p:cNvPr>
+          <p:cNvSpPr txBox="1"/>
+          <p:nvPr/>
+        </p:nvSpPr>
+        <p:spPr>
+          <a:xfrm>
+            <a:off x="7446943" y="2829688"/>
+            <a:ext cx="1766711" cy="461665"/>
+          </a:xfrm>
+          <a:prstGeom prst="rect">
+            <a:avLst/>
+          </a:prstGeom>
+          <a:noFill/>
+        </p:spPr>
+        <p:txBody>
+          <a:bodyPr wrap="square" rtlCol="0">
+            <a:spAutoFit/>
+          </a:bodyPr>
+          <a:lstStyle/>
+          <a:p>
+            <a:r>
+              <a:rPr kumimoji="1" lang="ja-JP" altLang="en-US" sz="1200" dirty="0"/>
+              <a:t>テナントが異なるため</a:t>
+            </a:r>
+            <a:br>
+              <a:rPr kumimoji="1" lang="en-US" altLang="ja-JP" sz="1200" dirty="0"/>
+            </a:br>
+            <a:r>
+              <a:rPr kumimoji="1" lang="ja-JP" altLang="en-US" sz="1200" dirty="0"/>
+              <a:t>ログイン不可</a:t>
+            </a:r>
+            <a:endParaRPr kumimoji="1" lang="en-US" altLang="ja-JP" sz="1200" dirty="0"/>
+          </a:p>
+        </p:txBody>
+      </p:sp>
+      <p:sp>
+        <p:nvSpPr>
+          <p:cNvPr id="34" name="吹き出し: 角を丸めた四角形 33">
+            <a:extLst>
+              <a:ext uri="{FF2B5EF4-FFF2-40B4-BE49-F238E27FC236}">
+                <a16:creationId xmlns:a16="http://schemas.microsoft.com/office/drawing/2014/main" id="{7D55A4E4-9E58-4E8A-870E-BEC1814664B6}"/>
+              </a:ext>
+            </a:extLst>
+          </p:cNvPr>
+          <p:cNvSpPr/>
+          <p:nvPr/>
+        </p:nvSpPr>
+        <p:spPr>
+          <a:xfrm>
+            <a:off x="2670220" y="5837015"/>
+            <a:ext cx="1528293" cy="759473"/>
+          </a:xfrm>
+          <a:prstGeom prst="wedgeRoundRectCallout">
+            <a:avLst>
+              <a:gd name="adj1" fmla="val -8722"/>
+              <a:gd name="adj2" fmla="val -122899"/>
+              <a:gd name="adj3" fmla="val 16667"/>
+            </a:avLst>
+          </a:prstGeom>
+        </p:spPr>
+        <p:style>
+          <a:lnRef idx="1">
+            <a:schemeClr val="accent6"/>
+          </a:lnRef>
+          <a:fillRef idx="2">
+            <a:schemeClr val="accent6"/>
+          </a:fillRef>
+          <a:effectRef idx="1">
+            <a:schemeClr val="accent6"/>
+          </a:effectRef>
+          <a:fontRef idx="minor">
+            <a:schemeClr val="dk1"/>
+          </a:fontRef>
+        </p:style>
+        <p:txBody>
+          <a:bodyPr rtlCol="0" anchor="ctr"/>
+          <a:lstStyle/>
+          <a:p>
+            <a:pPr algn="ctr"/>
+            <a:r>
+              <a:rPr lang="ja-JP" altLang="en-US" sz="1200" dirty="0"/>
+              <a:t>ユーザー割り当て</a:t>
+            </a:r>
+            <a:endParaRPr lang="en-US" altLang="ja-JP" sz="1200" dirty="0"/>
+          </a:p>
+          <a:p>
+            <a:pPr algn="ctr"/>
+            <a:r>
+              <a:rPr kumimoji="1" lang="en-US" altLang="ja-JP" sz="1200" dirty="0" err="1"/>
+              <a:t>userX</a:t>
+            </a:r>
+            <a:r>
+              <a:rPr kumimoji="1" lang="en-US" altLang="ja-JP" sz="1200" dirty="0"/>
+              <a:t>, </a:t>
+            </a:r>
+            <a:r>
+              <a:rPr kumimoji="1" lang="en-US" altLang="ja-JP" sz="1200" dirty="0" err="1"/>
+              <a:t>user</a:t>
+            </a:r>
+            <a:r>
+              <a:rPr lang="en-US" altLang="ja-JP" sz="1200" dirty="0" err="1"/>
+              <a:t>Y</a:t>
+            </a:r>
+            <a:endParaRPr kumimoji="1" lang="ja-JP" altLang="en-US" sz="1200" dirty="0"/>
+          </a:p>
+        </p:txBody>
+      </p:sp>
+      <p:pic>
+        <p:nvPicPr>
+          <p:cNvPr id="36" name="グラフィックス 35">
+            <a:extLst>
+              <a:ext uri="{FF2B5EF4-FFF2-40B4-BE49-F238E27FC236}">
+                <a16:creationId xmlns:a16="http://schemas.microsoft.com/office/drawing/2014/main" id="{4BED11EA-DF71-49D5-80F5-9E0422A14512}"/>
+              </a:ext>
+            </a:extLst>
+          </p:cNvPr>
+          <p:cNvPicPr>
+            <a:picLocks noChangeAspect="1"/>
+          </p:cNvPicPr>
+          <p:nvPr/>
+        </p:nvPicPr>
+        <p:blipFill>
+          <a:blip r:embed="rId4">
+            <a:extLst>
+              <a:ext uri="{28A0092B-C50C-407E-A947-70E740481C1C}">
+                <a14:useLocalDpi xmlns:a14="http://schemas.microsoft.com/office/drawing/2010/main" val="0"/>
+              </a:ext>
+              <a:ext uri="{96DAC541-7B7A-43D3-8B79-37D633B846F1}">
+                <asvg:svgBlip xmlns:asvg="http://schemas.microsoft.com/office/drawing/2016/SVG/main" r:embed="rId5"/>
+              </a:ext>
+            </a:extLst>
+          </a:blip>
+          <a:stretch>
+            <a:fillRect/>
+          </a:stretch>
+        </p:blipFill>
+        <p:spPr>
+          <a:xfrm>
+            <a:off x="1297333" y="4024661"/>
+            <a:ext cx="334109" cy="334109"/>
+          </a:xfrm>
+          <a:prstGeom prst="rect">
+            <a:avLst/>
+          </a:prstGeom>
+        </p:spPr>
+      </p:pic>
+      <p:sp>
+        <p:nvSpPr>
+          <p:cNvPr id="38" name="テキスト ボックス 37">
+            <a:extLst>
+              <a:ext uri="{FF2B5EF4-FFF2-40B4-BE49-F238E27FC236}">
+                <a16:creationId xmlns:a16="http://schemas.microsoft.com/office/drawing/2014/main" id="{A4C4DC52-2288-449A-96BE-7AB735B1BC0B}"/>
+              </a:ext>
+            </a:extLst>
+          </p:cNvPr>
+          <p:cNvSpPr txBox="1"/>
+          <p:nvPr/>
+        </p:nvSpPr>
+        <p:spPr>
+          <a:xfrm>
+            <a:off x="1166869" y="4301958"/>
+            <a:ext cx="638316" cy="276999"/>
+          </a:xfrm>
+          <a:prstGeom prst="rect">
+            <a:avLst/>
+          </a:prstGeom>
+          <a:noFill/>
+        </p:spPr>
+        <p:txBody>
+          <a:bodyPr wrap="none" rtlCol="0">
+            <a:spAutoFit/>
+          </a:bodyPr>
+          <a:lstStyle/>
+          <a:p>
+            <a:r>
+              <a:rPr kumimoji="1" lang="en-US" altLang="ja-JP" sz="1200" dirty="0" err="1"/>
+              <a:t>userW</a:t>
+            </a:r>
+            <a:endParaRPr kumimoji="1" lang="ja-JP" altLang="en-US" sz="1200" dirty="0"/>
+          </a:p>
+        </p:txBody>
+      </p:sp>
+      <p:cxnSp>
+        <p:nvCxnSpPr>
+          <p:cNvPr id="40" name="直線矢印コネクタ 39">
+            <a:extLst>
+              <a:ext uri="{FF2B5EF4-FFF2-40B4-BE49-F238E27FC236}">
+                <a16:creationId xmlns:a16="http://schemas.microsoft.com/office/drawing/2014/main" id="{C04E10D8-5B71-4953-88B3-218C884F7F0A}"/>
+              </a:ext>
+            </a:extLst>
+          </p:cNvPr>
+          <p:cNvCxnSpPr>
+            <a:cxnSpLocks/>
+          </p:cNvCxnSpPr>
+          <p:nvPr/>
+        </p:nvCxnSpPr>
+        <p:spPr>
+          <a:xfrm flipH="1" flipV="1">
+            <a:off x="7785500" y="5250391"/>
+            <a:ext cx="1506635" cy="241095"/>
+          </a:xfrm>
+          <a:prstGeom prst="straightConnector1">
+            <a:avLst/>
+          </a:prstGeom>
+          <a:ln>
+            <a:tailEnd type="triangle"/>
+          </a:ln>
+        </p:spPr>
+        <p:style>
+          <a:lnRef idx="1">
+            <a:schemeClr val="accent1"/>
+          </a:lnRef>
+          <a:fillRef idx="0">
+            <a:schemeClr val="accent1"/>
+          </a:fillRef>
+          <a:effectRef idx="0">
+            <a:schemeClr val="accent1"/>
+          </a:effectRef>
+          <a:fontRef idx="minor">
+            <a:schemeClr val="tx1"/>
+          </a:fontRef>
+        </p:style>
+      </p:cxnSp>
+      <p:pic>
+        <p:nvPicPr>
+          <p:cNvPr id="43" name="グラフィックス 42">
+            <a:extLst>
+              <a:ext uri="{FF2B5EF4-FFF2-40B4-BE49-F238E27FC236}">
+                <a16:creationId xmlns:a16="http://schemas.microsoft.com/office/drawing/2014/main" id="{C08A50CC-25D6-43CE-86F6-2F9D43480124}"/>
+              </a:ext>
+            </a:extLst>
+          </p:cNvPr>
+          <p:cNvPicPr>
+            <a:picLocks noChangeAspect="1"/>
+          </p:cNvPicPr>
+          <p:nvPr/>
+        </p:nvPicPr>
+        <p:blipFill>
+          <a:blip r:embed="rId4">
+            <a:extLst>
+              <a:ext uri="{28A0092B-C50C-407E-A947-70E740481C1C}">
+                <a14:useLocalDpi xmlns:a14="http://schemas.microsoft.com/office/drawing/2010/main" val="0"/>
+              </a:ext>
+              <a:ext uri="{96DAC541-7B7A-43D3-8B79-37D633B846F1}">
+                <asvg:svgBlip xmlns:asvg="http://schemas.microsoft.com/office/drawing/2016/SVG/main" r:embed="rId5"/>
+              </a:ext>
+            </a:extLst>
+          </a:blip>
+          <a:stretch>
+            <a:fillRect/>
+          </a:stretch>
+        </p:blipFill>
+        <p:spPr>
+          <a:xfrm>
+            <a:off x="9422599" y="4055115"/>
+            <a:ext cx="334109" cy="334109"/>
+          </a:xfrm>
+          <a:prstGeom prst="rect">
+            <a:avLst/>
+          </a:prstGeom>
+        </p:spPr>
+      </p:pic>
+      <p:sp>
+        <p:nvSpPr>
+          <p:cNvPr id="44" name="テキスト ボックス 43">
+            <a:extLst>
+              <a:ext uri="{FF2B5EF4-FFF2-40B4-BE49-F238E27FC236}">
+                <a16:creationId xmlns:a16="http://schemas.microsoft.com/office/drawing/2014/main" id="{E4708599-83E2-4AB2-9A89-5921205A1D5E}"/>
+              </a:ext>
+            </a:extLst>
+          </p:cNvPr>
+          <p:cNvSpPr txBox="1"/>
+          <p:nvPr/>
+        </p:nvSpPr>
+        <p:spPr>
+          <a:xfrm>
+            <a:off x="9292135" y="4332412"/>
+            <a:ext cx="1736373" cy="276999"/>
+          </a:xfrm>
+          <a:prstGeom prst="rect">
+            <a:avLst/>
+          </a:prstGeom>
+          <a:noFill/>
+        </p:spPr>
+        <p:txBody>
+          <a:bodyPr wrap="none" rtlCol="0">
+            <a:spAutoFit/>
+          </a:bodyPr>
+          <a:lstStyle/>
+          <a:p>
+            <a:r>
+              <a:rPr kumimoji="1" lang="en-US" altLang="ja-JP" sz="1200" dirty="0"/>
+              <a:t>userW@fabricam</a:t>
+            </a:r>
+            <a:r>
+              <a:rPr lang="en-US" altLang="ja-JP" sz="1200" dirty="0"/>
+              <a:t>.com</a:t>
+            </a:r>
+            <a:endParaRPr kumimoji="1" lang="ja-JP" altLang="en-US" sz="1200" dirty="0"/>
+          </a:p>
+        </p:txBody>
+      </p:sp>
+      <p:sp>
+        <p:nvSpPr>
+          <p:cNvPr id="48" name="&quot;禁止&quot;マーク 47">
+            <a:extLst>
+              <a:ext uri="{FF2B5EF4-FFF2-40B4-BE49-F238E27FC236}">
+                <a16:creationId xmlns:a16="http://schemas.microsoft.com/office/drawing/2014/main" id="{90FA0416-02DB-4F2B-9DD4-B099645A0049}"/>
+              </a:ext>
+            </a:extLst>
+          </p:cNvPr>
+          <p:cNvSpPr/>
+          <p:nvPr/>
+        </p:nvSpPr>
+        <p:spPr>
+          <a:xfrm>
+            <a:off x="7658992" y="4434372"/>
+            <a:ext cx="439363" cy="440075"/>
+          </a:xfrm>
+          <a:prstGeom prst="noSmoking">
+            <a:avLst>
+              <a:gd name="adj" fmla="val 12529"/>
+            </a:avLst>
+          </a:prstGeom>
+          <a:solidFill>
+            <a:srgbClr val="EE0000"/>
+          </a:solidFill>
+          <a:ln>
+            <a:noFill/>
+          </a:ln>
+        </p:spPr>
+        <p:style>
+          <a:lnRef idx="2">
+            <a:schemeClr val="accent1">
+              <a:shade val="50000"/>
+            </a:schemeClr>
+          </a:lnRef>
+          <a:fillRef idx="1">
+            <a:schemeClr val="accent1"/>
+          </a:fillRef>
+          <a:effectRef idx="0">
+            <a:schemeClr val="accent1"/>
+          </a:effectRef>
+          <a:fontRef idx="minor">
+            <a:schemeClr val="lt1"/>
+          </a:fontRef>
+        </p:style>
+        <p:txBody>
+          <a:bodyPr rtlCol="0" anchor="ctr"/>
+          <a:lstStyle/>
+          <a:p>
+            <a:pPr algn="ctr"/>
+            <a:endParaRPr kumimoji="1" lang="ja-JP" altLang="en-US">
+              <a:solidFill>
+                <a:schemeClr val="tx1"/>
+              </a:solidFill>
+            </a:endParaRPr>
+          </a:p>
+        </p:txBody>
+      </p:sp>
+      <p:sp>
+        <p:nvSpPr>
+          <p:cNvPr id="50" name="テキスト ボックス 49">
+            <a:extLst>
+              <a:ext uri="{FF2B5EF4-FFF2-40B4-BE49-F238E27FC236}">
+                <a16:creationId xmlns:a16="http://schemas.microsoft.com/office/drawing/2014/main" id="{6EFBBA29-1CC0-4C77-B303-7386C60C8D8C}"/>
+              </a:ext>
+            </a:extLst>
+          </p:cNvPr>
+          <p:cNvSpPr txBox="1"/>
+          <p:nvPr/>
+        </p:nvSpPr>
+        <p:spPr>
+          <a:xfrm>
+            <a:off x="8028613" y="4069866"/>
+            <a:ext cx="1766711" cy="461665"/>
+          </a:xfrm>
+          <a:prstGeom prst="rect">
+            <a:avLst/>
+          </a:prstGeom>
+          <a:noFill/>
+        </p:spPr>
+        <p:txBody>
+          <a:bodyPr wrap="square" rtlCol="0">
+            <a:spAutoFit/>
+          </a:bodyPr>
+          <a:lstStyle/>
+          <a:p>
+            <a:r>
+              <a:rPr kumimoji="1" lang="ja-JP" altLang="en-US" sz="1200" dirty="0"/>
+              <a:t>割り当てがないため</a:t>
+            </a:r>
+            <a:br>
+              <a:rPr kumimoji="1" lang="en-US" altLang="ja-JP" sz="1200" dirty="0"/>
+            </a:br>
+            <a:r>
+              <a:rPr kumimoji="1" lang="ja-JP" altLang="en-US" sz="1200" dirty="0"/>
+              <a:t>アクセス不可</a:t>
+            </a:r>
+            <a:endParaRPr kumimoji="1" lang="en-US" altLang="ja-JP" sz="1200" dirty="0"/>
+          </a:p>
+        </p:txBody>
+      </p:sp>
+    </p:spTree>
+    <p:extLst>
+      <p:ext uri="{BB962C8B-B14F-4D97-AF65-F5344CB8AC3E}">
+        <p14:creationId xmlns:p14="http://schemas.microsoft.com/office/powerpoint/2010/main" val="2008638076"/>
+      </p:ext>
+    </p:extLst>
+  </p:cSld>
+  <p:clrMapOvr>
+    <a:masterClrMapping/>
+  </p:clrMapOvr>
+</p:sld>
+</file>
+
+<file path=ppt/slides/slide6.xml><?xml version="1.0" encoding="utf-8"?>
+<p:sld xmlns:a="http://schemas.openxmlformats.org/drawingml/2006/main" xmlns:r="http://schemas.openxmlformats.org/officeDocument/2006/relationships" xmlns:p="http://schemas.openxmlformats.org/presentationml/2006/main">
+  <p:cSld>
+    <p:spTree>
+      <p:nvGrpSpPr>
+        <p:cNvPr id="1" name=""/>
+        <p:cNvGrpSpPr/>
+        <p:nvPr/>
+      </p:nvGrpSpPr>
+      <p:grpSpPr>
+        <a:xfrm>
+          <a:off x="0" y="0"/>
+          <a:ext cx="0" cy="0"/>
+          <a:chOff x="0" y="0"/>
+          <a:chExt cx="0" cy="0"/>
+        </a:xfrm>
+      </p:grpSpPr>
+      <p:pic>
+        <p:nvPicPr>
+          <p:cNvPr id="3" name="図 2" descr="グラフィカル ユーザー インターフェイス, テキスト, アプリケーション, メール&#10;&#10;自動的に生成された説明">
+            <a:extLst>
+              <a:ext uri="{FF2B5EF4-FFF2-40B4-BE49-F238E27FC236}">
+                <a16:creationId xmlns:a16="http://schemas.microsoft.com/office/drawing/2014/main" id="{D5470764-C182-4A09-A2E3-1678E1E500E5}"/>
+              </a:ext>
+            </a:extLst>
+          </p:cNvPr>
+          <p:cNvPicPr>
+            <a:picLocks noChangeAspect="1"/>
+          </p:cNvPicPr>
+          <p:nvPr/>
+        </p:nvPicPr>
+        <p:blipFill>
+          <a:blip r:embed="rId2"/>
+          <a:stretch>
+            <a:fillRect/>
+          </a:stretch>
+        </p:blipFill>
+        <p:spPr>
+          <a:xfrm>
+            <a:off x="825239" y="592754"/>
+            <a:ext cx="4167458" cy="2903777"/>
+          </a:xfrm>
+          <a:prstGeom prst="rect">
+            <a:avLst/>
+          </a:prstGeom>
+          <a:ln>
+            <a:noFill/>
+          </a:ln>
+          <a:effectLst>
+            <a:outerShdw blurRad="292100" dist="139700" dir="2700000" algn="tl" rotWithShape="0">
+              <a:srgbClr val="333333">
+                <a:alpha val="65000"/>
+              </a:srgbClr>
+            </a:outerShdw>
+          </a:effectLst>
+        </p:spPr>
+      </p:pic>
+      <p:pic>
+        <p:nvPicPr>
+          <p:cNvPr id="5" name="図 4" descr="グラフィカル ユーザー インターフェイス, テキスト, アプリケーション, メール&#10;&#10;自動的に生成された説明">
+            <a:extLst>
+              <a:ext uri="{FF2B5EF4-FFF2-40B4-BE49-F238E27FC236}">
+                <a16:creationId xmlns:a16="http://schemas.microsoft.com/office/drawing/2014/main" id="{BE2801E4-A131-40D1-8F7D-3328F46BA4B4}"/>
+              </a:ext>
+            </a:extLst>
+          </p:cNvPr>
+          <p:cNvPicPr>
+            <a:picLocks noChangeAspect="1"/>
+          </p:cNvPicPr>
+          <p:nvPr/>
+        </p:nvPicPr>
+        <p:blipFill>
+          <a:blip r:embed="rId3"/>
+          <a:stretch>
+            <a:fillRect/>
+          </a:stretch>
+        </p:blipFill>
+        <p:spPr>
+          <a:xfrm>
+            <a:off x="5311749" y="670171"/>
+            <a:ext cx="5687658" cy="2748945"/>
+          </a:xfrm>
+          <a:prstGeom prst="rect">
+            <a:avLst/>
+          </a:prstGeom>
+          <a:ln>
+            <a:noFill/>
+          </a:ln>
+          <a:effectLst>
+            <a:outerShdw blurRad="292100" dist="139700" dir="2700000" algn="tl" rotWithShape="0">
+              <a:srgbClr val="333333">
+                <a:alpha val="65000"/>
+              </a:srgbClr>
+            </a:outerShdw>
+          </a:effectLst>
+        </p:spPr>
+      </p:pic>
+    </p:spTree>
+    <p:extLst>
+      <p:ext uri="{BB962C8B-B14F-4D97-AF65-F5344CB8AC3E}">
+        <p14:creationId xmlns:p14="http://schemas.microsoft.com/office/powerpoint/2010/main" val="931177574"/>
+      </p:ext>
+    </p:extLst>
+  </p:cSld>
+  <p:clrMapOvr>
+    <a:masterClrMapping/>
+  </p:clrMapOvr>
+</p:sld>
+</file>
+
+<file path=ppt/slides/slide7.xml><?xml version="1.0" encoding="utf-8"?>
+<p:sld xmlns:a="http://schemas.openxmlformats.org/drawingml/2006/main" xmlns:r="http://schemas.openxmlformats.org/officeDocument/2006/relationships" xmlns:p="http://schemas.openxmlformats.org/presentationml/2006/main">
+  <p:cSld>
+    <p:spTree>
+      <p:nvGrpSpPr>
+        <p:cNvPr id="1" name=""/>
+        <p:cNvGrpSpPr/>
+        <p:nvPr/>
+      </p:nvGrpSpPr>
+      <p:grpSpPr>
+        <a:xfrm>
+          <a:off x="0" y="0"/>
+          <a:ext cx="0" cy="0"/>
+          <a:chOff x="0" y="0"/>
+          <a:chExt cx="0" cy="0"/>
+        </a:xfrm>
+      </p:grpSpPr>
+      <p:pic>
+        <p:nvPicPr>
+          <p:cNvPr id="3" name="図 2" descr="グラフィカル ユーザー インターフェイス, アプリケーション&#10;&#10;自動的に生成された説明">
+            <a:extLst>
+              <a:ext uri="{FF2B5EF4-FFF2-40B4-BE49-F238E27FC236}">
+                <a16:creationId xmlns:a16="http://schemas.microsoft.com/office/drawing/2014/main" id="{879F2832-94B3-4CEC-A553-D70167159EE3}"/>
+              </a:ext>
+            </a:extLst>
+          </p:cNvPr>
+          <p:cNvPicPr>
+            <a:picLocks noChangeAspect="1"/>
+          </p:cNvPicPr>
+          <p:nvPr/>
+        </p:nvPicPr>
+        <p:blipFill>
+          <a:blip r:embed="rId2"/>
+          <a:stretch>
+            <a:fillRect/>
+          </a:stretch>
+        </p:blipFill>
+        <p:spPr>
+          <a:xfrm>
+            <a:off x="1656322" y="1124980"/>
+            <a:ext cx="2786077" cy="3199306"/>
+          </a:xfrm>
+          <a:prstGeom prst="rect">
+            <a:avLst/>
+          </a:prstGeom>
+        </p:spPr>
+      </p:pic>
+    </p:spTree>
+    <p:extLst>
+      <p:ext uri="{BB962C8B-B14F-4D97-AF65-F5344CB8AC3E}">
+        <p14:creationId xmlns:p14="http://schemas.microsoft.com/office/powerpoint/2010/main" val="3840398980"/>
+      </p:ext>
+    </p:extLst>
+  </p:cSld>
+  <p:clrMapOvr>
+    <a:masterClrMapping/>
+  </p:clrMapOvr>
+</p:sld>
+</file>
+
+<file path=ppt/slides/slide8.xml><?xml version="1.0" encoding="utf-8"?>
+<p:sld xmlns:a="http://schemas.openxmlformats.org/drawingml/2006/main" xmlns:r="http://schemas.openxmlformats.org/officeDocument/2006/relationships" xmlns:p="http://schemas.openxmlformats.org/presentationml/2006/main">
+  <p:cSld>
+    <p:spTree>
+      <p:nvGrpSpPr>
+        <p:cNvPr id="1" name=""/>
+        <p:cNvGrpSpPr/>
+        <p:nvPr/>
+      </p:nvGrpSpPr>
+      <p:grpSpPr>
+        <a:xfrm>
+          <a:off x="0" y="0"/>
+          <a:ext cx="0" cy="0"/>
+          <a:chOff x="0" y="0"/>
+          <a:chExt cx="0" cy="0"/>
+        </a:xfrm>
+      </p:grpSpPr>
+      <p:pic>
+        <p:nvPicPr>
+          <p:cNvPr id="9" name="図 8" descr="グラフィカル ユーザー インターフェイス, テキスト, アプリケーション&#10;&#10;自動的に生成された説明">
+            <a:extLst>
+              <a:ext uri="{FF2B5EF4-FFF2-40B4-BE49-F238E27FC236}">
+                <a16:creationId xmlns:a16="http://schemas.microsoft.com/office/drawing/2014/main" id="{2A00E0B6-5D67-41B9-9F6D-F98B684587D6}"/>
+              </a:ext>
+            </a:extLst>
+          </p:cNvPr>
+          <p:cNvPicPr>
+            <a:picLocks noChangeAspect="1"/>
+          </p:cNvPicPr>
+          <p:nvPr/>
+        </p:nvPicPr>
+        <p:blipFill>
+          <a:blip r:embed="rId2"/>
+          <a:stretch>
+            <a:fillRect/>
+          </a:stretch>
+        </p:blipFill>
+        <p:spPr>
+          <a:xfrm>
+            <a:off x="711596" y="709076"/>
+            <a:ext cx="6179393" cy="3210452"/>
+          </a:xfrm>
+          <a:prstGeom prst="rect">
+            <a:avLst/>
+          </a:prstGeom>
+          <a:ln>
+            <a:noFill/>
+          </a:ln>
+          <a:effectLst>
+            <a:outerShdw blurRad="292100" dist="139700" dir="2700000" algn="tl" rotWithShape="0">
+              <a:srgbClr val="333333">
+                <a:alpha val="65000"/>
+              </a:srgbClr>
+            </a:outerShdw>
+          </a:effectLst>
+        </p:spPr>
+      </p:pic>
+      <p:sp>
+        <p:nvSpPr>
+          <p:cNvPr id="10" name="正方形/長方形 9">
+            <a:extLst>
+              <a:ext uri="{FF2B5EF4-FFF2-40B4-BE49-F238E27FC236}">
+                <a16:creationId xmlns:a16="http://schemas.microsoft.com/office/drawing/2014/main" id="{FA1AB369-483B-419D-816B-EA057742BA59}"/>
+              </a:ext>
+            </a:extLst>
+          </p:cNvPr>
+          <p:cNvSpPr/>
+          <p:nvPr/>
+        </p:nvSpPr>
+        <p:spPr>
+          <a:xfrm>
+            <a:off x="2401744" y="3414280"/>
+            <a:ext cx="2809473" cy="287697"/>
+          </a:xfrm>
+          <a:prstGeom prst="rect">
+            <a:avLst/>
+          </a:prstGeom>
+          <a:noFill/>
+          <a:ln w="28575">
+            <a:solidFill>
+              <a:srgbClr val="EE0000"/>
+            </a:solidFill>
+          </a:ln>
+        </p:spPr>
+        <p:style>
+          <a:lnRef idx="2">
+            <a:schemeClr val="accent1">
+              <a:shade val="50000"/>
+            </a:schemeClr>
+          </a:lnRef>
+          <a:fillRef idx="1">
+            <a:schemeClr val="accent1"/>
+          </a:fillRef>
+          <a:effectRef idx="0">
+            <a:schemeClr val="accent1"/>
+          </a:effectRef>
+          <a:fontRef idx="minor">
+            <a:schemeClr val="lt1"/>
+          </a:fontRef>
+        </p:style>
+        <p:txBody>
+          <a:bodyPr rtlCol="0" anchor="ctr"/>
+          <a:lstStyle/>
+          <a:p>
+            <a:pPr algn="ctr"/>
+            <a:endParaRPr kumimoji="1" lang="ja-JP" altLang="en-US"/>
+          </a:p>
+        </p:txBody>
+      </p:sp>
+    </p:spTree>
+    <p:extLst>
+      <p:ext uri="{BB962C8B-B14F-4D97-AF65-F5344CB8AC3E}">
+        <p14:creationId xmlns:p14="http://schemas.microsoft.com/office/powerpoint/2010/main" val="614265734"/>
+      </p:ext>
+    </p:extLst>
+  </p:cSld>
+  <p:clrMapOvr>
+    <a:masterClrMapping/>
+  </p:clrMapOvr>
+</p:sld>
+</file>
+
 <file path=ppt/theme/theme1.xml><?xml version="1.0" encoding="utf-8"?>
 <a:theme xmlns:a="http://schemas.openxmlformats.org/drawingml/2006/main" name="Office テーマ">
   <a:themeElements>

--- a/auth-static-webapp/images/figures.pptx
+++ b/auth-static-webapp/images/figures.pptx
@@ -9680,8 +9680,8 @@
         </p:blipFill>
         <p:spPr>
           <a:xfrm>
-            <a:off x="711596" y="709076"/>
-            <a:ext cx="6179393" cy="3210452"/>
+            <a:off x="1253011" y="974790"/>
+            <a:ext cx="5106936" cy="2653266"/>
           </a:xfrm>
           <a:prstGeom prst="rect">
             <a:avLst/>
@@ -9712,8 +9712,8 @@
         </p:nvSpPr>
         <p:spPr>
           <a:xfrm>
-            <a:off x="2401744" y="3414280"/>
-            <a:ext cx="2809473" cy="287697"/>
+            <a:off x="2702098" y="3220304"/>
+            <a:ext cx="2321878" cy="237766"/>
           </a:xfrm>
           <a:prstGeom prst="rect">
             <a:avLst/>
@@ -9747,6 +9747,152 @@
           <a:p>
             <a:pPr algn="ctr"/>
             <a:endParaRPr kumimoji="1" lang="ja-JP" altLang="en-US"/>
+          </a:p>
+        </p:txBody>
+      </p:sp>
+      <p:pic>
+        <p:nvPicPr>
+          <p:cNvPr id="18" name="図 17" descr="グラフィカル ユーザー インターフェイス, テキスト, アプリケーション, メール&#10;&#10;自動的に生成された説明">
+            <a:extLst>
+              <a:ext uri="{FF2B5EF4-FFF2-40B4-BE49-F238E27FC236}">
+                <a16:creationId xmlns:a16="http://schemas.microsoft.com/office/drawing/2014/main" id="{5B2C21EC-0051-4196-A70A-94F2BE350705}"/>
+              </a:ext>
+            </a:extLst>
+          </p:cNvPr>
+          <p:cNvPicPr>
+            <a:picLocks noChangeAspect="1"/>
+          </p:cNvPicPr>
+          <p:nvPr/>
+        </p:nvPicPr>
+        <p:blipFill>
+          <a:blip r:embed="rId3"/>
+          <a:stretch>
+            <a:fillRect/>
+          </a:stretch>
+        </p:blipFill>
+        <p:spPr>
+          <a:xfrm>
+            <a:off x="6638817" y="1036733"/>
+            <a:ext cx="5162001" cy="2591323"/>
+          </a:xfrm>
+          <a:prstGeom prst="rect">
+            <a:avLst/>
+          </a:prstGeom>
+          <a:ln>
+            <a:noFill/>
+          </a:ln>
+          <a:effectLst>
+            <a:outerShdw blurRad="292100" dist="139700" dir="2700000" algn="tl" rotWithShape="0">
+              <a:srgbClr val="333333">
+                <a:alpha val="65000"/>
+              </a:srgbClr>
+            </a:outerShdw>
+          </a:effectLst>
+        </p:spPr>
+      </p:pic>
+      <p:sp>
+        <p:nvSpPr>
+          <p:cNvPr id="20" name="正方形/長方形 19">
+            <a:extLst>
+              <a:ext uri="{FF2B5EF4-FFF2-40B4-BE49-F238E27FC236}">
+                <a16:creationId xmlns:a16="http://schemas.microsoft.com/office/drawing/2014/main" id="{CB9D76EB-EB85-45F0-B43A-910E96D2EE17}"/>
+              </a:ext>
+            </a:extLst>
+          </p:cNvPr>
+          <p:cNvSpPr/>
+          <p:nvPr/>
+        </p:nvSpPr>
+        <p:spPr>
+          <a:xfrm>
+            <a:off x="8152007" y="2252242"/>
+            <a:ext cx="3460443" cy="1143488"/>
+          </a:xfrm>
+          <a:prstGeom prst="rect">
+            <a:avLst/>
+          </a:prstGeom>
+          <a:noFill/>
+          <a:ln w="28575">
+            <a:solidFill>
+              <a:srgbClr val="EE0000"/>
+            </a:solidFill>
+          </a:ln>
+        </p:spPr>
+        <p:style>
+          <a:lnRef idx="2">
+            <a:schemeClr val="accent1">
+              <a:shade val="50000"/>
+            </a:schemeClr>
+          </a:lnRef>
+          <a:fillRef idx="1">
+            <a:schemeClr val="accent1"/>
+          </a:fillRef>
+          <a:effectRef idx="0">
+            <a:schemeClr val="accent1"/>
+          </a:effectRef>
+          <a:fontRef idx="minor">
+            <a:schemeClr val="lt1"/>
+          </a:fontRef>
+        </p:style>
+        <p:txBody>
+          <a:bodyPr rtlCol="0" anchor="ctr"/>
+          <a:lstStyle/>
+          <a:p>
+            <a:pPr algn="ctr"/>
+            <a:endParaRPr kumimoji="1" lang="ja-JP" altLang="en-US"/>
+          </a:p>
+        </p:txBody>
+      </p:sp>
+      <p:sp>
+        <p:nvSpPr>
+          <p:cNvPr id="21" name="テキスト ボックス 20">
+            <a:extLst>
+              <a:ext uri="{FF2B5EF4-FFF2-40B4-BE49-F238E27FC236}">
+                <a16:creationId xmlns:a16="http://schemas.microsoft.com/office/drawing/2014/main" id="{97254CB5-85FB-4931-8241-6F97E54FEF2A}"/>
+              </a:ext>
+            </a:extLst>
+          </p:cNvPr>
+          <p:cNvSpPr txBox="1"/>
+          <p:nvPr/>
+        </p:nvSpPr>
+        <p:spPr>
+          <a:xfrm>
+            <a:off x="8481844" y="2934065"/>
+            <a:ext cx="2800767" cy="461665"/>
+          </a:xfrm>
+          <a:prstGeom prst="rect">
+            <a:avLst/>
+          </a:prstGeom>
+          <a:noFill/>
+        </p:spPr>
+        <p:txBody>
+          <a:bodyPr wrap="none" rtlCol="0">
+            <a:spAutoFit/>
+          </a:bodyPr>
+          <a:lstStyle/>
+          <a:p>
+            <a:r>
+              <a:rPr kumimoji="1" lang="ja-JP" altLang="en-US" sz="1200" dirty="0">
+                <a:solidFill>
+                  <a:srgbClr val="FF0000"/>
+                </a:solidFill>
+              </a:rPr>
+              <a:t>アクセスを許可したいユーザーを追加</a:t>
+            </a:r>
+            <a:br>
+              <a:rPr kumimoji="1" lang="en-US" altLang="ja-JP" sz="1200" dirty="0">
+                <a:solidFill>
+                  <a:srgbClr val="FF0000"/>
+                </a:solidFill>
+              </a:rPr>
+            </a:br>
+            <a:r>
+              <a:rPr kumimoji="1" lang="ja-JP" altLang="en-US" sz="1200" dirty="0">
+                <a:solidFill>
+                  <a:srgbClr val="FF0000"/>
+                </a:solidFill>
+              </a:rPr>
+              <a:t>（ホワイトリスト）</a:t>
+            </a:r>
           </a:p>
         </p:txBody>
       </p:sp>

--- a/auth-static-webapp/images/figures.pptx
+++ b/auth-static-webapp/images/figures.pptx
@@ -9620,14 +9620,134 @@
         </p:blipFill>
         <p:spPr>
           <a:xfrm>
-            <a:off x="1656322" y="1124980"/>
+            <a:off x="3892953" y="1047707"/>
             <a:ext cx="2786077" cy="3199306"/>
           </a:xfrm>
           <a:prstGeom prst="rect">
             <a:avLst/>
           </a:prstGeom>
+          <a:ln>
+            <a:noFill/>
+          </a:ln>
+          <a:effectLst>
+            <a:outerShdw blurRad="292100" dist="139700" dir="2700000" algn="tl" rotWithShape="0">
+              <a:srgbClr val="333333">
+                <a:alpha val="65000"/>
+              </a:srgbClr>
+            </a:outerShdw>
+          </a:effectLst>
         </p:spPr>
       </p:pic>
+      <p:pic>
+        <p:nvPicPr>
+          <p:cNvPr id="2" name="図 1" descr="グラフィカル ユーザー インターフェイス, テキスト, アプリケーション&#10;&#10;自動的に生成された説明">
+            <a:extLst>
+              <a:ext uri="{FF2B5EF4-FFF2-40B4-BE49-F238E27FC236}">
+                <a16:creationId xmlns:a16="http://schemas.microsoft.com/office/drawing/2014/main" id="{5C62A213-B782-47DE-984D-E8EDDECAD6A8}"/>
+              </a:ext>
+            </a:extLst>
+          </p:cNvPr>
+          <p:cNvPicPr>
+            <a:picLocks noChangeAspect="1"/>
+          </p:cNvPicPr>
+          <p:nvPr/>
+        </p:nvPicPr>
+        <p:blipFill>
+          <a:blip r:embed="rId3"/>
+          <a:stretch>
+            <a:fillRect/>
+          </a:stretch>
+        </p:blipFill>
+        <p:spPr>
+          <a:xfrm>
+            <a:off x="537214" y="747189"/>
+            <a:ext cx="3400779" cy="4052371"/>
+          </a:xfrm>
+          <a:prstGeom prst="rect">
+            <a:avLst/>
+          </a:prstGeom>
+        </p:spPr>
+      </p:pic>
+      <p:sp>
+        <p:nvSpPr>
+          <p:cNvPr id="6" name="テキスト ボックス 5">
+            <a:extLst>
+              <a:ext uri="{FF2B5EF4-FFF2-40B4-BE49-F238E27FC236}">
+                <a16:creationId xmlns:a16="http://schemas.microsoft.com/office/drawing/2014/main" id="{FAABDB14-AB2E-40F2-8601-EEBD1F50CB19}"/>
+              </a:ext>
+            </a:extLst>
+          </p:cNvPr>
+          <p:cNvSpPr txBox="1"/>
+          <p:nvPr/>
+        </p:nvSpPr>
+        <p:spPr>
+          <a:xfrm>
+            <a:off x="614521" y="706521"/>
+            <a:ext cx="2948633" cy="276999"/>
+          </a:xfrm>
+          <a:prstGeom prst="rect">
+            <a:avLst/>
+          </a:prstGeom>
+          <a:noFill/>
+        </p:spPr>
+        <p:txBody>
+          <a:bodyPr wrap="square" rtlCol="0">
+            <a:spAutoFit/>
+          </a:bodyPr>
+          <a:lstStyle/>
+          <a:p>
+            <a:r>
+              <a:rPr lang="en-US" altLang="ja-JP" sz="1200" dirty="0"/>
+              <a:t>Managed Authentication </a:t>
+            </a:r>
+            <a:r>
+              <a:rPr lang="ja-JP" altLang="en-US" sz="1200" dirty="0"/>
+              <a:t>の同意画面</a:t>
+            </a:r>
+            <a:endParaRPr kumimoji="1" lang="en-US" altLang="ja-JP" sz="1200" dirty="0"/>
+          </a:p>
+        </p:txBody>
+      </p:sp>
+      <p:sp>
+        <p:nvSpPr>
+          <p:cNvPr id="8" name="テキスト ボックス 7">
+            <a:extLst>
+              <a:ext uri="{FF2B5EF4-FFF2-40B4-BE49-F238E27FC236}">
+                <a16:creationId xmlns:a16="http://schemas.microsoft.com/office/drawing/2014/main" id="{BD624510-D09A-41B8-8D0D-4B34129B3443}"/>
+              </a:ext>
+            </a:extLst>
+          </p:cNvPr>
+          <p:cNvSpPr txBox="1"/>
+          <p:nvPr/>
+        </p:nvSpPr>
+        <p:spPr>
+          <a:xfrm>
+            <a:off x="3937993" y="706520"/>
+            <a:ext cx="2948633" cy="276999"/>
+          </a:xfrm>
+          <a:prstGeom prst="rect">
+            <a:avLst/>
+          </a:prstGeom>
+          <a:noFill/>
+        </p:spPr>
+        <p:txBody>
+          <a:bodyPr wrap="square" rtlCol="0">
+            <a:spAutoFit/>
+          </a:bodyPr>
+          <a:lstStyle/>
+          <a:p>
+            <a:r>
+              <a:rPr lang="en-US" altLang="ja-JP" sz="1200" dirty="0"/>
+              <a:t>Custom Authentication </a:t>
+            </a:r>
+            <a:r>
+              <a:rPr lang="ja-JP" altLang="en-US" sz="1200" dirty="0"/>
+              <a:t>の同意画面</a:t>
+            </a:r>
+            <a:endParaRPr kumimoji="1" lang="en-US" altLang="ja-JP" sz="1200" dirty="0"/>
+          </a:p>
+        </p:txBody>
+      </p:sp>
     </p:spTree>
     <p:extLst>
       <p:ext uri="{BB962C8B-B14F-4D97-AF65-F5344CB8AC3E}">
